--- a/Modelovanie softvéru autonómnych aut.pptx
+++ b/Modelovanie softvéru autonómnych aut.pptx
@@ -6,19 +6,18 @@
   </p:sldMasterIdLst>
   <p:sldIdLst>
     <p:sldId id="256" r:id="rId2"/>
-    <p:sldId id="261" r:id="rId3"/>
-    <p:sldId id="270" r:id="rId4"/>
-    <p:sldId id="257" r:id="rId5"/>
-    <p:sldId id="259" r:id="rId6"/>
-    <p:sldId id="260" r:id="rId7"/>
-    <p:sldId id="262" r:id="rId8"/>
-    <p:sldId id="263" r:id="rId9"/>
-    <p:sldId id="265" r:id="rId10"/>
-    <p:sldId id="266" r:id="rId11"/>
-    <p:sldId id="267" r:id="rId12"/>
-    <p:sldId id="268" r:id="rId13"/>
-    <p:sldId id="269" r:id="rId14"/>
-    <p:sldId id="264" r:id="rId15"/>
+    <p:sldId id="270" r:id="rId3"/>
+    <p:sldId id="257" r:id="rId4"/>
+    <p:sldId id="259" r:id="rId5"/>
+    <p:sldId id="260" r:id="rId6"/>
+    <p:sldId id="262" r:id="rId7"/>
+    <p:sldId id="263" r:id="rId8"/>
+    <p:sldId id="265" r:id="rId9"/>
+    <p:sldId id="266" r:id="rId10"/>
+    <p:sldId id="267" r:id="rId11"/>
+    <p:sldId id="268" r:id="rId12"/>
+    <p:sldId id="269" r:id="rId13"/>
+    <p:sldId id="264" r:id="rId14"/>
   </p:sldIdLst>
   <p:sldSz cx="12192000" cy="6858000"/>
   <p:notesSz cx="6858000" cy="9144000"/>
@@ -123,14 +122,6 @@
     </p:ext>
   </p:extLst>
 </p:presentation>
-</file>
-
-<file path=ppt/revisionInfo.xml><?xml version="1.0" encoding="utf-8"?>
-<p1510:revInfo xmlns:a="http://schemas.openxmlformats.org/drawingml/2006/main" xmlns:r="http://schemas.openxmlformats.org/officeDocument/2006/relationships" xmlns:p1510="http://schemas.microsoft.com/office/powerpoint/2015/10/main">
-  <p1510:revLst>
-    <p1510:client id="{C34B712D-12F2-4881-95AF-0FA356DF81D3}" v="106" dt="2021-12-01T14:13:14.642"/>
-  </p1510:revLst>
-</p1510:revInfo>
 </file>
 
 <file path=ppt/changesInfos/changesInfo1.xml><?xml version="1.0" encoding="utf-8"?>
@@ -931,6 +922,22 @@
         <pc:sldMkLst>
           <pc:docMk/>
           <pc:sldMk cId="3290451392" sldId="270"/>
+        </pc:sldMkLst>
+      </pc:sldChg>
+    </pc:docChg>
+  </pc:docChgLst>
+  <pc:docChgLst>
+    <pc:chgData name="Peter" userId="c590b6d156e9df95" providerId="LiveId" clId="{EF371D28-66FB-42DB-A5A9-4BBBC941EC16}"/>
+    <pc:docChg chg="delSld">
+      <pc:chgData name="Peter" userId="c590b6d156e9df95" providerId="LiveId" clId="{EF371D28-66FB-42DB-A5A9-4BBBC941EC16}" dt="2021-12-03T11:03:00.023" v="0" actId="2696"/>
+      <pc:docMkLst>
+        <pc:docMk/>
+      </pc:docMkLst>
+      <pc:sldChg chg="del">
+        <pc:chgData name="Peter" userId="c590b6d156e9df95" providerId="LiveId" clId="{EF371D28-66FB-42DB-A5A9-4BBBC941EC16}" dt="2021-12-03T11:03:00.023" v="0" actId="2696"/>
+        <pc:sldMkLst>
+          <pc:docMk/>
+          <pc:sldMk cId="3882917144" sldId="261"/>
         </pc:sldMkLst>
       </pc:sldChg>
     </pc:docChg>
@@ -4045,7 +4052,7 @@
           <a:p>
             <a:fld id="{E32DF3D2-C4CA-4D0F-A1BA-681B98C540ED}" type="datetimeFigureOut">
               <a:rPr lang="en-GB" smtClean="0"/>
-              <a:t>01/12/2021</a:t>
+              <a:t>03/12/2021</a:t>
             </a:fld>
             <a:endParaRPr lang="en-GB"/>
           </a:p>
@@ -4245,7 +4252,7 @@
           <a:p>
             <a:fld id="{E32DF3D2-C4CA-4D0F-A1BA-681B98C540ED}" type="datetimeFigureOut">
               <a:rPr lang="en-GB" smtClean="0"/>
-              <a:t>01/12/2021</a:t>
+              <a:t>03/12/2021</a:t>
             </a:fld>
             <a:endParaRPr lang="en-GB"/>
           </a:p>
@@ -4455,7 +4462,7 @@
           <a:p>
             <a:fld id="{E32DF3D2-C4CA-4D0F-A1BA-681B98C540ED}" type="datetimeFigureOut">
               <a:rPr lang="en-GB" smtClean="0"/>
-              <a:t>01/12/2021</a:t>
+              <a:t>03/12/2021</a:t>
             </a:fld>
             <a:endParaRPr lang="en-GB"/>
           </a:p>
@@ -4655,7 +4662,7 @@
           <a:p>
             <a:fld id="{E32DF3D2-C4CA-4D0F-A1BA-681B98C540ED}" type="datetimeFigureOut">
               <a:rPr lang="en-GB" smtClean="0"/>
-              <a:t>01/12/2021</a:t>
+              <a:t>03/12/2021</a:t>
             </a:fld>
             <a:endParaRPr lang="en-GB"/>
           </a:p>
@@ -4931,7 +4938,7 @@
           <a:p>
             <a:fld id="{E32DF3D2-C4CA-4D0F-A1BA-681B98C540ED}" type="datetimeFigureOut">
               <a:rPr lang="en-GB" smtClean="0"/>
-              <a:t>01/12/2021</a:t>
+              <a:t>03/12/2021</a:t>
             </a:fld>
             <a:endParaRPr lang="en-GB"/>
           </a:p>
@@ -5199,7 +5206,7 @@
           <a:p>
             <a:fld id="{E32DF3D2-C4CA-4D0F-A1BA-681B98C540ED}" type="datetimeFigureOut">
               <a:rPr lang="en-GB" smtClean="0"/>
-              <a:t>01/12/2021</a:t>
+              <a:t>03/12/2021</a:t>
             </a:fld>
             <a:endParaRPr lang="en-GB"/>
           </a:p>
@@ -5614,7 +5621,7 @@
           <a:p>
             <a:fld id="{E32DF3D2-C4CA-4D0F-A1BA-681B98C540ED}" type="datetimeFigureOut">
               <a:rPr lang="en-GB" smtClean="0"/>
-              <a:t>01/12/2021</a:t>
+              <a:t>03/12/2021</a:t>
             </a:fld>
             <a:endParaRPr lang="en-GB"/>
           </a:p>
@@ -5756,7 +5763,7 @@
           <a:p>
             <a:fld id="{E32DF3D2-C4CA-4D0F-A1BA-681B98C540ED}" type="datetimeFigureOut">
               <a:rPr lang="en-GB" smtClean="0"/>
-              <a:t>01/12/2021</a:t>
+              <a:t>03/12/2021</a:t>
             </a:fld>
             <a:endParaRPr lang="en-GB"/>
           </a:p>
@@ -5869,7 +5876,7 @@
           <a:p>
             <a:fld id="{E32DF3D2-C4CA-4D0F-A1BA-681B98C540ED}" type="datetimeFigureOut">
               <a:rPr lang="en-GB" smtClean="0"/>
-              <a:t>01/12/2021</a:t>
+              <a:t>03/12/2021</a:t>
             </a:fld>
             <a:endParaRPr lang="en-GB"/>
           </a:p>
@@ -6182,7 +6189,7 @@
           <a:p>
             <a:fld id="{E32DF3D2-C4CA-4D0F-A1BA-681B98C540ED}" type="datetimeFigureOut">
               <a:rPr lang="en-GB" smtClean="0"/>
-              <a:t>01/12/2021</a:t>
+              <a:t>03/12/2021</a:t>
             </a:fld>
             <a:endParaRPr lang="en-GB"/>
           </a:p>
@@ -6471,7 +6478,7 @@
           <a:p>
             <a:fld id="{E32DF3D2-C4CA-4D0F-A1BA-681B98C540ED}" type="datetimeFigureOut">
               <a:rPr lang="en-GB" smtClean="0"/>
-              <a:t>01/12/2021</a:t>
+              <a:t>03/12/2021</a:t>
             </a:fld>
             <a:endParaRPr lang="en-GB"/>
           </a:p>
@@ -6714,7 +6721,7 @@
           <a:p>
             <a:fld id="{E32DF3D2-C4CA-4D0F-A1BA-681B98C540ED}" type="datetimeFigureOut">
               <a:rPr lang="en-GB" smtClean="0"/>
-              <a:t>01/12/2021</a:t>
+              <a:t>03/12/2021</a:t>
             </a:fld>
             <a:endParaRPr lang="en-GB"/>
           </a:p>
@@ -7474,6 +7481,1911 @@
       </p:grpSpPr>
       <p:sp useBgFill="1">
         <p:nvSpPr>
+          <p:cNvPr id="17" name="Rectangle 16">
+            <a:extLst>
+              <a:ext uri="{FF2B5EF4-FFF2-40B4-BE49-F238E27FC236}">
+                <a16:creationId xmlns:a16="http://schemas.microsoft.com/office/drawing/2014/main" id="{2C61293E-6EBE-43EF-A52C-9BEBFD7679D4}"/>
+              </a:ext>
+              <a:ext uri="{C183D7F6-B498-43B3-948B-1728B52AA6E4}">
+                <adec:decorative xmlns:adec="http://schemas.microsoft.com/office/drawing/2017/decorative" val="1"/>
+              </a:ext>
+            </a:extLst>
+          </p:cNvPr>
+          <p:cNvSpPr>
+            <a:spLocks noGrp="1" noRot="1" noChangeAspect="1" noMove="1" noResize="1" noEditPoints="1" noAdjustHandles="1" noChangeArrowheads="1" noChangeShapeType="1" noTextEdit="1"/>
+          </p:cNvSpPr>
+          <p:nvPr>
+            <p:extLst>
+              <p:ext uri="{386F3935-93C4-4BCD-93E2-E3B085C9AB24}">
+                <p16:designElem xmlns:p16="http://schemas.microsoft.com/office/powerpoint/2015/main" val="1"/>
+              </p:ext>
+            </p:extLst>
+          </p:nvPr>
+        </p:nvSpPr>
+        <p:spPr>
+          <a:xfrm>
+            <a:off x="0" y="0"/>
+            <a:ext cx="12188952" cy="6858000"/>
+          </a:xfrm>
+          <a:prstGeom prst="rect">
+            <a:avLst/>
+          </a:prstGeom>
+          <a:ln>
+            <a:noFill/>
+          </a:ln>
+        </p:spPr>
+        <p:style>
+          <a:lnRef idx="2">
+            <a:schemeClr val="accent1">
+              <a:shade val="50000"/>
+            </a:schemeClr>
+          </a:lnRef>
+          <a:fillRef idx="1">
+            <a:schemeClr val="accent1"/>
+          </a:fillRef>
+          <a:effectRef idx="0">
+            <a:schemeClr val="accent1"/>
+          </a:effectRef>
+          <a:fontRef idx="minor">
+            <a:schemeClr val="lt1"/>
+          </a:fontRef>
+        </p:style>
+        <p:txBody>
+          <a:bodyPr rtlCol="0" anchor="ctr"/>
+          <a:lstStyle/>
+          <a:p>
+            <a:pPr algn="ctr"/>
+            <a:endParaRPr lang="en-US"/>
+          </a:p>
+        </p:txBody>
+      </p:sp>
+      <p:sp>
+        <p:nvSpPr>
+          <p:cNvPr id="4" name="Title 1">
+            <a:extLst>
+              <a:ext uri="{FF2B5EF4-FFF2-40B4-BE49-F238E27FC236}">
+                <a16:creationId xmlns:a16="http://schemas.microsoft.com/office/drawing/2014/main" id="{9BC05708-F385-43C2-82F6-8AC7484D5B4D}"/>
+              </a:ext>
+            </a:extLst>
+          </p:cNvPr>
+          <p:cNvSpPr>
+            <a:spLocks noGrp="1"/>
+          </p:cNvSpPr>
+          <p:nvPr>
+            <p:ph type="title"/>
+          </p:nvPr>
+        </p:nvSpPr>
+        <p:spPr>
+          <a:xfrm>
+            <a:off x="5297762" y="329184"/>
+            <a:ext cx="6251110" cy="1783080"/>
+          </a:xfrm>
+        </p:spPr>
+        <p:txBody>
+          <a:bodyPr anchor="b">
+            <a:normAutofit/>
+          </a:bodyPr>
+          <a:lstStyle/>
+          <a:p>
+            <a:r>
+              <a:rPr lang="en-GB" sz="5400" b="1"/>
+              <a:t>Lokalizácia</a:t>
+            </a:r>
+          </a:p>
+        </p:txBody>
+      </p:sp>
+      <p:pic>
+        <p:nvPicPr>
+          <p:cNvPr id="6" name="Picture 5" descr="Červené pripináčiky na mape">
+            <a:extLst>
+              <a:ext uri="{FF2B5EF4-FFF2-40B4-BE49-F238E27FC236}">
+                <a16:creationId xmlns:a16="http://schemas.microsoft.com/office/drawing/2014/main" id="{12EC9DC5-C442-4371-9410-DDE7F7CB560C}"/>
+              </a:ext>
+            </a:extLst>
+          </p:cNvPr>
+          <p:cNvPicPr>
+            <a:picLocks noChangeAspect="1"/>
+          </p:cNvPicPr>
+          <p:nvPr/>
+        </p:nvPicPr>
+        <p:blipFill rotWithShape="1">
+          <a:blip r:embed="rId2"/>
+          <a:srcRect l="20617" r="28450"/>
+          <a:stretch/>
+        </p:blipFill>
+        <p:spPr>
+          <a:xfrm>
+            <a:off x="1" y="10"/>
+            <a:ext cx="4657344" cy="6857990"/>
+          </a:xfrm>
+          <a:custGeom>
+            <a:avLst/>
+            <a:gdLst/>
+            <a:ahLst/>
+            <a:cxnLst/>
+            <a:rect l="l" t="t" r="r" b="b"/>
+            <a:pathLst>
+              <a:path w="4657344" h="6858000">
+                <a:moveTo>
+                  <a:pt x="0" y="0"/>
+                </a:moveTo>
+                <a:lnTo>
+                  <a:pt x="3429755" y="0"/>
+                </a:lnTo>
+                <a:lnTo>
+                  <a:pt x="3526016" y="148742"/>
+                </a:lnTo>
+                <a:cubicBezTo>
+                  <a:pt x="3657740" y="365513"/>
+                  <a:pt x="3777402" y="589569"/>
+                  <a:pt x="3886489" y="819975"/>
+                </a:cubicBezTo>
+                <a:cubicBezTo>
+                  <a:pt x="3891856" y="833492"/>
+                  <a:pt x="3900663" y="845393"/>
+                  <a:pt x="3912049" y="854514"/>
+                </a:cubicBezTo>
+                <a:cubicBezTo>
+                  <a:pt x="3897352" y="819849"/>
+                  <a:pt x="3883037" y="784928"/>
+                  <a:pt x="3868083" y="750263"/>
+                </a:cubicBezTo>
+                <a:cubicBezTo>
+                  <a:pt x="3806989" y="608712"/>
+                  <a:pt x="3742478" y="469145"/>
+                  <a:pt x="3674155" y="331786"/>
+                </a:cubicBezTo>
+                <a:lnTo>
+                  <a:pt x="3496656" y="0"/>
+                </a:lnTo>
+                <a:lnTo>
+                  <a:pt x="3554371" y="0"/>
+                </a:lnTo>
+                <a:lnTo>
+                  <a:pt x="3661621" y="196614"/>
+                </a:lnTo>
+                <a:cubicBezTo>
+                  <a:pt x="3856899" y="573253"/>
+                  <a:pt x="4021071" y="966066"/>
+                  <a:pt x="4161279" y="1371196"/>
+                </a:cubicBezTo>
+                <a:cubicBezTo>
+                  <a:pt x="4379525" y="2007265"/>
+                  <a:pt x="4530141" y="2664286"/>
+                  <a:pt x="4610660" y="3331516"/>
+                </a:cubicBezTo>
+                <a:cubicBezTo>
+                  <a:pt x="4652837" y="3672965"/>
+                  <a:pt x="4671625" y="4013908"/>
+                  <a:pt x="4645040" y="4357388"/>
+                </a:cubicBezTo>
+                <a:cubicBezTo>
+                  <a:pt x="4613599" y="4758899"/>
+                  <a:pt x="4566181" y="5157998"/>
+                  <a:pt x="4485789" y="5552906"/>
+                </a:cubicBezTo>
+                <a:cubicBezTo>
+                  <a:pt x="4397121" y="5988893"/>
+                  <a:pt x="4276748" y="6414594"/>
+                  <a:pt x="4117769" y="6828295"/>
+                </a:cubicBezTo>
+                <a:lnTo>
+                  <a:pt x="4105288" y="6858000"/>
+                </a:lnTo>
+                <a:lnTo>
+                  <a:pt x="4052520" y="6858000"/>
+                </a:lnTo>
+                <a:lnTo>
+                  <a:pt x="4059369" y="6841549"/>
+                </a:lnTo>
+                <a:cubicBezTo>
+                  <a:pt x="4147276" y="6614016"/>
+                  <a:pt x="4224193" y="6380817"/>
+                  <a:pt x="4291518" y="6142729"/>
+                </a:cubicBezTo>
+                <a:cubicBezTo>
+                  <a:pt x="4350055" y="5935370"/>
+                  <a:pt x="4393256" y="5723695"/>
+                  <a:pt x="4443357" y="5513923"/>
+                </a:cubicBezTo>
+                <a:cubicBezTo>
+                  <a:pt x="4444541" y="5502788"/>
+                  <a:pt x="4445137" y="5491601"/>
+                  <a:pt x="4445146" y="5480401"/>
+                </a:cubicBezTo>
+                <a:cubicBezTo>
+                  <a:pt x="4408465" y="5607635"/>
+                  <a:pt x="4379196" y="5719759"/>
+                  <a:pt x="4344559" y="5830359"/>
+                </a:cubicBezTo>
+                <a:cubicBezTo>
+                  <a:pt x="4254261" y="6118381"/>
+                  <a:pt x="4150112" y="6398531"/>
+                  <a:pt x="4031702" y="6670527"/>
+                </a:cubicBezTo>
+                <a:lnTo>
+                  <a:pt x="3943824" y="6858000"/>
+                </a:lnTo>
+                <a:lnTo>
+                  <a:pt x="0" y="6858000"/>
+                </a:lnTo>
+                <a:close/>
+              </a:path>
+            </a:pathLst>
+          </a:custGeom>
+        </p:spPr>
+      </p:pic>
+      <p:sp>
+        <p:nvSpPr>
+          <p:cNvPr id="19" name="sketchy line">
+            <a:extLst>
+              <a:ext uri="{FF2B5EF4-FFF2-40B4-BE49-F238E27FC236}">
+                <a16:creationId xmlns:a16="http://schemas.microsoft.com/office/drawing/2014/main" id="{21540236-BFD5-4A9D-8840-4703E7F76825}"/>
+              </a:ext>
+              <a:ext uri="{C183D7F6-B498-43B3-948B-1728B52AA6E4}">
+                <adec:decorative xmlns:adec="http://schemas.microsoft.com/office/drawing/2017/decorative" val="1"/>
+              </a:ext>
+            </a:extLst>
+          </p:cNvPr>
+          <p:cNvSpPr>
+            <a:spLocks noGrp="1" noRot="1" noChangeAspect="1" noMove="1" noResize="1" noEditPoints="1" noAdjustHandles="1" noChangeArrowheads="1" noChangeShapeType="1" noTextEdit="1"/>
+          </p:cNvSpPr>
+          <p:nvPr>
+            <p:extLst>
+              <p:ext uri="{386F3935-93C4-4BCD-93E2-E3B085C9AB24}">
+                <p16:designElem xmlns:p16="http://schemas.microsoft.com/office/powerpoint/2015/main" val="1"/>
+              </p:ext>
+            </p:extLst>
+          </p:nvPr>
+        </p:nvSpPr>
+        <p:spPr>
+          <a:xfrm>
+            <a:off x="5297762" y="2374947"/>
+            <a:ext cx="4243589" cy="18288"/>
+          </a:xfrm>
+          <a:custGeom>
+            <a:avLst/>
+            <a:gdLst>
+              <a:gd name="connsiteX0" fmla="*/ 0 w 4243589"/>
+              <a:gd name="connsiteY0" fmla="*/ 0 h 18288"/>
+              <a:gd name="connsiteX1" fmla="*/ 478919 w 4243589"/>
+              <a:gd name="connsiteY1" fmla="*/ 0 h 18288"/>
+              <a:gd name="connsiteX2" fmla="*/ 957839 w 4243589"/>
+              <a:gd name="connsiteY2" fmla="*/ 0 h 18288"/>
+              <a:gd name="connsiteX3" fmla="*/ 1521630 w 4243589"/>
+              <a:gd name="connsiteY3" fmla="*/ 0 h 18288"/>
+              <a:gd name="connsiteX4" fmla="*/ 2212729 w 4243589"/>
+              <a:gd name="connsiteY4" fmla="*/ 0 h 18288"/>
+              <a:gd name="connsiteX5" fmla="*/ 2734084 w 4243589"/>
+              <a:gd name="connsiteY5" fmla="*/ 0 h 18288"/>
+              <a:gd name="connsiteX6" fmla="*/ 3255439 w 4243589"/>
+              <a:gd name="connsiteY6" fmla="*/ 0 h 18288"/>
+              <a:gd name="connsiteX7" fmla="*/ 4243589 w 4243589"/>
+              <a:gd name="connsiteY7" fmla="*/ 0 h 18288"/>
+              <a:gd name="connsiteX8" fmla="*/ 4243589 w 4243589"/>
+              <a:gd name="connsiteY8" fmla="*/ 18288 h 18288"/>
+              <a:gd name="connsiteX9" fmla="*/ 3594926 w 4243589"/>
+              <a:gd name="connsiteY9" fmla="*/ 18288 h 18288"/>
+              <a:gd name="connsiteX10" fmla="*/ 3073571 w 4243589"/>
+              <a:gd name="connsiteY10" fmla="*/ 18288 h 18288"/>
+              <a:gd name="connsiteX11" fmla="*/ 2552216 w 4243589"/>
+              <a:gd name="connsiteY11" fmla="*/ 18288 h 18288"/>
+              <a:gd name="connsiteX12" fmla="*/ 1903553 w 4243589"/>
+              <a:gd name="connsiteY12" fmla="*/ 18288 h 18288"/>
+              <a:gd name="connsiteX13" fmla="*/ 1212454 w 4243589"/>
+              <a:gd name="connsiteY13" fmla="*/ 18288 h 18288"/>
+              <a:gd name="connsiteX14" fmla="*/ 733535 w 4243589"/>
+              <a:gd name="connsiteY14" fmla="*/ 18288 h 18288"/>
+              <a:gd name="connsiteX15" fmla="*/ 0 w 4243589"/>
+              <a:gd name="connsiteY15" fmla="*/ 18288 h 18288"/>
+              <a:gd name="connsiteX16" fmla="*/ 0 w 4243589"/>
+              <a:gd name="connsiteY16" fmla="*/ 0 h 18288"/>
+            </a:gdLst>
+            <a:ahLst/>
+            <a:cxnLst>
+              <a:cxn ang="0">
+                <a:pos x="connsiteX0" y="connsiteY0"/>
+              </a:cxn>
+              <a:cxn ang="0">
+                <a:pos x="connsiteX1" y="connsiteY1"/>
+              </a:cxn>
+              <a:cxn ang="0">
+                <a:pos x="connsiteX2" y="connsiteY2"/>
+              </a:cxn>
+              <a:cxn ang="0">
+                <a:pos x="connsiteX3" y="connsiteY3"/>
+              </a:cxn>
+              <a:cxn ang="0">
+                <a:pos x="connsiteX4" y="connsiteY4"/>
+              </a:cxn>
+              <a:cxn ang="0">
+                <a:pos x="connsiteX5" y="connsiteY5"/>
+              </a:cxn>
+              <a:cxn ang="0">
+                <a:pos x="connsiteX6" y="connsiteY6"/>
+              </a:cxn>
+              <a:cxn ang="0">
+                <a:pos x="connsiteX7" y="connsiteY7"/>
+              </a:cxn>
+              <a:cxn ang="0">
+                <a:pos x="connsiteX8" y="connsiteY8"/>
+              </a:cxn>
+              <a:cxn ang="0">
+                <a:pos x="connsiteX9" y="connsiteY9"/>
+              </a:cxn>
+              <a:cxn ang="0">
+                <a:pos x="connsiteX10" y="connsiteY10"/>
+              </a:cxn>
+              <a:cxn ang="0">
+                <a:pos x="connsiteX11" y="connsiteY11"/>
+              </a:cxn>
+              <a:cxn ang="0">
+                <a:pos x="connsiteX12" y="connsiteY12"/>
+              </a:cxn>
+              <a:cxn ang="0">
+                <a:pos x="connsiteX13" y="connsiteY13"/>
+              </a:cxn>
+              <a:cxn ang="0">
+                <a:pos x="connsiteX14" y="connsiteY14"/>
+              </a:cxn>
+              <a:cxn ang="0">
+                <a:pos x="connsiteX15" y="connsiteY15"/>
+              </a:cxn>
+              <a:cxn ang="0">
+                <a:pos x="connsiteX16" y="connsiteY16"/>
+              </a:cxn>
+            </a:cxnLst>
+            <a:rect l="l" t="t" r="r" b="b"/>
+            <a:pathLst>
+              <a:path w="4243589" h="18288" fill="none" extrusionOk="0">
+                <a:moveTo>
+                  <a:pt x="0" y="0"/>
+                </a:moveTo>
+                <a:cubicBezTo>
+                  <a:pt x="213395" y="-21006"/>
+                  <a:pt x="307421" y="-18116"/>
+                  <a:pt x="478919" y="0"/>
+                </a:cubicBezTo>
+                <a:cubicBezTo>
+                  <a:pt x="650417" y="18116"/>
+                  <a:pt x="831092" y="-21237"/>
+                  <a:pt x="957839" y="0"/>
+                </a:cubicBezTo>
+                <a:cubicBezTo>
+                  <a:pt x="1084586" y="21237"/>
+                  <a:pt x="1301682" y="25124"/>
+                  <a:pt x="1521630" y="0"/>
+                </a:cubicBezTo>
+                <a:cubicBezTo>
+                  <a:pt x="1741578" y="-25124"/>
+                  <a:pt x="1970269" y="-29139"/>
+                  <a:pt x="2212729" y="0"/>
+                </a:cubicBezTo>
+                <a:cubicBezTo>
+                  <a:pt x="2455189" y="29139"/>
+                  <a:pt x="2558847" y="-4796"/>
+                  <a:pt x="2734084" y="0"/>
+                </a:cubicBezTo>
+                <a:cubicBezTo>
+                  <a:pt x="2909321" y="4796"/>
+                  <a:pt x="3097217" y="-13409"/>
+                  <a:pt x="3255439" y="0"/>
+                </a:cubicBezTo>
+                <a:cubicBezTo>
+                  <a:pt x="3413662" y="13409"/>
+                  <a:pt x="3979999" y="-10121"/>
+                  <a:pt x="4243589" y="0"/>
+                </a:cubicBezTo>
+                <a:cubicBezTo>
+                  <a:pt x="4244484" y="8974"/>
+                  <a:pt x="4243043" y="9359"/>
+                  <a:pt x="4243589" y="18288"/>
+                </a:cubicBezTo>
+                <a:cubicBezTo>
+                  <a:pt x="4058777" y="31246"/>
+                  <a:pt x="3910348" y="3158"/>
+                  <a:pt x="3594926" y="18288"/>
+                </a:cubicBezTo>
+                <a:cubicBezTo>
+                  <a:pt x="3279504" y="33418"/>
+                  <a:pt x="3319955" y="-3977"/>
+                  <a:pt x="3073571" y="18288"/>
+                </a:cubicBezTo>
+                <a:cubicBezTo>
+                  <a:pt x="2827187" y="40553"/>
+                  <a:pt x="2767387" y="1863"/>
+                  <a:pt x="2552216" y="18288"/>
+                </a:cubicBezTo>
+                <a:cubicBezTo>
+                  <a:pt x="2337046" y="34713"/>
+                  <a:pt x="2181871" y="19527"/>
+                  <a:pt x="1903553" y="18288"/>
+                </a:cubicBezTo>
+                <a:cubicBezTo>
+                  <a:pt x="1625235" y="17049"/>
+                  <a:pt x="1557672" y="24174"/>
+                  <a:pt x="1212454" y="18288"/>
+                </a:cubicBezTo>
+                <a:cubicBezTo>
+                  <a:pt x="867236" y="12402"/>
+                  <a:pt x="874382" y="15627"/>
+                  <a:pt x="733535" y="18288"/>
+                </a:cubicBezTo>
+                <a:cubicBezTo>
+                  <a:pt x="592688" y="20949"/>
+                  <a:pt x="183477" y="14753"/>
+                  <a:pt x="0" y="18288"/>
+                </a:cubicBezTo>
+                <a:cubicBezTo>
+                  <a:pt x="-229" y="14222"/>
+                  <a:pt x="509" y="5816"/>
+                  <a:pt x="0" y="0"/>
+                </a:cubicBezTo>
+                <a:close/>
+              </a:path>
+              <a:path w="4243589" h="18288" stroke="0" extrusionOk="0">
+                <a:moveTo>
+                  <a:pt x="0" y="0"/>
+                </a:moveTo>
+                <a:cubicBezTo>
+                  <a:pt x="143690" y="16630"/>
+                  <a:pt x="266667" y="14847"/>
+                  <a:pt x="521355" y="0"/>
+                </a:cubicBezTo>
+                <a:cubicBezTo>
+                  <a:pt x="776043" y="-14847"/>
+                  <a:pt x="814491" y="-17363"/>
+                  <a:pt x="1000275" y="0"/>
+                </a:cubicBezTo>
+                <a:cubicBezTo>
+                  <a:pt x="1186059" y="17363"/>
+                  <a:pt x="1352504" y="-23507"/>
+                  <a:pt x="1521630" y="0"/>
+                </a:cubicBezTo>
+                <a:cubicBezTo>
+                  <a:pt x="1690756" y="23507"/>
+                  <a:pt x="1889525" y="5871"/>
+                  <a:pt x="2127857" y="0"/>
+                </a:cubicBezTo>
+                <a:cubicBezTo>
+                  <a:pt x="2366189" y="-5871"/>
+                  <a:pt x="2620628" y="-27997"/>
+                  <a:pt x="2776520" y="0"/>
+                </a:cubicBezTo>
+                <a:cubicBezTo>
+                  <a:pt x="2932412" y="27997"/>
+                  <a:pt x="3131683" y="-25073"/>
+                  <a:pt x="3467618" y="0"/>
+                </a:cubicBezTo>
+                <a:cubicBezTo>
+                  <a:pt x="3803553" y="25073"/>
+                  <a:pt x="4017371" y="3071"/>
+                  <a:pt x="4243589" y="0"/>
+                </a:cubicBezTo>
+                <a:cubicBezTo>
+                  <a:pt x="4243134" y="6162"/>
+                  <a:pt x="4243492" y="11775"/>
+                  <a:pt x="4243589" y="18288"/>
+                </a:cubicBezTo>
+                <a:cubicBezTo>
+                  <a:pt x="4017834" y="-5779"/>
+                  <a:pt x="3834586" y="13376"/>
+                  <a:pt x="3594926" y="18288"/>
+                </a:cubicBezTo>
+                <a:cubicBezTo>
+                  <a:pt x="3355266" y="23200"/>
+                  <a:pt x="3204179" y="2869"/>
+                  <a:pt x="2903827" y="18288"/>
+                </a:cubicBezTo>
+                <a:cubicBezTo>
+                  <a:pt x="2603475" y="33707"/>
+                  <a:pt x="2526187" y="46187"/>
+                  <a:pt x="2212729" y="18288"/>
+                </a:cubicBezTo>
+                <a:cubicBezTo>
+                  <a:pt x="1899271" y="-9611"/>
+                  <a:pt x="1966289" y="29692"/>
+                  <a:pt x="1733809" y="18288"/>
+                </a:cubicBezTo>
+                <a:cubicBezTo>
+                  <a:pt x="1501329" y="6884"/>
+                  <a:pt x="1343612" y="12492"/>
+                  <a:pt x="1085146" y="18288"/>
+                </a:cubicBezTo>
+                <a:cubicBezTo>
+                  <a:pt x="826680" y="24084"/>
+                  <a:pt x="778184" y="35607"/>
+                  <a:pt x="521355" y="18288"/>
+                </a:cubicBezTo>
+                <a:cubicBezTo>
+                  <a:pt x="264526" y="969"/>
+                  <a:pt x="120277" y="4268"/>
+                  <a:pt x="0" y="18288"/>
+                </a:cubicBezTo>
+                <a:cubicBezTo>
+                  <a:pt x="766" y="10800"/>
+                  <a:pt x="-457" y="8180"/>
+                  <a:pt x="0" y="0"/>
+                </a:cubicBezTo>
+                <a:close/>
+              </a:path>
+            </a:pathLst>
+          </a:custGeom>
+          <a:solidFill>
+            <a:schemeClr val="accent2"/>
+          </a:solidFill>
+          <a:ln w="44450" cap="rnd">
+            <a:solidFill>
+              <a:schemeClr val="accent2"/>
+            </a:solidFill>
+            <a:round/>
+            <a:extLst>
+              <a:ext uri="{C807C97D-BFC1-408E-A445-0C87EB9F89A2}">
+                <ask:lineSketchStyleProps xmlns:ask="http://schemas.microsoft.com/office/drawing/2018/sketchyshapes" sd="2727557108">
+                  <a:prstGeom prst="rect">
+                    <a:avLst/>
+                  </a:prstGeom>
+                  <ask:type>
+                    <ask:lineSketchFreehand/>
+                  </ask:type>
+                </ask:lineSketchStyleProps>
+              </a:ext>
+            </a:extLst>
+          </a:ln>
+        </p:spPr>
+        <p:style>
+          <a:lnRef idx="2">
+            <a:schemeClr val="accent1">
+              <a:shade val="50000"/>
+            </a:schemeClr>
+          </a:lnRef>
+          <a:fillRef idx="1">
+            <a:schemeClr val="accent1"/>
+          </a:fillRef>
+          <a:effectRef idx="0">
+            <a:schemeClr val="accent1"/>
+          </a:effectRef>
+          <a:fontRef idx="minor">
+            <a:schemeClr val="lt1"/>
+          </a:fontRef>
+        </p:style>
+        <p:txBody>
+          <a:bodyPr rtlCol="0" anchor="ctr"/>
+          <a:lstStyle/>
+          <a:p>
+            <a:pPr algn="ctr"/>
+            <a:endParaRPr lang="en-US"/>
+          </a:p>
+        </p:txBody>
+      </p:sp>
+      <p:sp>
+        <p:nvSpPr>
+          <p:cNvPr id="3" name="Content Placeholder 2">
+            <a:extLst>
+              <a:ext uri="{FF2B5EF4-FFF2-40B4-BE49-F238E27FC236}">
+                <a16:creationId xmlns:a16="http://schemas.microsoft.com/office/drawing/2014/main" id="{45E266DD-1C53-41B1-A1AA-D4F56862EF4C}"/>
+              </a:ext>
+            </a:extLst>
+          </p:cNvPr>
+          <p:cNvSpPr>
+            <a:spLocks noGrp="1"/>
+          </p:cNvSpPr>
+          <p:nvPr>
+            <p:ph idx="1"/>
+          </p:nvPr>
+        </p:nvSpPr>
+        <p:spPr>
+          <a:xfrm>
+            <a:off x="4931923" y="2496312"/>
+            <a:ext cx="7013643" cy="4361688"/>
+          </a:xfrm>
+        </p:spPr>
+        <p:txBody>
+          <a:bodyPr>
+            <a:normAutofit/>
+          </a:bodyPr>
+          <a:lstStyle/>
+          <a:p>
+            <a:pPr>
+              <a:buFont typeface="Wingdings" panose="05000000000000000000" pitchFamily="2" charset="2"/>
+              <a:buChar char="Ø"/>
+            </a:pPr>
+            <a:r>
+              <a:rPr lang="en-GB" dirty="0" err="1"/>
+              <a:t>Informácie</a:t>
+            </a:r>
+            <a:r>
+              <a:rPr lang="en-GB" dirty="0"/>
+              <a:t> z </a:t>
+            </a:r>
+            <a:r>
+              <a:rPr lang="en-GB" dirty="0" err="1"/>
+              <a:t>vizualizácie</a:t>
+            </a:r>
+            <a:r>
+              <a:rPr lang="en-GB" dirty="0"/>
+              <a:t> a </a:t>
+            </a:r>
+            <a:r>
+              <a:rPr lang="en-GB" dirty="0" err="1"/>
+              <a:t>niektorých</a:t>
+            </a:r>
+            <a:r>
+              <a:rPr lang="en-GB" dirty="0"/>
+              <a:t> </a:t>
+            </a:r>
+            <a:r>
+              <a:rPr lang="en-GB" dirty="0" err="1"/>
+              <a:t>ďalších</a:t>
+            </a:r>
+            <a:r>
+              <a:rPr lang="en-GB" dirty="0"/>
+              <a:t> </a:t>
+            </a:r>
+            <a:r>
+              <a:rPr lang="en-GB" dirty="0" err="1"/>
+              <a:t>funkcií</a:t>
+            </a:r>
+            <a:r>
+              <a:rPr lang="en-GB" dirty="0"/>
+              <a:t> </a:t>
+            </a:r>
+            <a:r>
+              <a:rPr lang="en-GB" dirty="0" err="1"/>
+              <a:t>spracuje</a:t>
+            </a:r>
+            <a:r>
+              <a:rPr lang="en-GB" dirty="0"/>
+              <a:t> </a:t>
+            </a:r>
+            <a:r>
+              <a:rPr lang="en-GB" dirty="0" err="1"/>
+              <a:t>na</a:t>
+            </a:r>
+            <a:r>
+              <a:rPr lang="en-GB" dirty="0"/>
+              <a:t> </a:t>
+            </a:r>
+            <a:r>
+              <a:rPr lang="en-GB" dirty="0" err="1"/>
+              <a:t>využitie</a:t>
+            </a:r>
+            <a:r>
+              <a:rPr lang="en-GB" dirty="0"/>
+              <a:t> </a:t>
+            </a:r>
+            <a:r>
+              <a:rPr lang="en-GB" dirty="0" err="1"/>
+              <a:t>určenia</a:t>
+            </a:r>
+            <a:r>
+              <a:rPr lang="en-GB" dirty="0"/>
+              <a:t> </a:t>
+            </a:r>
+            <a:r>
+              <a:rPr lang="en-GB" dirty="0" err="1"/>
+              <a:t>polohy</a:t>
+            </a:r>
+            <a:endParaRPr lang="en-GB" dirty="0"/>
+          </a:p>
+          <a:p>
+            <a:pPr lvl="1"/>
+            <a:r>
+              <a:rPr lang="en-GB" sz="2200" dirty="0" err="1"/>
+              <a:t>Pozná</a:t>
+            </a:r>
+            <a:r>
+              <a:rPr lang="en-GB" sz="2200" dirty="0"/>
+              <a:t> </a:t>
+            </a:r>
+            <a:r>
+              <a:rPr lang="en-GB" sz="2200" dirty="0" err="1"/>
+              <a:t>mapu</a:t>
+            </a:r>
+            <a:r>
+              <a:rPr lang="en-GB" sz="2200" dirty="0"/>
+              <a:t>, </a:t>
+            </a:r>
+            <a:r>
+              <a:rPr lang="en-GB" sz="2200" dirty="0" err="1"/>
+              <a:t>pozná</a:t>
+            </a:r>
+            <a:r>
+              <a:rPr lang="en-GB" sz="2200" dirty="0"/>
+              <a:t> </a:t>
+            </a:r>
+            <a:r>
+              <a:rPr lang="en-GB" sz="2200" dirty="0" err="1"/>
+              <a:t>začiatočnú</a:t>
+            </a:r>
+            <a:r>
+              <a:rPr lang="en-GB" sz="2200" dirty="0"/>
+              <a:t> </a:t>
+            </a:r>
+            <a:r>
+              <a:rPr lang="en-GB" sz="2200" dirty="0" err="1"/>
+              <a:t>pozíciu</a:t>
+            </a:r>
+            <a:endParaRPr lang="en-GB" sz="2200" dirty="0"/>
+          </a:p>
+          <a:p>
+            <a:pPr lvl="1"/>
+            <a:r>
+              <a:rPr lang="en-GB" sz="2200" dirty="0" err="1"/>
+              <a:t>Pozná</a:t>
+            </a:r>
+            <a:r>
+              <a:rPr lang="en-GB" sz="2200" dirty="0"/>
+              <a:t> </a:t>
+            </a:r>
+            <a:r>
+              <a:rPr lang="en-GB" sz="2200" dirty="0" err="1"/>
+              <a:t>mapu</a:t>
+            </a:r>
+            <a:r>
+              <a:rPr lang="en-GB" sz="2200" dirty="0"/>
+              <a:t>, </a:t>
+            </a:r>
+            <a:r>
+              <a:rPr lang="en-GB" sz="2200" dirty="0" err="1"/>
+              <a:t>nepozná</a:t>
+            </a:r>
+            <a:r>
+              <a:rPr lang="en-GB" sz="2200" dirty="0"/>
+              <a:t> </a:t>
+            </a:r>
+            <a:r>
+              <a:rPr lang="en-GB" sz="2200" dirty="0" err="1"/>
+              <a:t>začiatočnú</a:t>
+            </a:r>
+            <a:r>
+              <a:rPr lang="en-GB" sz="2200" dirty="0"/>
+              <a:t> </a:t>
+            </a:r>
+            <a:r>
+              <a:rPr lang="en-GB" sz="2200" dirty="0" err="1"/>
+              <a:t>pozíciu</a:t>
+            </a:r>
+            <a:endParaRPr lang="en-GB" sz="2200" dirty="0"/>
+          </a:p>
+          <a:p>
+            <a:pPr lvl="1"/>
+            <a:r>
+              <a:rPr lang="en-GB" sz="2200" dirty="0" err="1"/>
+              <a:t>Nepozná</a:t>
+            </a:r>
+            <a:r>
+              <a:rPr lang="en-GB" sz="2200" dirty="0"/>
+              <a:t> </a:t>
+            </a:r>
+            <a:r>
+              <a:rPr lang="en-GB" sz="2200" dirty="0" err="1"/>
+              <a:t>mapu</a:t>
+            </a:r>
+            <a:r>
+              <a:rPr lang="en-GB" sz="2200" dirty="0"/>
+              <a:t>, </a:t>
+            </a:r>
+            <a:r>
+              <a:rPr lang="en-GB" sz="2200" dirty="0" err="1"/>
+              <a:t>nepozná</a:t>
+            </a:r>
+            <a:r>
+              <a:rPr lang="en-GB" sz="2200" dirty="0"/>
+              <a:t> </a:t>
+            </a:r>
+            <a:r>
+              <a:rPr lang="en-GB" sz="2200" dirty="0" err="1"/>
+              <a:t>začiatočnú</a:t>
+            </a:r>
+            <a:r>
+              <a:rPr lang="en-GB" sz="2200" dirty="0"/>
+              <a:t> </a:t>
+            </a:r>
+            <a:r>
+              <a:rPr lang="en-GB" sz="2200" dirty="0" err="1"/>
+              <a:t>pozíciu</a:t>
+            </a:r>
+            <a:endParaRPr lang="en-GB" sz="2200" dirty="0"/>
+          </a:p>
+          <a:p>
+            <a:pPr lvl="1"/>
+            <a:endParaRPr lang="en-GB" dirty="0"/>
+          </a:p>
+          <a:p>
+            <a:pPr>
+              <a:buFont typeface="Wingdings" panose="05000000000000000000" pitchFamily="2" charset="2"/>
+              <a:buChar char="Ø"/>
+            </a:pPr>
+            <a:r>
+              <a:rPr lang="en-GB" dirty="0" err="1"/>
+              <a:t>Pozná</a:t>
+            </a:r>
+            <a:r>
+              <a:rPr lang="en-GB" dirty="0"/>
+              <a:t> </a:t>
+            </a:r>
+            <a:r>
+              <a:rPr lang="en-GB" dirty="0" err="1"/>
+              <a:t>mapu</a:t>
+            </a:r>
+            <a:r>
+              <a:rPr lang="en-GB" dirty="0"/>
+              <a:t>, </a:t>
+            </a:r>
+            <a:r>
+              <a:rPr lang="en-GB" dirty="0" err="1"/>
+              <a:t>pozná</a:t>
+            </a:r>
+            <a:r>
+              <a:rPr lang="en-GB" dirty="0"/>
+              <a:t> </a:t>
+            </a:r>
+            <a:r>
+              <a:rPr lang="en-GB" dirty="0" err="1"/>
+              <a:t>začiatočnú</a:t>
+            </a:r>
+            <a:r>
+              <a:rPr lang="en-GB" dirty="0"/>
+              <a:t> </a:t>
+            </a:r>
+            <a:r>
+              <a:rPr lang="en-GB" dirty="0" err="1"/>
+              <a:t>pozíciu</a:t>
+            </a:r>
+            <a:endParaRPr lang="en-GB" dirty="0"/>
+          </a:p>
+          <a:p>
+            <a:pPr lvl="1">
+              <a:buFont typeface="Wingdings" panose="05000000000000000000" pitchFamily="2" charset="2"/>
+              <a:buChar char="Ø"/>
+            </a:pPr>
+            <a:r>
+              <a:rPr lang="en-GB" sz="2000" dirty="0" err="1"/>
+              <a:t>systém</a:t>
+            </a:r>
+            <a:r>
+              <a:rPr lang="en-GB" sz="2000" dirty="0"/>
+              <a:t> </a:t>
+            </a:r>
+            <a:r>
+              <a:rPr lang="en-GB" sz="2000" dirty="0" err="1"/>
+              <a:t>detekcie</a:t>
+            </a:r>
+            <a:r>
+              <a:rPr lang="en-GB" sz="2000" dirty="0"/>
+              <a:t> </a:t>
+            </a:r>
+            <a:r>
+              <a:rPr lang="en-GB" sz="2000" dirty="0" err="1"/>
+              <a:t>záchytných</a:t>
+            </a:r>
+            <a:r>
+              <a:rPr lang="en-GB" sz="2000" dirty="0"/>
+              <a:t> </a:t>
+            </a:r>
+            <a:r>
+              <a:rPr lang="en-GB" sz="2000" dirty="0" err="1"/>
+              <a:t>bodov</a:t>
+            </a:r>
+            <a:r>
+              <a:rPr lang="en-GB" sz="2000" dirty="0"/>
+              <a:t>,</a:t>
+            </a:r>
+          </a:p>
+          <a:p>
+            <a:pPr lvl="1">
+              <a:buFont typeface="Wingdings" panose="05000000000000000000" pitchFamily="2" charset="2"/>
+              <a:buChar char="Ø"/>
+            </a:pPr>
+            <a:r>
+              <a:rPr lang="en-GB" sz="2000" dirty="0" err="1"/>
+              <a:t>odometria</a:t>
+            </a:r>
+            <a:r>
+              <a:rPr lang="en-GB" sz="2000" dirty="0"/>
+              <a:t>,</a:t>
+            </a:r>
+          </a:p>
+          <a:p>
+            <a:pPr lvl="1">
+              <a:buFont typeface="Wingdings" panose="05000000000000000000" pitchFamily="2" charset="2"/>
+              <a:buChar char="Ø"/>
+            </a:pPr>
+            <a:r>
+              <a:rPr lang="en-GB" sz="2000" dirty="0"/>
+              <a:t>RTK-GPS,</a:t>
+            </a:r>
+          </a:p>
+          <a:p>
+            <a:pPr lvl="1">
+              <a:buFont typeface="Wingdings" panose="05000000000000000000" pitchFamily="2" charset="2"/>
+              <a:buChar char="Ø"/>
+            </a:pPr>
+            <a:r>
+              <a:rPr lang="en-GB" sz="2000" dirty="0" err="1"/>
+              <a:t>trilaterácia</a:t>
+            </a:r>
+            <a:endParaRPr lang="en-GB" sz="2000" dirty="0"/>
+          </a:p>
+        </p:txBody>
+      </p:sp>
+    </p:spTree>
+    <p:extLst>
+      <p:ext uri="{BB962C8B-B14F-4D97-AF65-F5344CB8AC3E}">
+        <p14:creationId xmlns:p14="http://schemas.microsoft.com/office/powerpoint/2010/main" val="4220279919"/>
+      </p:ext>
+    </p:extLst>
+  </p:cSld>
+  <p:clrMapOvr>
+    <a:masterClrMapping/>
+  </p:clrMapOvr>
+</p:sld>
+</file>
+
+<file path=ppt/slides/slide11.xml><?xml version="1.0" encoding="utf-8"?>
+<p:sld xmlns:a="http://schemas.openxmlformats.org/drawingml/2006/main" xmlns:r="http://schemas.openxmlformats.org/officeDocument/2006/relationships" xmlns:p="http://schemas.openxmlformats.org/presentationml/2006/main">
+  <p:cSld>
+    <p:bg>
+      <p:bgPr>
+        <a:solidFill>
+          <a:schemeClr val="bg1"/>
+        </a:solidFill>
+        <a:effectLst/>
+      </p:bgPr>
+    </p:bg>
+    <p:spTree>
+      <p:nvGrpSpPr>
+        <p:cNvPr id="1" name=""/>
+        <p:cNvGrpSpPr/>
+        <p:nvPr/>
+      </p:nvGrpSpPr>
+      <p:grpSpPr>
+        <a:xfrm>
+          <a:off x="0" y="0"/>
+          <a:ext cx="0" cy="0"/>
+          <a:chOff x="0" y="0"/>
+          <a:chExt cx="0" cy="0"/>
+        </a:xfrm>
+      </p:grpSpPr>
+      <p:sp useBgFill="1">
+        <p:nvSpPr>
+          <p:cNvPr id="9" name="Rectangle 8">
+            <a:extLst>
+              <a:ext uri="{FF2B5EF4-FFF2-40B4-BE49-F238E27FC236}">
+                <a16:creationId xmlns:a16="http://schemas.microsoft.com/office/drawing/2014/main" id="{2C61293E-6EBE-43EF-A52C-9BEBFD7679D4}"/>
+              </a:ext>
+              <a:ext uri="{C183D7F6-B498-43B3-948B-1728B52AA6E4}">
+                <adec:decorative xmlns:adec="http://schemas.microsoft.com/office/drawing/2017/decorative" val="1"/>
+              </a:ext>
+            </a:extLst>
+          </p:cNvPr>
+          <p:cNvSpPr>
+            <a:spLocks noGrp="1" noRot="1" noChangeAspect="1" noMove="1" noResize="1" noEditPoints="1" noAdjustHandles="1" noChangeArrowheads="1" noChangeShapeType="1" noTextEdit="1"/>
+          </p:cNvSpPr>
+          <p:nvPr>
+            <p:extLst>
+              <p:ext uri="{386F3935-93C4-4BCD-93E2-E3B085C9AB24}">
+                <p16:designElem xmlns:p16="http://schemas.microsoft.com/office/powerpoint/2015/main" val="1"/>
+              </p:ext>
+            </p:extLst>
+          </p:nvPr>
+        </p:nvSpPr>
+        <p:spPr>
+          <a:xfrm>
+            <a:off x="0" y="0"/>
+            <a:ext cx="12188952" cy="6858000"/>
+          </a:xfrm>
+          <a:prstGeom prst="rect">
+            <a:avLst/>
+          </a:prstGeom>
+          <a:ln>
+            <a:noFill/>
+          </a:ln>
+        </p:spPr>
+        <p:style>
+          <a:lnRef idx="2">
+            <a:schemeClr val="accent1">
+              <a:shade val="50000"/>
+            </a:schemeClr>
+          </a:lnRef>
+          <a:fillRef idx="1">
+            <a:schemeClr val="accent1"/>
+          </a:fillRef>
+          <a:effectRef idx="0">
+            <a:schemeClr val="accent1"/>
+          </a:effectRef>
+          <a:fontRef idx="minor">
+            <a:schemeClr val="lt1"/>
+          </a:fontRef>
+        </p:style>
+        <p:txBody>
+          <a:bodyPr rtlCol="0" anchor="ctr"/>
+          <a:lstStyle/>
+          <a:p>
+            <a:pPr algn="ctr"/>
+            <a:endParaRPr lang="en-US"/>
+          </a:p>
+        </p:txBody>
+      </p:sp>
+      <p:sp>
+        <p:nvSpPr>
+          <p:cNvPr id="2" name="Title 1">
+            <a:extLst>
+              <a:ext uri="{FF2B5EF4-FFF2-40B4-BE49-F238E27FC236}">
+                <a16:creationId xmlns:a16="http://schemas.microsoft.com/office/drawing/2014/main" id="{A8436050-614B-47D9-893B-5EC1F86ABF93}"/>
+              </a:ext>
+            </a:extLst>
+          </p:cNvPr>
+          <p:cNvSpPr>
+            <a:spLocks noGrp="1"/>
+          </p:cNvSpPr>
+          <p:nvPr>
+            <p:ph type="title"/>
+          </p:nvPr>
+        </p:nvSpPr>
+        <p:spPr>
+          <a:xfrm>
+            <a:off x="5297762" y="329184"/>
+            <a:ext cx="6251110" cy="1783080"/>
+          </a:xfrm>
+        </p:spPr>
+        <p:txBody>
+          <a:bodyPr anchor="b">
+            <a:normAutofit/>
+          </a:bodyPr>
+          <a:lstStyle/>
+          <a:p>
+            <a:r>
+              <a:rPr lang="en-GB" sz="5400" b="1"/>
+              <a:t>Plánovanie</a:t>
+            </a:r>
+          </a:p>
+        </p:txBody>
+      </p:sp>
+      <p:pic>
+        <p:nvPicPr>
+          <p:cNvPr id="5" name="Picture 4" descr="Žltá žiarovka na žltom pozadí s dokresleným káblom a lúčmi">
+            <a:extLst>
+              <a:ext uri="{FF2B5EF4-FFF2-40B4-BE49-F238E27FC236}">
+                <a16:creationId xmlns:a16="http://schemas.microsoft.com/office/drawing/2014/main" id="{57A5D6F4-1B6F-4423-BAAD-519F7648E3E9}"/>
+              </a:ext>
+            </a:extLst>
+          </p:cNvPr>
+          <p:cNvPicPr>
+            <a:picLocks noChangeAspect="1"/>
+          </p:cNvPicPr>
+          <p:nvPr/>
+        </p:nvPicPr>
+        <p:blipFill rotWithShape="1">
+          <a:blip r:embed="rId2"/>
+          <a:srcRect l="51246" r="6988"/>
+          <a:stretch/>
+        </p:blipFill>
+        <p:spPr>
+          <a:xfrm>
+            <a:off x="1" y="10"/>
+            <a:ext cx="4657344" cy="6857990"/>
+          </a:xfrm>
+          <a:custGeom>
+            <a:avLst/>
+            <a:gdLst/>
+            <a:ahLst/>
+            <a:cxnLst/>
+            <a:rect l="l" t="t" r="r" b="b"/>
+            <a:pathLst>
+              <a:path w="4657344" h="6858000">
+                <a:moveTo>
+                  <a:pt x="0" y="0"/>
+                </a:moveTo>
+                <a:lnTo>
+                  <a:pt x="3429755" y="0"/>
+                </a:lnTo>
+                <a:lnTo>
+                  <a:pt x="3526016" y="148742"/>
+                </a:lnTo>
+                <a:cubicBezTo>
+                  <a:pt x="3657740" y="365513"/>
+                  <a:pt x="3777402" y="589569"/>
+                  <a:pt x="3886489" y="819975"/>
+                </a:cubicBezTo>
+                <a:cubicBezTo>
+                  <a:pt x="3891856" y="833492"/>
+                  <a:pt x="3900663" y="845393"/>
+                  <a:pt x="3912049" y="854514"/>
+                </a:cubicBezTo>
+                <a:cubicBezTo>
+                  <a:pt x="3897352" y="819849"/>
+                  <a:pt x="3883037" y="784928"/>
+                  <a:pt x="3868083" y="750263"/>
+                </a:cubicBezTo>
+                <a:cubicBezTo>
+                  <a:pt x="3806989" y="608712"/>
+                  <a:pt x="3742478" y="469145"/>
+                  <a:pt x="3674155" y="331786"/>
+                </a:cubicBezTo>
+                <a:lnTo>
+                  <a:pt x="3496656" y="0"/>
+                </a:lnTo>
+                <a:lnTo>
+                  <a:pt x="3554371" y="0"/>
+                </a:lnTo>
+                <a:lnTo>
+                  <a:pt x="3661621" y="196614"/>
+                </a:lnTo>
+                <a:cubicBezTo>
+                  <a:pt x="3856899" y="573253"/>
+                  <a:pt x="4021071" y="966066"/>
+                  <a:pt x="4161279" y="1371196"/>
+                </a:cubicBezTo>
+                <a:cubicBezTo>
+                  <a:pt x="4379525" y="2007265"/>
+                  <a:pt x="4530141" y="2664286"/>
+                  <a:pt x="4610660" y="3331516"/>
+                </a:cubicBezTo>
+                <a:cubicBezTo>
+                  <a:pt x="4652837" y="3672965"/>
+                  <a:pt x="4671625" y="4013908"/>
+                  <a:pt x="4645040" y="4357388"/>
+                </a:cubicBezTo>
+                <a:cubicBezTo>
+                  <a:pt x="4613599" y="4758899"/>
+                  <a:pt x="4566181" y="5157998"/>
+                  <a:pt x="4485789" y="5552906"/>
+                </a:cubicBezTo>
+                <a:cubicBezTo>
+                  <a:pt x="4397121" y="5988893"/>
+                  <a:pt x="4276748" y="6414594"/>
+                  <a:pt x="4117769" y="6828295"/>
+                </a:cubicBezTo>
+                <a:lnTo>
+                  <a:pt x="4105288" y="6858000"/>
+                </a:lnTo>
+                <a:lnTo>
+                  <a:pt x="4052520" y="6858000"/>
+                </a:lnTo>
+                <a:lnTo>
+                  <a:pt x="4059369" y="6841549"/>
+                </a:lnTo>
+                <a:cubicBezTo>
+                  <a:pt x="4147276" y="6614016"/>
+                  <a:pt x="4224193" y="6380817"/>
+                  <a:pt x="4291518" y="6142729"/>
+                </a:cubicBezTo>
+                <a:cubicBezTo>
+                  <a:pt x="4350055" y="5935370"/>
+                  <a:pt x="4393256" y="5723695"/>
+                  <a:pt x="4443357" y="5513923"/>
+                </a:cubicBezTo>
+                <a:cubicBezTo>
+                  <a:pt x="4444541" y="5502788"/>
+                  <a:pt x="4445137" y="5491601"/>
+                  <a:pt x="4445146" y="5480401"/>
+                </a:cubicBezTo>
+                <a:cubicBezTo>
+                  <a:pt x="4408465" y="5607635"/>
+                  <a:pt x="4379196" y="5719759"/>
+                  <a:pt x="4344559" y="5830359"/>
+                </a:cubicBezTo>
+                <a:cubicBezTo>
+                  <a:pt x="4254261" y="6118381"/>
+                  <a:pt x="4150112" y="6398531"/>
+                  <a:pt x="4031702" y="6670527"/>
+                </a:cubicBezTo>
+                <a:lnTo>
+                  <a:pt x="3943824" y="6858000"/>
+                </a:lnTo>
+                <a:lnTo>
+                  <a:pt x="0" y="6858000"/>
+                </a:lnTo>
+                <a:close/>
+              </a:path>
+            </a:pathLst>
+          </a:custGeom>
+        </p:spPr>
+      </p:pic>
+      <p:sp>
+        <p:nvSpPr>
+          <p:cNvPr id="11" name="sketchy line">
+            <a:extLst>
+              <a:ext uri="{FF2B5EF4-FFF2-40B4-BE49-F238E27FC236}">
+                <a16:creationId xmlns:a16="http://schemas.microsoft.com/office/drawing/2014/main" id="{21540236-BFD5-4A9D-8840-4703E7F76825}"/>
+              </a:ext>
+              <a:ext uri="{C183D7F6-B498-43B3-948B-1728B52AA6E4}">
+                <adec:decorative xmlns:adec="http://schemas.microsoft.com/office/drawing/2017/decorative" val="1"/>
+              </a:ext>
+            </a:extLst>
+          </p:cNvPr>
+          <p:cNvSpPr>
+            <a:spLocks noGrp="1" noRot="1" noChangeAspect="1" noMove="1" noResize="1" noEditPoints="1" noAdjustHandles="1" noChangeArrowheads="1" noChangeShapeType="1" noTextEdit="1"/>
+          </p:cNvSpPr>
+          <p:nvPr>
+            <p:extLst>
+              <p:ext uri="{386F3935-93C4-4BCD-93E2-E3B085C9AB24}">
+                <p16:designElem xmlns:p16="http://schemas.microsoft.com/office/powerpoint/2015/main" val="1"/>
+              </p:ext>
+            </p:extLst>
+          </p:nvPr>
+        </p:nvSpPr>
+        <p:spPr>
+          <a:xfrm>
+            <a:off x="5297762" y="2374947"/>
+            <a:ext cx="4243589" cy="18288"/>
+          </a:xfrm>
+          <a:custGeom>
+            <a:avLst/>
+            <a:gdLst>
+              <a:gd name="connsiteX0" fmla="*/ 0 w 4243589"/>
+              <a:gd name="connsiteY0" fmla="*/ 0 h 18288"/>
+              <a:gd name="connsiteX1" fmla="*/ 478919 w 4243589"/>
+              <a:gd name="connsiteY1" fmla="*/ 0 h 18288"/>
+              <a:gd name="connsiteX2" fmla="*/ 957839 w 4243589"/>
+              <a:gd name="connsiteY2" fmla="*/ 0 h 18288"/>
+              <a:gd name="connsiteX3" fmla="*/ 1521630 w 4243589"/>
+              <a:gd name="connsiteY3" fmla="*/ 0 h 18288"/>
+              <a:gd name="connsiteX4" fmla="*/ 2212729 w 4243589"/>
+              <a:gd name="connsiteY4" fmla="*/ 0 h 18288"/>
+              <a:gd name="connsiteX5" fmla="*/ 2734084 w 4243589"/>
+              <a:gd name="connsiteY5" fmla="*/ 0 h 18288"/>
+              <a:gd name="connsiteX6" fmla="*/ 3255439 w 4243589"/>
+              <a:gd name="connsiteY6" fmla="*/ 0 h 18288"/>
+              <a:gd name="connsiteX7" fmla="*/ 4243589 w 4243589"/>
+              <a:gd name="connsiteY7" fmla="*/ 0 h 18288"/>
+              <a:gd name="connsiteX8" fmla="*/ 4243589 w 4243589"/>
+              <a:gd name="connsiteY8" fmla="*/ 18288 h 18288"/>
+              <a:gd name="connsiteX9" fmla="*/ 3594926 w 4243589"/>
+              <a:gd name="connsiteY9" fmla="*/ 18288 h 18288"/>
+              <a:gd name="connsiteX10" fmla="*/ 3073571 w 4243589"/>
+              <a:gd name="connsiteY10" fmla="*/ 18288 h 18288"/>
+              <a:gd name="connsiteX11" fmla="*/ 2552216 w 4243589"/>
+              <a:gd name="connsiteY11" fmla="*/ 18288 h 18288"/>
+              <a:gd name="connsiteX12" fmla="*/ 1903553 w 4243589"/>
+              <a:gd name="connsiteY12" fmla="*/ 18288 h 18288"/>
+              <a:gd name="connsiteX13" fmla="*/ 1212454 w 4243589"/>
+              <a:gd name="connsiteY13" fmla="*/ 18288 h 18288"/>
+              <a:gd name="connsiteX14" fmla="*/ 733535 w 4243589"/>
+              <a:gd name="connsiteY14" fmla="*/ 18288 h 18288"/>
+              <a:gd name="connsiteX15" fmla="*/ 0 w 4243589"/>
+              <a:gd name="connsiteY15" fmla="*/ 18288 h 18288"/>
+              <a:gd name="connsiteX16" fmla="*/ 0 w 4243589"/>
+              <a:gd name="connsiteY16" fmla="*/ 0 h 18288"/>
+            </a:gdLst>
+            <a:ahLst/>
+            <a:cxnLst>
+              <a:cxn ang="0">
+                <a:pos x="connsiteX0" y="connsiteY0"/>
+              </a:cxn>
+              <a:cxn ang="0">
+                <a:pos x="connsiteX1" y="connsiteY1"/>
+              </a:cxn>
+              <a:cxn ang="0">
+                <a:pos x="connsiteX2" y="connsiteY2"/>
+              </a:cxn>
+              <a:cxn ang="0">
+                <a:pos x="connsiteX3" y="connsiteY3"/>
+              </a:cxn>
+              <a:cxn ang="0">
+                <a:pos x="connsiteX4" y="connsiteY4"/>
+              </a:cxn>
+              <a:cxn ang="0">
+                <a:pos x="connsiteX5" y="connsiteY5"/>
+              </a:cxn>
+              <a:cxn ang="0">
+                <a:pos x="connsiteX6" y="connsiteY6"/>
+              </a:cxn>
+              <a:cxn ang="0">
+                <a:pos x="connsiteX7" y="connsiteY7"/>
+              </a:cxn>
+              <a:cxn ang="0">
+                <a:pos x="connsiteX8" y="connsiteY8"/>
+              </a:cxn>
+              <a:cxn ang="0">
+                <a:pos x="connsiteX9" y="connsiteY9"/>
+              </a:cxn>
+              <a:cxn ang="0">
+                <a:pos x="connsiteX10" y="connsiteY10"/>
+              </a:cxn>
+              <a:cxn ang="0">
+                <a:pos x="connsiteX11" y="connsiteY11"/>
+              </a:cxn>
+              <a:cxn ang="0">
+                <a:pos x="connsiteX12" y="connsiteY12"/>
+              </a:cxn>
+              <a:cxn ang="0">
+                <a:pos x="connsiteX13" y="connsiteY13"/>
+              </a:cxn>
+              <a:cxn ang="0">
+                <a:pos x="connsiteX14" y="connsiteY14"/>
+              </a:cxn>
+              <a:cxn ang="0">
+                <a:pos x="connsiteX15" y="connsiteY15"/>
+              </a:cxn>
+              <a:cxn ang="0">
+                <a:pos x="connsiteX16" y="connsiteY16"/>
+              </a:cxn>
+            </a:cxnLst>
+            <a:rect l="l" t="t" r="r" b="b"/>
+            <a:pathLst>
+              <a:path w="4243589" h="18288" fill="none" extrusionOk="0">
+                <a:moveTo>
+                  <a:pt x="0" y="0"/>
+                </a:moveTo>
+                <a:cubicBezTo>
+                  <a:pt x="213395" y="-21006"/>
+                  <a:pt x="307421" y="-18116"/>
+                  <a:pt x="478919" y="0"/>
+                </a:cubicBezTo>
+                <a:cubicBezTo>
+                  <a:pt x="650417" y="18116"/>
+                  <a:pt x="831092" y="-21237"/>
+                  <a:pt x="957839" y="0"/>
+                </a:cubicBezTo>
+                <a:cubicBezTo>
+                  <a:pt x="1084586" y="21237"/>
+                  <a:pt x="1301682" y="25124"/>
+                  <a:pt x="1521630" y="0"/>
+                </a:cubicBezTo>
+                <a:cubicBezTo>
+                  <a:pt x="1741578" y="-25124"/>
+                  <a:pt x="1970269" y="-29139"/>
+                  <a:pt x="2212729" y="0"/>
+                </a:cubicBezTo>
+                <a:cubicBezTo>
+                  <a:pt x="2455189" y="29139"/>
+                  <a:pt x="2558847" y="-4796"/>
+                  <a:pt x="2734084" y="0"/>
+                </a:cubicBezTo>
+                <a:cubicBezTo>
+                  <a:pt x="2909321" y="4796"/>
+                  <a:pt x="3097217" y="-13409"/>
+                  <a:pt x="3255439" y="0"/>
+                </a:cubicBezTo>
+                <a:cubicBezTo>
+                  <a:pt x="3413662" y="13409"/>
+                  <a:pt x="3979999" y="-10121"/>
+                  <a:pt x="4243589" y="0"/>
+                </a:cubicBezTo>
+                <a:cubicBezTo>
+                  <a:pt x="4244484" y="8974"/>
+                  <a:pt x="4243043" y="9359"/>
+                  <a:pt x="4243589" y="18288"/>
+                </a:cubicBezTo>
+                <a:cubicBezTo>
+                  <a:pt x="4058777" y="31246"/>
+                  <a:pt x="3910348" y="3158"/>
+                  <a:pt x="3594926" y="18288"/>
+                </a:cubicBezTo>
+                <a:cubicBezTo>
+                  <a:pt x="3279504" y="33418"/>
+                  <a:pt x="3319955" y="-3977"/>
+                  <a:pt x="3073571" y="18288"/>
+                </a:cubicBezTo>
+                <a:cubicBezTo>
+                  <a:pt x="2827187" y="40553"/>
+                  <a:pt x="2767387" y="1863"/>
+                  <a:pt x="2552216" y="18288"/>
+                </a:cubicBezTo>
+                <a:cubicBezTo>
+                  <a:pt x="2337046" y="34713"/>
+                  <a:pt x="2181871" y="19527"/>
+                  <a:pt x="1903553" y="18288"/>
+                </a:cubicBezTo>
+                <a:cubicBezTo>
+                  <a:pt x="1625235" y="17049"/>
+                  <a:pt x="1557672" y="24174"/>
+                  <a:pt x="1212454" y="18288"/>
+                </a:cubicBezTo>
+                <a:cubicBezTo>
+                  <a:pt x="867236" y="12402"/>
+                  <a:pt x="874382" y="15627"/>
+                  <a:pt x="733535" y="18288"/>
+                </a:cubicBezTo>
+                <a:cubicBezTo>
+                  <a:pt x="592688" y="20949"/>
+                  <a:pt x="183477" y="14753"/>
+                  <a:pt x="0" y="18288"/>
+                </a:cubicBezTo>
+                <a:cubicBezTo>
+                  <a:pt x="-229" y="14222"/>
+                  <a:pt x="509" y="5816"/>
+                  <a:pt x="0" y="0"/>
+                </a:cubicBezTo>
+                <a:close/>
+              </a:path>
+              <a:path w="4243589" h="18288" stroke="0" extrusionOk="0">
+                <a:moveTo>
+                  <a:pt x="0" y="0"/>
+                </a:moveTo>
+                <a:cubicBezTo>
+                  <a:pt x="143690" y="16630"/>
+                  <a:pt x="266667" y="14847"/>
+                  <a:pt x="521355" y="0"/>
+                </a:cubicBezTo>
+                <a:cubicBezTo>
+                  <a:pt x="776043" y="-14847"/>
+                  <a:pt x="814491" y="-17363"/>
+                  <a:pt x="1000275" y="0"/>
+                </a:cubicBezTo>
+                <a:cubicBezTo>
+                  <a:pt x="1186059" y="17363"/>
+                  <a:pt x="1352504" y="-23507"/>
+                  <a:pt x="1521630" y="0"/>
+                </a:cubicBezTo>
+                <a:cubicBezTo>
+                  <a:pt x="1690756" y="23507"/>
+                  <a:pt x="1889525" y="5871"/>
+                  <a:pt x="2127857" y="0"/>
+                </a:cubicBezTo>
+                <a:cubicBezTo>
+                  <a:pt x="2366189" y="-5871"/>
+                  <a:pt x="2620628" y="-27997"/>
+                  <a:pt x="2776520" y="0"/>
+                </a:cubicBezTo>
+                <a:cubicBezTo>
+                  <a:pt x="2932412" y="27997"/>
+                  <a:pt x="3131683" y="-25073"/>
+                  <a:pt x="3467618" y="0"/>
+                </a:cubicBezTo>
+                <a:cubicBezTo>
+                  <a:pt x="3803553" y="25073"/>
+                  <a:pt x="4017371" y="3071"/>
+                  <a:pt x="4243589" y="0"/>
+                </a:cubicBezTo>
+                <a:cubicBezTo>
+                  <a:pt x="4243134" y="6162"/>
+                  <a:pt x="4243492" y="11775"/>
+                  <a:pt x="4243589" y="18288"/>
+                </a:cubicBezTo>
+                <a:cubicBezTo>
+                  <a:pt x="4017834" y="-5779"/>
+                  <a:pt x="3834586" y="13376"/>
+                  <a:pt x="3594926" y="18288"/>
+                </a:cubicBezTo>
+                <a:cubicBezTo>
+                  <a:pt x="3355266" y="23200"/>
+                  <a:pt x="3204179" y="2869"/>
+                  <a:pt x="2903827" y="18288"/>
+                </a:cubicBezTo>
+                <a:cubicBezTo>
+                  <a:pt x="2603475" y="33707"/>
+                  <a:pt x="2526187" y="46187"/>
+                  <a:pt x="2212729" y="18288"/>
+                </a:cubicBezTo>
+                <a:cubicBezTo>
+                  <a:pt x="1899271" y="-9611"/>
+                  <a:pt x="1966289" y="29692"/>
+                  <a:pt x="1733809" y="18288"/>
+                </a:cubicBezTo>
+                <a:cubicBezTo>
+                  <a:pt x="1501329" y="6884"/>
+                  <a:pt x="1343612" y="12492"/>
+                  <a:pt x="1085146" y="18288"/>
+                </a:cubicBezTo>
+                <a:cubicBezTo>
+                  <a:pt x="826680" y="24084"/>
+                  <a:pt x="778184" y="35607"/>
+                  <a:pt x="521355" y="18288"/>
+                </a:cubicBezTo>
+                <a:cubicBezTo>
+                  <a:pt x="264526" y="969"/>
+                  <a:pt x="120277" y="4268"/>
+                  <a:pt x="0" y="18288"/>
+                </a:cubicBezTo>
+                <a:cubicBezTo>
+                  <a:pt x="766" y="10800"/>
+                  <a:pt x="-457" y="8180"/>
+                  <a:pt x="0" y="0"/>
+                </a:cubicBezTo>
+                <a:close/>
+              </a:path>
+            </a:pathLst>
+          </a:custGeom>
+          <a:solidFill>
+            <a:schemeClr val="accent2"/>
+          </a:solidFill>
+          <a:ln w="44450" cap="rnd">
+            <a:solidFill>
+              <a:schemeClr val="accent2"/>
+            </a:solidFill>
+            <a:round/>
+            <a:extLst>
+              <a:ext uri="{C807C97D-BFC1-408E-A445-0C87EB9F89A2}">
+                <ask:lineSketchStyleProps xmlns:ask="http://schemas.microsoft.com/office/drawing/2018/sketchyshapes" sd="2727557108">
+                  <a:prstGeom prst="rect">
+                    <a:avLst/>
+                  </a:prstGeom>
+                  <ask:type>
+                    <ask:lineSketchFreehand/>
+                  </ask:type>
+                </ask:lineSketchStyleProps>
+              </a:ext>
+            </a:extLst>
+          </a:ln>
+        </p:spPr>
+        <p:style>
+          <a:lnRef idx="2">
+            <a:schemeClr val="accent1">
+              <a:shade val="50000"/>
+            </a:schemeClr>
+          </a:lnRef>
+          <a:fillRef idx="1">
+            <a:schemeClr val="accent1"/>
+          </a:fillRef>
+          <a:effectRef idx="0">
+            <a:schemeClr val="accent1"/>
+          </a:effectRef>
+          <a:fontRef idx="minor">
+            <a:schemeClr val="lt1"/>
+          </a:fontRef>
+        </p:style>
+        <p:txBody>
+          <a:bodyPr rtlCol="0" anchor="ctr"/>
+          <a:lstStyle/>
+          <a:p>
+            <a:pPr algn="ctr"/>
+            <a:endParaRPr lang="en-US"/>
+          </a:p>
+        </p:txBody>
+      </p:sp>
+      <p:sp>
+        <p:nvSpPr>
+          <p:cNvPr id="3" name="Content Placeholder 2">
+            <a:extLst>
+              <a:ext uri="{FF2B5EF4-FFF2-40B4-BE49-F238E27FC236}">
+                <a16:creationId xmlns:a16="http://schemas.microsoft.com/office/drawing/2014/main" id="{6A7B6A2E-A60D-41AC-B842-0416A592C0A3}"/>
+              </a:ext>
+            </a:extLst>
+          </p:cNvPr>
+          <p:cNvSpPr>
+            <a:spLocks noGrp="1"/>
+          </p:cNvSpPr>
+          <p:nvPr>
+            <p:ph idx="1"/>
+          </p:nvPr>
+        </p:nvSpPr>
+        <p:spPr>
+          <a:xfrm>
+            <a:off x="4657345" y="2568102"/>
+            <a:ext cx="7356315" cy="4114800"/>
+          </a:xfrm>
+        </p:spPr>
+        <p:txBody>
+          <a:bodyPr>
+            <a:normAutofit/>
+          </a:bodyPr>
+          <a:lstStyle/>
+          <a:p>
+            <a:pPr>
+              <a:buFont typeface="Wingdings" panose="05000000000000000000" pitchFamily="2" charset="2"/>
+              <a:buChar char="Ø"/>
+            </a:pPr>
+            <a:r>
+              <a:rPr lang="en-GB" dirty="0" err="1"/>
+              <a:t>Predvídať</a:t>
+            </a:r>
+            <a:r>
+              <a:rPr lang="en-GB" dirty="0"/>
+              <a:t> </a:t>
+            </a:r>
+            <a:r>
+              <a:rPr lang="en-GB" dirty="0" err="1"/>
+              <a:t>budúce</a:t>
+            </a:r>
+            <a:r>
+              <a:rPr lang="en-GB" dirty="0"/>
+              <a:t> </a:t>
+            </a:r>
+            <a:r>
+              <a:rPr lang="en-GB" dirty="0" err="1"/>
+              <a:t>pozície</a:t>
+            </a:r>
+            <a:r>
+              <a:rPr lang="en-GB" dirty="0"/>
+              <a:t> </a:t>
+            </a:r>
+            <a:r>
+              <a:rPr lang="en-GB" dirty="0" err="1"/>
+              <a:t>rôznych</a:t>
+            </a:r>
+            <a:r>
+              <a:rPr lang="en-GB" dirty="0"/>
+              <a:t> </a:t>
+            </a:r>
+            <a:r>
+              <a:rPr lang="en-GB" dirty="0" err="1"/>
+              <a:t>objektov</a:t>
+            </a:r>
+            <a:r>
+              <a:rPr lang="en-GB" dirty="0"/>
+              <a:t> a </a:t>
+            </a:r>
+            <a:r>
+              <a:rPr lang="en-GB" dirty="0" err="1"/>
+              <a:t>ľudí</a:t>
+            </a:r>
+            <a:r>
+              <a:rPr lang="en-GB" dirty="0"/>
+              <a:t> a </a:t>
+            </a:r>
+            <a:r>
+              <a:rPr lang="en-GB" dirty="0" err="1"/>
+              <a:t>rozhodovať</a:t>
+            </a:r>
+            <a:r>
+              <a:rPr lang="en-GB" dirty="0"/>
+              <a:t>, </a:t>
+            </a:r>
+            <a:r>
+              <a:rPr lang="en-GB" dirty="0" err="1"/>
+              <a:t>plánovať</a:t>
+            </a:r>
+            <a:r>
+              <a:rPr lang="en-GB" dirty="0"/>
+              <a:t> a </a:t>
+            </a:r>
+            <a:r>
+              <a:rPr lang="en-GB" dirty="0" err="1"/>
+              <a:t>upravovať</a:t>
+            </a:r>
+            <a:r>
+              <a:rPr lang="en-GB" dirty="0"/>
+              <a:t> </a:t>
+            </a:r>
+            <a:r>
+              <a:rPr lang="en-GB" dirty="0" err="1"/>
+              <a:t>trasu</a:t>
+            </a:r>
+            <a:r>
+              <a:rPr lang="en-GB" dirty="0"/>
+              <a:t> z </a:t>
+            </a:r>
+            <a:r>
+              <a:rPr lang="en-GB" dirty="0" err="1"/>
+              <a:t>bodu</a:t>
+            </a:r>
+            <a:r>
+              <a:rPr lang="en-GB" dirty="0"/>
+              <a:t> A do </a:t>
+            </a:r>
+            <a:r>
+              <a:rPr lang="en-GB" dirty="0" err="1"/>
+              <a:t>bodu</a:t>
+            </a:r>
+            <a:r>
+              <a:rPr lang="en-GB" dirty="0"/>
+              <a:t> B</a:t>
+            </a:r>
+          </a:p>
+          <a:p>
+            <a:pPr lvl="1"/>
+            <a:r>
+              <a:rPr lang="en-GB" sz="2000" dirty="0" err="1"/>
+              <a:t>Plánovanie</a:t>
+            </a:r>
+            <a:r>
+              <a:rPr lang="en-GB" sz="2000" dirty="0"/>
+              <a:t> </a:t>
+            </a:r>
+            <a:r>
+              <a:rPr lang="en-GB" sz="2000" dirty="0" err="1"/>
+              <a:t>na</a:t>
+            </a:r>
+            <a:r>
+              <a:rPr lang="en-GB" sz="2000" dirty="0"/>
+              <a:t> </a:t>
+            </a:r>
+            <a:r>
+              <a:rPr lang="en-GB" sz="2000" dirty="0" err="1"/>
+              <a:t>vysokej</a:t>
+            </a:r>
+            <a:r>
+              <a:rPr lang="en-GB" sz="2000" dirty="0"/>
+              <a:t> </a:t>
+            </a:r>
+            <a:r>
+              <a:rPr lang="en-GB" sz="2000" dirty="0" err="1"/>
+              <a:t>úrovni</a:t>
+            </a:r>
+            <a:endParaRPr lang="en-GB" sz="2000" dirty="0"/>
+          </a:p>
+          <a:p>
+            <a:pPr lvl="1"/>
+            <a:r>
+              <a:rPr lang="en-GB" sz="2000" dirty="0" err="1"/>
+              <a:t>Plánovanie</a:t>
+            </a:r>
+            <a:r>
+              <a:rPr lang="en-GB" sz="2000" dirty="0"/>
+              <a:t> </a:t>
+            </a:r>
+            <a:r>
+              <a:rPr lang="en-GB" sz="2000" dirty="0" err="1"/>
+              <a:t>podľa</a:t>
+            </a:r>
+            <a:r>
+              <a:rPr lang="en-GB" sz="2000" dirty="0"/>
+              <a:t> </a:t>
+            </a:r>
+            <a:r>
+              <a:rPr lang="en-GB" sz="2000" dirty="0" err="1"/>
+              <a:t>správania</a:t>
+            </a:r>
+            <a:r>
+              <a:rPr lang="en-GB" sz="2000" dirty="0"/>
+              <a:t> </a:t>
+            </a:r>
+            <a:r>
+              <a:rPr lang="en-GB" sz="2000" dirty="0" err="1"/>
+              <a:t>okolia</a:t>
+            </a:r>
+            <a:endParaRPr lang="en-GB" sz="2000" dirty="0"/>
+          </a:p>
+          <a:p>
+            <a:pPr marL="0" indent="0">
+              <a:buNone/>
+            </a:pPr>
+            <a:endParaRPr lang="en-GB" dirty="0"/>
+          </a:p>
+          <a:p>
+            <a:pPr>
+              <a:buFont typeface="Wingdings" panose="05000000000000000000" pitchFamily="2" charset="2"/>
+              <a:buChar char="Ø"/>
+            </a:pPr>
+            <a:r>
+              <a:rPr lang="en-GB" dirty="0" err="1"/>
+              <a:t>Plánovanie</a:t>
+            </a:r>
+            <a:r>
+              <a:rPr lang="en-GB" dirty="0"/>
+              <a:t> </a:t>
+            </a:r>
+            <a:r>
+              <a:rPr lang="en-GB" dirty="0" err="1"/>
+              <a:t>podľa</a:t>
+            </a:r>
+            <a:r>
+              <a:rPr lang="en-GB" dirty="0"/>
+              <a:t> </a:t>
+            </a:r>
+            <a:r>
+              <a:rPr lang="en-GB" dirty="0" err="1"/>
+              <a:t>správania</a:t>
+            </a:r>
+            <a:r>
+              <a:rPr lang="en-GB" dirty="0"/>
+              <a:t> </a:t>
+            </a:r>
+            <a:r>
+              <a:rPr lang="en-GB" dirty="0" err="1"/>
+              <a:t>okolia</a:t>
+            </a:r>
+            <a:endParaRPr lang="en-GB" dirty="0"/>
+          </a:p>
+          <a:p>
+            <a:pPr lvl="1"/>
+            <a:r>
+              <a:rPr lang="en-GB" sz="2000" dirty="0" err="1"/>
+              <a:t>Výstupy</a:t>
+            </a:r>
+            <a:r>
+              <a:rPr lang="en-GB" sz="2000" dirty="0"/>
+              <a:t> </a:t>
+            </a:r>
+            <a:r>
+              <a:rPr lang="en-GB" sz="2000" dirty="0" err="1"/>
+              <a:t>vizualizácie</a:t>
+            </a:r>
+            <a:r>
+              <a:rPr lang="en-GB" sz="2000" dirty="0"/>
+              <a:t> </a:t>
+            </a:r>
+            <a:r>
+              <a:rPr lang="en-GB" sz="2000" dirty="0" err="1"/>
+              <a:t>kombinované</a:t>
+            </a:r>
+            <a:r>
+              <a:rPr lang="en-GB" sz="2000" dirty="0"/>
+              <a:t> so </a:t>
+            </a:r>
+            <a:r>
+              <a:rPr lang="en-GB" sz="2000" dirty="0" err="1"/>
+              <a:t>strojovým</a:t>
+            </a:r>
+            <a:r>
+              <a:rPr lang="en-GB" sz="2000" dirty="0"/>
+              <a:t> </a:t>
+            </a:r>
+            <a:r>
+              <a:rPr lang="en-GB" sz="2000" dirty="0" err="1"/>
+              <a:t>učením</a:t>
+            </a:r>
+            <a:r>
+              <a:rPr lang="en-GB" sz="2000" dirty="0"/>
+              <a:t> </a:t>
+            </a:r>
+            <a:r>
+              <a:rPr lang="en-GB" sz="2000" dirty="0" err="1"/>
+              <a:t>založeným</a:t>
+            </a:r>
+            <a:r>
+              <a:rPr lang="en-GB" sz="2000" dirty="0"/>
+              <a:t> </a:t>
+            </a:r>
+            <a:r>
+              <a:rPr lang="en-GB" sz="2000" dirty="0" err="1"/>
+              <a:t>na</a:t>
+            </a:r>
+            <a:r>
+              <a:rPr lang="en-GB" sz="2000" dirty="0"/>
+              <a:t> </a:t>
+            </a:r>
+            <a:r>
+              <a:rPr lang="en-GB" sz="2000" dirty="0" err="1"/>
+              <a:t>Gaussovej</a:t>
+            </a:r>
+            <a:r>
+              <a:rPr lang="en-GB" sz="2000" dirty="0"/>
+              <a:t> </a:t>
+            </a:r>
+            <a:r>
+              <a:rPr lang="en-GB" sz="2000" dirty="0" err="1"/>
+              <a:t>regresií</a:t>
+            </a:r>
+            <a:r>
+              <a:rPr lang="en-GB" sz="2000" dirty="0"/>
+              <a:t> </a:t>
+            </a:r>
+            <a:r>
+              <a:rPr lang="en-GB" sz="2000" dirty="0" err="1"/>
+              <a:t>procesu</a:t>
+            </a:r>
+            <a:r>
+              <a:rPr lang="en-GB" sz="2000" dirty="0"/>
+              <a:t> - DRL</a:t>
+            </a:r>
+          </a:p>
+        </p:txBody>
+      </p:sp>
+    </p:spTree>
+    <p:extLst>
+      <p:ext uri="{BB962C8B-B14F-4D97-AF65-F5344CB8AC3E}">
+        <p14:creationId xmlns:p14="http://schemas.microsoft.com/office/powerpoint/2010/main" val="837675521"/>
+      </p:ext>
+    </p:extLst>
+  </p:cSld>
+  <p:clrMapOvr>
+    <a:masterClrMapping/>
+  </p:clrMapOvr>
+</p:sld>
+</file>
+
+<file path=ppt/slides/slide12.xml><?xml version="1.0" encoding="utf-8"?>
+<p:sld xmlns:a="http://schemas.openxmlformats.org/drawingml/2006/main" xmlns:r="http://schemas.openxmlformats.org/officeDocument/2006/relationships" xmlns:p="http://schemas.openxmlformats.org/presentationml/2006/main">
+  <p:cSld>
+    <p:bg>
+      <p:bgPr>
+        <a:solidFill>
+          <a:schemeClr val="bg1"/>
+        </a:solidFill>
+        <a:effectLst/>
+      </p:bgPr>
+    </p:bg>
+    <p:spTree>
+      <p:nvGrpSpPr>
+        <p:cNvPr id="1" name=""/>
+        <p:cNvGrpSpPr/>
+        <p:nvPr/>
+      </p:nvGrpSpPr>
+      <p:grpSpPr>
+        <a:xfrm>
+          <a:off x="0" y="0"/>
+          <a:ext cx="0" cy="0"/>
+          <a:chOff x="0" y="0"/>
+          <a:chExt cx="0" cy="0"/>
+        </a:xfrm>
+      </p:grpSpPr>
+      <p:sp useBgFill="1">
+        <p:nvSpPr>
           <p:cNvPr id="8" name="Rectangle 7">
             <a:extLst>
               <a:ext uri="{FF2B5EF4-FFF2-40B4-BE49-F238E27FC236}">
@@ -7537,7 +9449,7 @@
           <p:cNvPr id="2" name="Title 1">
             <a:extLst>
               <a:ext uri="{FF2B5EF4-FFF2-40B4-BE49-F238E27FC236}">
-                <a16:creationId xmlns:a16="http://schemas.microsoft.com/office/drawing/2014/main" id="{C340335E-95DA-4835-82FB-EA55607D3DD4}"/>
+                <a16:creationId xmlns:a16="http://schemas.microsoft.com/office/drawing/2014/main" id="{31ABE894-DB50-48C3-8CE9-3DBCBC85B673}"/>
               </a:ext>
             </a:extLst>
           </p:cNvPr>
@@ -7561,10 +9473,9 @@
           <a:lstStyle/>
           <a:p>
             <a:r>
-              <a:rPr lang="en-GB" sz="5400" b="1" dirty="0" err="1"/>
-              <a:t>Vizualizácia</a:t>
-            </a:r>
-            <a:endParaRPr lang="en-GB" sz="5400" b="1" dirty="0"/>
+              <a:rPr lang="en-GB" sz="5400" b="1"/>
+              <a:t>Ovládanie</a:t>
+            </a:r>
           </a:p>
         </p:txBody>
       </p:sp>
@@ -8211,7 +10122,7 @@
           <p:cNvPr id="3" name="Content Placeholder 2">
             <a:extLst>
               <a:ext uri="{FF2B5EF4-FFF2-40B4-BE49-F238E27FC236}">
-                <a16:creationId xmlns:a16="http://schemas.microsoft.com/office/drawing/2014/main" id="{E983D39D-D9B4-4679-AF04-218B9A0E7F83}"/>
+                <a16:creationId xmlns:a16="http://schemas.microsoft.com/office/drawing/2014/main" id="{ED491C64-C7A7-4D67-B2F0-E93790339F2D}"/>
               </a:ext>
             </a:extLst>
           </p:cNvPr>
@@ -8224,8 +10135,8 @@
         </p:nvSpPr>
         <p:spPr>
           <a:xfrm>
-            <a:off x="838200" y="1929384"/>
-            <a:ext cx="10515600" cy="4251960"/>
+            <a:off x="369651" y="1929384"/>
+            <a:ext cx="11439727" cy="4581922"/>
           </a:xfrm>
         </p:spPr>
         <p:txBody>
@@ -8234,2184 +10145,435 @@
           </a:bodyPr>
           <a:lstStyle/>
           <a:p>
-            <a:pPr lvl="1">
+            <a:pPr>
               <a:buFont typeface="Wingdings" panose="05000000000000000000" pitchFamily="2" charset="2"/>
               <a:buChar char="Ø"/>
             </a:pPr>
             <a:r>
-              <a:rPr lang="en-GB" sz="2800" dirty="0" err="1"/>
-              <a:t>Úloha</a:t>
-            </a:r>
-            <a:r>
-              <a:rPr lang="en-GB" sz="2800" dirty="0"/>
-              <a:t> je </a:t>
-            </a:r>
-            <a:r>
-              <a:rPr lang="en-GB" sz="2800" dirty="0" err="1"/>
-              <a:t>detekovať</a:t>
-            </a:r>
-            <a:r>
-              <a:rPr lang="en-GB" sz="2800" dirty="0"/>
+              <a:rPr lang="en-GB" sz="2400" dirty="0" err="1"/>
+              <a:t>Proces</a:t>
+            </a:r>
+            <a:r>
+              <a:rPr lang="en-GB" sz="2400" dirty="0"/>
               <a:t> </a:t>
             </a:r>
             <a:r>
-              <a:rPr lang="en-GB" sz="2800" dirty="0" err="1"/>
-              <a:t>jazdný</a:t>
-            </a:r>
-            <a:r>
-              <a:rPr lang="en-GB" sz="2800" dirty="0"/>
+              <a:rPr lang="en-GB" sz="2400" dirty="0" err="1"/>
+              <a:t>premeny</a:t>
+            </a:r>
+            <a:r>
+              <a:rPr lang="en-GB" sz="2400" dirty="0"/>
               <a:t> </a:t>
             </a:r>
             <a:r>
-              <a:rPr lang="en-GB" sz="2800" dirty="0" err="1"/>
-              <a:t>pruh</a:t>
-            </a:r>
-            <a:r>
-              <a:rPr lang="en-GB" sz="2800" dirty="0"/>
+              <a:rPr lang="en-GB" sz="2400" dirty="0" err="1"/>
+              <a:t>zámerov</a:t>
+            </a:r>
+            <a:r>
+              <a:rPr lang="en-GB" sz="2400" dirty="0"/>
+              <a:t> </a:t>
+            </a:r>
+            <a:r>
+              <a:rPr lang="en-GB" sz="2400" dirty="0" err="1"/>
+              <a:t>na</a:t>
+            </a:r>
+            <a:r>
+              <a:rPr lang="en-GB" sz="2400" dirty="0"/>
+              <a:t> </a:t>
+            </a:r>
+            <a:r>
+              <a:rPr lang="en-GB" sz="2400" dirty="0" err="1"/>
+              <a:t>akcie</a:t>
+            </a:r>
+            <a:r>
+              <a:rPr lang="en-GB" sz="2400" dirty="0"/>
+              <a:t> – </a:t>
+            </a:r>
+            <a:r>
+              <a:rPr lang="en-GB" sz="2000" dirty="0" err="1"/>
+              <a:t>realizovať</a:t>
+            </a:r>
+            <a:r>
+              <a:rPr lang="en-GB" sz="2000" dirty="0"/>
+              <a:t> </a:t>
+            </a:r>
+            <a:r>
+              <a:rPr lang="en-GB" sz="2000" dirty="0" err="1"/>
+              <a:t>plánované</a:t>
+            </a:r>
+            <a:r>
+              <a:rPr lang="en-GB" sz="2000" dirty="0"/>
+              <a:t> </a:t>
+            </a:r>
+            <a:r>
+              <a:rPr lang="en-GB" sz="2000" dirty="0" err="1"/>
+              <a:t>účely</a:t>
+            </a:r>
+            <a:r>
+              <a:rPr lang="en-GB" sz="2000" dirty="0"/>
+              <a:t> </a:t>
+            </a:r>
+            <a:r>
+              <a:rPr lang="en-GB" sz="2000" dirty="0" err="1"/>
+              <a:t>poskytnutím</a:t>
+            </a:r>
+            <a:r>
+              <a:rPr lang="en-GB" sz="2000" dirty="0"/>
+              <a:t> </a:t>
+            </a:r>
+            <a:r>
+              <a:rPr lang="en-GB" sz="2000" dirty="0" err="1"/>
+              <a:t>potrebných</a:t>
+            </a:r>
+            <a:r>
+              <a:rPr lang="en-GB" sz="2000" dirty="0"/>
+              <a:t> </a:t>
+            </a:r>
+            <a:r>
+              <a:rPr lang="en-GB" sz="2000" dirty="0" err="1"/>
+              <a:t>vstupov</a:t>
+            </a:r>
+            <a:r>
+              <a:rPr lang="en-GB" sz="2000" dirty="0"/>
+              <a:t> </a:t>
+            </a:r>
+            <a:r>
+              <a:rPr lang="en-GB" sz="2000" dirty="0" err="1"/>
+              <a:t>na</a:t>
+            </a:r>
+            <a:r>
+              <a:rPr lang="en-GB" sz="2000" dirty="0"/>
+              <a:t> </a:t>
+            </a:r>
+            <a:r>
+              <a:rPr lang="en-GB" sz="2000" dirty="0" err="1"/>
+              <a:t>hardvérovej</a:t>
+            </a:r>
+            <a:r>
+              <a:rPr lang="en-GB" sz="2000" dirty="0"/>
+              <a:t> </a:t>
+            </a:r>
+            <a:r>
+              <a:rPr lang="en-GB" sz="2000" dirty="0" err="1"/>
+              <a:t>úrovni</a:t>
+            </a:r>
+            <a:r>
+              <a:rPr lang="en-GB" sz="2000" dirty="0"/>
               <a:t>, </a:t>
             </a:r>
             <a:r>
-              <a:rPr lang="en-GB" sz="2800" dirty="0" err="1"/>
-              <a:t>členenie</a:t>
-            </a:r>
-            <a:r>
-              <a:rPr lang="en-GB" sz="2800" dirty="0"/>
+              <a:rPr lang="en-GB" sz="2000" dirty="0" err="1"/>
+              <a:t>ktorá</a:t>
+            </a:r>
+            <a:r>
+              <a:rPr lang="en-GB" sz="2000" dirty="0"/>
               <a:t> </a:t>
             </a:r>
             <a:r>
-              <a:rPr lang="en-GB" sz="2800" dirty="0" err="1"/>
-              <a:t>cesty</a:t>
-            </a:r>
-            <a:r>
-              <a:rPr lang="en-GB" sz="2800" dirty="0"/>
-              <a:t>, </a:t>
-            </a:r>
-            <a:r>
-              <a:rPr lang="en-GB" sz="2800" dirty="0" err="1"/>
-              <a:t>prekážky</a:t>
-            </a:r>
-            <a:r>
-              <a:rPr lang="en-GB" sz="2800" dirty="0"/>
-              <a:t>, </a:t>
-            </a:r>
-            <a:r>
-              <a:rPr lang="en-GB" sz="2800" dirty="0" err="1"/>
-              <a:t>dopravné</a:t>
-            </a:r>
-            <a:r>
-              <a:rPr lang="en-GB" sz="2800" dirty="0"/>
-              <a:t>/</a:t>
-            </a:r>
-            <a:r>
-              <a:rPr lang="en-GB" sz="2800" dirty="0" err="1"/>
-              <a:t>svetelné</a:t>
-            </a:r>
-            <a:r>
-              <a:rPr lang="en-GB" sz="2800" dirty="0"/>
-              <a:t>/</a:t>
-            </a:r>
-            <a:r>
-              <a:rPr lang="en-GB" sz="2800" dirty="0" err="1"/>
-              <a:t>cestné</a:t>
-            </a:r>
-            <a:r>
-              <a:rPr lang="en-GB" sz="2800" dirty="0"/>
+              <a:rPr lang="en-GB" sz="2000" dirty="0" err="1"/>
+              <a:t>generuje</a:t>
+            </a:r>
+            <a:r>
+              <a:rPr lang="en-GB" sz="2000" dirty="0"/>
               <a:t> </a:t>
             </a:r>
             <a:r>
-              <a:rPr lang="en-GB" sz="2800" dirty="0" err="1"/>
-              <a:t>značky</a:t>
-            </a:r>
-            <a:r>
-              <a:rPr lang="en-GB" sz="2800" dirty="0"/>
-              <a:t> a </a:t>
-            </a:r>
-            <a:r>
-              <a:rPr lang="en-GB" sz="2800" dirty="0" err="1"/>
-              <a:t>odhadovať</a:t>
-            </a:r>
-            <a:r>
-              <a:rPr lang="en-GB" sz="2800" dirty="0"/>
+              <a:rPr lang="en-GB" sz="2000" dirty="0" err="1"/>
+              <a:t>požadované</a:t>
+            </a:r>
+            <a:r>
+              <a:rPr lang="en-GB" sz="2000" dirty="0"/>
               <a:t> </a:t>
             </a:r>
             <a:r>
-              <a:rPr lang="en-GB" sz="2800" dirty="0" err="1"/>
-              <a:t>rýchlosť</a:t>
-            </a:r>
-            <a:r>
-              <a:rPr lang="en-GB" sz="2800" dirty="0"/>
+              <a:rPr lang="en-GB" sz="2000" dirty="0" err="1"/>
+              <a:t>pohyby</a:t>
+            </a:r>
+            <a:endParaRPr lang="en-GB" sz="2000" dirty="0"/>
+          </a:p>
+          <a:p>
+            <a:pPr lvl="1"/>
+            <a:r>
+              <a:rPr lang="en-GB" sz="2200" dirty="0" err="1"/>
+              <a:t>Klasický</a:t>
+            </a:r>
+            <a:r>
+              <a:rPr lang="en-GB" sz="2200" dirty="0"/>
               <a:t> </a:t>
             </a:r>
             <a:r>
-              <a:rPr lang="en-GB" sz="2800" dirty="0" err="1"/>
-              <a:t>vozidiel</a:t>
-            </a:r>
-            <a:endParaRPr lang="en-GB" sz="2800" dirty="0"/>
-          </a:p>
-          <a:p>
-            <a:pPr lvl="1">
+              <a:rPr lang="en-GB" sz="2200" dirty="0" err="1"/>
+              <a:t>ovládač</a:t>
+            </a:r>
+            <a:endParaRPr lang="en-GB" sz="2200" dirty="0"/>
+          </a:p>
+          <a:p>
+            <a:pPr lvl="1"/>
+            <a:r>
+              <a:rPr lang="en-GB" sz="2200" dirty="0" err="1"/>
+              <a:t>Predvídavý</a:t>
+            </a:r>
+            <a:r>
+              <a:rPr lang="en-GB" sz="2200" dirty="0"/>
+              <a:t> </a:t>
+            </a:r>
+            <a:r>
+              <a:rPr lang="en-GB" sz="2200" dirty="0" err="1"/>
+              <a:t>ovládač</a:t>
+            </a:r>
+            <a:endParaRPr lang="en-GB" sz="2200" dirty="0"/>
+          </a:p>
+          <a:p>
+            <a:endParaRPr lang="en-GB" sz="2200" dirty="0"/>
+          </a:p>
+          <a:p>
+            <a:pPr>
               <a:buFont typeface="Wingdings" panose="05000000000000000000" pitchFamily="2" charset="2"/>
               <a:buChar char="Ø"/>
             </a:pPr>
-            <a:endParaRPr lang="en-GB" sz="2800" dirty="0"/>
-          </a:p>
-          <a:p>
-            <a:pPr lvl="1">
+            <a:r>
+              <a:rPr lang="en-GB" sz="2400" dirty="0" err="1"/>
+              <a:t>Klasický</a:t>
+            </a:r>
+            <a:r>
+              <a:rPr lang="en-GB" sz="2400" dirty="0"/>
+              <a:t> </a:t>
+            </a:r>
+            <a:r>
+              <a:rPr lang="en-GB" sz="2400" dirty="0" err="1"/>
+              <a:t>ovládač</a:t>
+            </a:r>
+            <a:r>
+              <a:rPr lang="en-GB" sz="2400" dirty="0"/>
+              <a:t> – </a:t>
+            </a:r>
+            <a:r>
+              <a:rPr lang="en-GB" sz="2400" dirty="0" err="1"/>
+              <a:t>založený</a:t>
+            </a:r>
+            <a:r>
+              <a:rPr lang="en-GB" sz="2400" dirty="0"/>
+              <a:t> </a:t>
+            </a:r>
+            <a:r>
+              <a:rPr lang="en-GB" sz="2400" dirty="0" err="1"/>
+              <a:t>na</a:t>
+            </a:r>
+            <a:r>
+              <a:rPr lang="en-GB" sz="2400" dirty="0"/>
+              <a:t> </a:t>
+            </a:r>
+            <a:r>
+              <a:rPr lang="en-GB" sz="2400" dirty="0" err="1"/>
+              <a:t>spätnej</a:t>
+            </a:r>
+            <a:r>
+              <a:rPr lang="en-GB" sz="2400" dirty="0"/>
+              <a:t> </a:t>
+            </a:r>
+            <a:r>
+              <a:rPr lang="en-GB" sz="2400" dirty="0" err="1"/>
+              <a:t>väzbe</a:t>
+            </a:r>
+            <a:r>
+              <a:rPr lang="en-GB" sz="2400" dirty="0"/>
+              <a:t> a </a:t>
+            </a:r>
+            <a:r>
+              <a:rPr lang="en-GB" sz="2400" dirty="0" err="1"/>
+              <a:t>nevyžaduje</a:t>
+            </a:r>
+            <a:r>
+              <a:rPr lang="en-GB" sz="2400" dirty="0"/>
+              <a:t> </a:t>
+            </a:r>
+            <a:r>
+              <a:rPr lang="en-GB" sz="2400" dirty="0" err="1"/>
+              <a:t>žiadny</a:t>
+            </a:r>
+            <a:r>
+              <a:rPr lang="en-GB" sz="2400" dirty="0"/>
+              <a:t> </a:t>
+            </a:r>
+            <a:r>
+              <a:rPr lang="en-GB" sz="2400" dirty="0" err="1"/>
+              <a:t>systémový</a:t>
+            </a:r>
+            <a:r>
+              <a:rPr lang="en-GB" sz="2400" dirty="0"/>
+              <a:t> model</a:t>
+            </a:r>
+          </a:p>
+          <a:p>
+            <a:pPr lvl="1"/>
+            <a:r>
+              <a:rPr lang="en-GB" sz="2200" dirty="0" err="1"/>
+              <a:t>Nevýhoda</a:t>
+            </a:r>
+            <a:r>
+              <a:rPr lang="en-GB" sz="2200" dirty="0"/>
+              <a:t> </a:t>
+            </a:r>
+            <a:r>
+              <a:rPr lang="en-GB" sz="2200" dirty="0" err="1"/>
+              <a:t>neskorej</a:t>
+            </a:r>
+            <a:r>
+              <a:rPr lang="en-GB" sz="2200" dirty="0"/>
+              <a:t> </a:t>
+            </a:r>
+            <a:r>
+              <a:rPr lang="en-GB" sz="2200" dirty="0" err="1"/>
+              <a:t>reakcie</a:t>
+            </a:r>
+            <a:r>
+              <a:rPr lang="en-GB" sz="2200" dirty="0"/>
+              <a:t> – </a:t>
+            </a:r>
+            <a:r>
+              <a:rPr lang="en-GB" sz="2200" dirty="0" err="1"/>
+              <a:t>detekuje</a:t>
+            </a:r>
+            <a:r>
+              <a:rPr lang="en-GB" sz="2200" dirty="0"/>
+              <a:t> </a:t>
+            </a:r>
+            <a:r>
+              <a:rPr lang="en-GB" sz="2200" dirty="0" err="1"/>
+              <a:t>problémy</a:t>
+            </a:r>
+            <a:r>
+              <a:rPr lang="en-GB" sz="2200" dirty="0"/>
+              <a:t> </a:t>
+            </a:r>
+            <a:r>
+              <a:rPr lang="en-GB" sz="2200" dirty="0" err="1"/>
+              <a:t>až</a:t>
+            </a:r>
+            <a:r>
+              <a:rPr lang="en-GB" sz="2200" dirty="0"/>
+              <a:t> </a:t>
+            </a:r>
+            <a:r>
+              <a:rPr lang="en-GB" sz="2200" dirty="0" err="1"/>
+              <a:t>vtedy</a:t>
+            </a:r>
+            <a:r>
+              <a:rPr lang="en-GB" sz="2200" dirty="0"/>
+              <a:t>, </a:t>
+            </a:r>
+            <a:r>
+              <a:rPr lang="en-GB" sz="2200" dirty="0" err="1"/>
+              <a:t>keď</a:t>
+            </a:r>
+            <a:r>
+              <a:rPr lang="en-GB" sz="2200" dirty="0"/>
+              <a:t> </a:t>
+            </a:r>
+            <a:r>
+              <a:rPr lang="en-GB" sz="2200" dirty="0" err="1"/>
+              <a:t>sa</a:t>
+            </a:r>
+            <a:r>
+              <a:rPr lang="en-GB" sz="2200" dirty="0"/>
+              <a:t> </a:t>
+            </a:r>
+            <a:r>
+              <a:rPr lang="en-GB" sz="2200" dirty="0" err="1"/>
+              <a:t>dejú</a:t>
+            </a:r>
+            <a:r>
+              <a:rPr lang="en-GB" sz="2200" dirty="0"/>
+              <a:t> (“</a:t>
+            </a:r>
+            <a:r>
+              <a:rPr lang="en-GB" sz="2200" dirty="0" err="1"/>
+              <a:t>dopredná</a:t>
+            </a:r>
+            <a:r>
+              <a:rPr lang="en-GB" sz="2200" dirty="0"/>
+              <a:t>” </a:t>
+            </a:r>
+            <a:r>
+              <a:rPr lang="en-GB" sz="2200" dirty="0" err="1"/>
+              <a:t>väzba</a:t>
+            </a:r>
+            <a:r>
+              <a:rPr lang="en-GB" sz="2200" dirty="0"/>
+              <a:t>)</a:t>
+            </a:r>
+          </a:p>
+          <a:p>
+            <a:endParaRPr lang="en-GB" sz="2200" dirty="0"/>
+          </a:p>
+          <a:p>
+            <a:endParaRPr lang="en-GB" sz="2200" dirty="0"/>
+          </a:p>
+          <a:p>
+            <a:pPr>
               <a:buFont typeface="Wingdings" panose="05000000000000000000" pitchFamily="2" charset="2"/>
               <a:buChar char="Ø"/>
             </a:pPr>
             <a:r>
-              <a:rPr lang="en-GB" sz="2800" dirty="0"/>
-              <a:t>Smart </a:t>
-            </a:r>
-            <a:r>
-              <a:rPr lang="en-GB" sz="2800" dirty="0" err="1"/>
-              <a:t>senzory</a:t>
-            </a:r>
-            <a:endParaRPr lang="en-GB" sz="2800" dirty="0"/>
-          </a:p>
-          <a:p>
-            <a:pPr lvl="1">
-              <a:buFont typeface="Wingdings" panose="05000000000000000000" pitchFamily="2" charset="2"/>
-              <a:buChar char="Ø"/>
-            </a:pPr>
-            <a:r>
-              <a:rPr lang="en-GB" sz="2800" dirty="0" err="1"/>
-              <a:t>Senzorová</a:t>
-            </a:r>
-            <a:r>
-              <a:rPr lang="en-GB" sz="2800" dirty="0"/>
+              <a:rPr lang="en-GB" sz="2400" dirty="0" err="1"/>
+              <a:t>Technológia</a:t>
+            </a:r>
+            <a:r>
+              <a:rPr lang="en-GB" sz="2400" dirty="0"/>
               <a:t> </a:t>
             </a:r>
             <a:r>
-              <a:rPr lang="en-GB" sz="2800" dirty="0" err="1"/>
-              <a:t>fúzia</a:t>
-            </a:r>
-            <a:r>
-              <a:rPr lang="en-GB" sz="2800" dirty="0"/>
+              <a:rPr lang="en-GB" sz="2400" dirty="0" err="1"/>
+              <a:t>sa</a:t>
+            </a:r>
+            <a:r>
+              <a:rPr lang="en-GB" sz="2400" dirty="0"/>
+              <a:t> </a:t>
+            </a:r>
+            <a:r>
+              <a:rPr lang="en-GB" sz="2400" dirty="0" err="1"/>
+              <a:t>posúva</a:t>
+            </a:r>
+            <a:r>
+              <a:rPr lang="en-GB" sz="2400" dirty="0"/>
+              <a:t> k DL </a:t>
+            </a:r>
+            <a:r>
+              <a:rPr lang="en-GB" sz="2400" dirty="0" err="1"/>
+              <a:t>ovládačom</a:t>
+            </a:r>
+            <a:r>
+              <a:rPr lang="en-GB" sz="2400" dirty="0"/>
               <a:t> – </a:t>
             </a:r>
             <a:r>
-              <a:rPr lang="en-GB" sz="2800" dirty="0" err="1"/>
-              <a:t>klasická</a:t>
-            </a:r>
-            <a:r>
-              <a:rPr lang="en-GB" sz="2800" dirty="0"/>
+              <a:rPr lang="en-GB" sz="2400" dirty="0" err="1"/>
+              <a:t>použitie</a:t>
+            </a:r>
+            <a:r>
+              <a:rPr lang="en-GB" sz="2400" dirty="0"/>
+              <a:t> End2End a DRL </a:t>
+            </a:r>
+            <a:r>
+              <a:rPr lang="en-GB" sz="2400" dirty="0" err="1"/>
+              <a:t>softvérových</a:t>
+            </a:r>
+            <a:r>
+              <a:rPr lang="en-GB" sz="2400" dirty="0"/>
               <a:t> </a:t>
             </a:r>
             <a:r>
-              <a:rPr lang="en-GB" sz="2800" dirty="0" err="1"/>
-              <a:t>alebo</a:t>
-            </a:r>
-            <a:r>
-              <a:rPr lang="en-GB" sz="2800" dirty="0"/>
-              <a:t> DL </a:t>
-            </a:r>
-            <a:r>
-              <a:rPr lang="en-GB" sz="2800" dirty="0" err="1"/>
-              <a:t>algoritmy</a:t>
-            </a:r>
-            <a:endParaRPr lang="en-GB" sz="2800" i="1" dirty="0"/>
-          </a:p>
-          <a:p>
-            <a:pPr lvl="2"/>
-            <a:r>
-              <a:rPr lang="en-GB" dirty="0"/>
-              <a:t>RADAR-</a:t>
-            </a:r>
-            <a:r>
-              <a:rPr lang="en-GB" dirty="0" err="1"/>
-              <a:t>kamerová</a:t>
-            </a:r>
-            <a:r>
-              <a:rPr lang="en-GB" dirty="0"/>
-              <a:t> </a:t>
-            </a:r>
-            <a:r>
-              <a:rPr lang="en-GB" dirty="0" err="1"/>
-              <a:t>fúzia</a:t>
-            </a:r>
-            <a:r>
-              <a:rPr lang="en-GB" dirty="0"/>
-              <a:t> – </a:t>
-            </a:r>
-            <a:r>
-              <a:rPr lang="en-GB" dirty="0" err="1"/>
-              <a:t>LaneNet</a:t>
-            </a:r>
-            <a:r>
-              <a:rPr lang="en-GB" dirty="0"/>
-              <a:t>, YOLO, Radar Centric 3D Object Detection - </a:t>
-            </a:r>
-            <a:r>
-              <a:rPr lang="en-GB" dirty="0" err="1"/>
-              <a:t>FusionNet</a:t>
-            </a:r>
-            <a:endParaRPr lang="en-GB" dirty="0"/>
-          </a:p>
-          <a:p>
-            <a:pPr lvl="2"/>
-            <a:r>
-              <a:rPr lang="en-GB" dirty="0"/>
-              <a:t>LIDAR-</a:t>
-            </a:r>
-            <a:r>
-              <a:rPr lang="en-GB" dirty="0" err="1"/>
-              <a:t>kamerová</a:t>
-            </a:r>
-            <a:r>
-              <a:rPr lang="en-GB" dirty="0"/>
-              <a:t> </a:t>
-            </a:r>
-            <a:r>
-              <a:rPr lang="en-GB" dirty="0" err="1"/>
-              <a:t>fúzia</a:t>
-            </a:r>
-            <a:endParaRPr lang="en-GB" dirty="0"/>
-          </a:p>
-          <a:p>
-            <a:pPr lvl="2"/>
-            <a:r>
-              <a:rPr lang="en-GB" dirty="0"/>
-              <a:t>RADAR-LIDAR </a:t>
-            </a:r>
-            <a:r>
-              <a:rPr lang="en-GB" dirty="0" err="1"/>
-              <a:t>fúzia</a:t>
-            </a:r>
-            <a:endParaRPr lang="en-GB" dirty="0"/>
-          </a:p>
-          <a:p>
-            <a:pPr lvl="2"/>
-            <a:r>
-              <a:rPr lang="en-GB" dirty="0"/>
-              <a:t>LIDAR-</a:t>
-            </a:r>
-            <a:r>
-              <a:rPr lang="en-GB" dirty="0" err="1"/>
-              <a:t>stereokamerová</a:t>
-            </a:r>
-            <a:r>
-              <a:rPr lang="en-GB" dirty="0"/>
-              <a:t> </a:t>
-            </a:r>
-            <a:r>
-              <a:rPr lang="en-GB" dirty="0" err="1"/>
-              <a:t>fúzia</a:t>
-            </a:r>
-            <a:endParaRPr lang="en-GB" dirty="0"/>
+              <a:rPr lang="en-GB" sz="2400" dirty="0" err="1"/>
+              <a:t>modelov</a:t>
+            </a:r>
+            <a:endParaRPr lang="en-GB" sz="2400" dirty="0"/>
           </a:p>
         </p:txBody>
       </p:sp>
     </p:spTree>
     <p:extLst>
       <p:ext uri="{BB962C8B-B14F-4D97-AF65-F5344CB8AC3E}">
-        <p14:creationId xmlns:p14="http://schemas.microsoft.com/office/powerpoint/2010/main" val="2948015553"/>
-      </p:ext>
-    </p:extLst>
-  </p:cSld>
-  <p:clrMapOvr>
-    <a:masterClrMapping/>
-  </p:clrMapOvr>
-</p:sld>
-</file>
-
-<file path=ppt/slides/slide11.xml><?xml version="1.0" encoding="utf-8"?>
-<p:sld xmlns:a="http://schemas.openxmlformats.org/drawingml/2006/main" xmlns:r="http://schemas.openxmlformats.org/officeDocument/2006/relationships" xmlns:p="http://schemas.openxmlformats.org/presentationml/2006/main">
-  <p:cSld>
-    <p:bg>
-      <p:bgPr>
-        <a:solidFill>
-          <a:schemeClr val="bg1"/>
-        </a:solidFill>
-        <a:effectLst/>
-      </p:bgPr>
-    </p:bg>
-    <p:spTree>
-      <p:nvGrpSpPr>
-        <p:cNvPr id="1" name=""/>
-        <p:cNvGrpSpPr/>
-        <p:nvPr/>
-      </p:nvGrpSpPr>
-      <p:grpSpPr>
-        <a:xfrm>
-          <a:off x="0" y="0"/>
-          <a:ext cx="0" cy="0"/>
-          <a:chOff x="0" y="0"/>
-          <a:chExt cx="0" cy="0"/>
-        </a:xfrm>
-      </p:grpSpPr>
-      <p:sp useBgFill="1">
-        <p:nvSpPr>
-          <p:cNvPr id="17" name="Rectangle 16">
-            <a:extLst>
-              <a:ext uri="{FF2B5EF4-FFF2-40B4-BE49-F238E27FC236}">
-                <a16:creationId xmlns:a16="http://schemas.microsoft.com/office/drawing/2014/main" id="{2C61293E-6EBE-43EF-A52C-9BEBFD7679D4}"/>
-              </a:ext>
-              <a:ext uri="{C183D7F6-B498-43B3-948B-1728B52AA6E4}">
-                <adec:decorative xmlns:adec="http://schemas.microsoft.com/office/drawing/2017/decorative" val="1"/>
-              </a:ext>
-            </a:extLst>
-          </p:cNvPr>
-          <p:cNvSpPr>
-            <a:spLocks noGrp="1" noRot="1" noChangeAspect="1" noMove="1" noResize="1" noEditPoints="1" noAdjustHandles="1" noChangeArrowheads="1" noChangeShapeType="1" noTextEdit="1"/>
-          </p:cNvSpPr>
-          <p:nvPr>
-            <p:extLst>
-              <p:ext uri="{386F3935-93C4-4BCD-93E2-E3B085C9AB24}">
-                <p16:designElem xmlns:p16="http://schemas.microsoft.com/office/powerpoint/2015/main" val="1"/>
-              </p:ext>
-            </p:extLst>
-          </p:nvPr>
-        </p:nvSpPr>
-        <p:spPr>
-          <a:xfrm>
-            <a:off x="0" y="0"/>
-            <a:ext cx="12188952" cy="6858000"/>
-          </a:xfrm>
-          <a:prstGeom prst="rect">
-            <a:avLst/>
-          </a:prstGeom>
-          <a:ln>
-            <a:noFill/>
-          </a:ln>
-        </p:spPr>
-        <p:style>
-          <a:lnRef idx="2">
-            <a:schemeClr val="accent1">
-              <a:shade val="50000"/>
-            </a:schemeClr>
-          </a:lnRef>
-          <a:fillRef idx="1">
-            <a:schemeClr val="accent1"/>
-          </a:fillRef>
-          <a:effectRef idx="0">
-            <a:schemeClr val="accent1"/>
-          </a:effectRef>
-          <a:fontRef idx="minor">
-            <a:schemeClr val="lt1"/>
-          </a:fontRef>
-        </p:style>
-        <p:txBody>
-          <a:bodyPr rtlCol="0" anchor="ctr"/>
-          <a:lstStyle/>
-          <a:p>
-            <a:pPr algn="ctr"/>
-            <a:endParaRPr lang="en-US"/>
-          </a:p>
-        </p:txBody>
-      </p:sp>
-      <p:sp>
-        <p:nvSpPr>
-          <p:cNvPr id="4" name="Title 1">
-            <a:extLst>
-              <a:ext uri="{FF2B5EF4-FFF2-40B4-BE49-F238E27FC236}">
-                <a16:creationId xmlns:a16="http://schemas.microsoft.com/office/drawing/2014/main" id="{9BC05708-F385-43C2-82F6-8AC7484D5B4D}"/>
-              </a:ext>
-            </a:extLst>
-          </p:cNvPr>
-          <p:cNvSpPr>
-            <a:spLocks noGrp="1"/>
-          </p:cNvSpPr>
-          <p:nvPr>
-            <p:ph type="title"/>
-          </p:nvPr>
-        </p:nvSpPr>
-        <p:spPr>
-          <a:xfrm>
-            <a:off x="5297762" y="329184"/>
-            <a:ext cx="6251110" cy="1783080"/>
-          </a:xfrm>
-        </p:spPr>
-        <p:txBody>
-          <a:bodyPr anchor="b">
-            <a:normAutofit/>
-          </a:bodyPr>
-          <a:lstStyle/>
-          <a:p>
-            <a:r>
-              <a:rPr lang="en-GB" sz="5400" b="1"/>
-              <a:t>Lokalizácia</a:t>
-            </a:r>
-          </a:p>
-        </p:txBody>
-      </p:sp>
-      <p:pic>
-        <p:nvPicPr>
-          <p:cNvPr id="6" name="Picture 5" descr="Červené pripináčiky na mape">
-            <a:extLst>
-              <a:ext uri="{FF2B5EF4-FFF2-40B4-BE49-F238E27FC236}">
-                <a16:creationId xmlns:a16="http://schemas.microsoft.com/office/drawing/2014/main" id="{12EC9DC5-C442-4371-9410-DDE7F7CB560C}"/>
-              </a:ext>
-            </a:extLst>
-          </p:cNvPr>
-          <p:cNvPicPr>
-            <a:picLocks noChangeAspect="1"/>
-          </p:cNvPicPr>
-          <p:nvPr/>
-        </p:nvPicPr>
-        <p:blipFill rotWithShape="1">
-          <a:blip r:embed="rId2"/>
-          <a:srcRect l="20617" r="28450"/>
-          <a:stretch/>
-        </p:blipFill>
-        <p:spPr>
-          <a:xfrm>
-            <a:off x="1" y="10"/>
-            <a:ext cx="4657344" cy="6857990"/>
-          </a:xfrm>
-          <a:custGeom>
-            <a:avLst/>
-            <a:gdLst/>
-            <a:ahLst/>
-            <a:cxnLst/>
-            <a:rect l="l" t="t" r="r" b="b"/>
-            <a:pathLst>
-              <a:path w="4657344" h="6858000">
-                <a:moveTo>
-                  <a:pt x="0" y="0"/>
-                </a:moveTo>
-                <a:lnTo>
-                  <a:pt x="3429755" y="0"/>
-                </a:lnTo>
-                <a:lnTo>
-                  <a:pt x="3526016" y="148742"/>
-                </a:lnTo>
-                <a:cubicBezTo>
-                  <a:pt x="3657740" y="365513"/>
-                  <a:pt x="3777402" y="589569"/>
-                  <a:pt x="3886489" y="819975"/>
-                </a:cubicBezTo>
-                <a:cubicBezTo>
-                  <a:pt x="3891856" y="833492"/>
-                  <a:pt x="3900663" y="845393"/>
-                  <a:pt x="3912049" y="854514"/>
-                </a:cubicBezTo>
-                <a:cubicBezTo>
-                  <a:pt x="3897352" y="819849"/>
-                  <a:pt x="3883037" y="784928"/>
-                  <a:pt x="3868083" y="750263"/>
-                </a:cubicBezTo>
-                <a:cubicBezTo>
-                  <a:pt x="3806989" y="608712"/>
-                  <a:pt x="3742478" y="469145"/>
-                  <a:pt x="3674155" y="331786"/>
-                </a:cubicBezTo>
-                <a:lnTo>
-                  <a:pt x="3496656" y="0"/>
-                </a:lnTo>
-                <a:lnTo>
-                  <a:pt x="3554371" y="0"/>
-                </a:lnTo>
-                <a:lnTo>
-                  <a:pt x="3661621" y="196614"/>
-                </a:lnTo>
-                <a:cubicBezTo>
-                  <a:pt x="3856899" y="573253"/>
-                  <a:pt x="4021071" y="966066"/>
-                  <a:pt x="4161279" y="1371196"/>
-                </a:cubicBezTo>
-                <a:cubicBezTo>
-                  <a:pt x="4379525" y="2007265"/>
-                  <a:pt x="4530141" y="2664286"/>
-                  <a:pt x="4610660" y="3331516"/>
-                </a:cubicBezTo>
-                <a:cubicBezTo>
-                  <a:pt x="4652837" y="3672965"/>
-                  <a:pt x="4671625" y="4013908"/>
-                  <a:pt x="4645040" y="4357388"/>
-                </a:cubicBezTo>
-                <a:cubicBezTo>
-                  <a:pt x="4613599" y="4758899"/>
-                  <a:pt x="4566181" y="5157998"/>
-                  <a:pt x="4485789" y="5552906"/>
-                </a:cubicBezTo>
-                <a:cubicBezTo>
-                  <a:pt x="4397121" y="5988893"/>
-                  <a:pt x="4276748" y="6414594"/>
-                  <a:pt x="4117769" y="6828295"/>
-                </a:cubicBezTo>
-                <a:lnTo>
-                  <a:pt x="4105288" y="6858000"/>
-                </a:lnTo>
-                <a:lnTo>
-                  <a:pt x="4052520" y="6858000"/>
-                </a:lnTo>
-                <a:lnTo>
-                  <a:pt x="4059369" y="6841549"/>
-                </a:lnTo>
-                <a:cubicBezTo>
-                  <a:pt x="4147276" y="6614016"/>
-                  <a:pt x="4224193" y="6380817"/>
-                  <a:pt x="4291518" y="6142729"/>
-                </a:cubicBezTo>
-                <a:cubicBezTo>
-                  <a:pt x="4350055" y="5935370"/>
-                  <a:pt x="4393256" y="5723695"/>
-                  <a:pt x="4443357" y="5513923"/>
-                </a:cubicBezTo>
-                <a:cubicBezTo>
-                  <a:pt x="4444541" y="5502788"/>
-                  <a:pt x="4445137" y="5491601"/>
-                  <a:pt x="4445146" y="5480401"/>
-                </a:cubicBezTo>
-                <a:cubicBezTo>
-                  <a:pt x="4408465" y="5607635"/>
-                  <a:pt x="4379196" y="5719759"/>
-                  <a:pt x="4344559" y="5830359"/>
-                </a:cubicBezTo>
-                <a:cubicBezTo>
-                  <a:pt x="4254261" y="6118381"/>
-                  <a:pt x="4150112" y="6398531"/>
-                  <a:pt x="4031702" y="6670527"/>
-                </a:cubicBezTo>
-                <a:lnTo>
-                  <a:pt x="3943824" y="6858000"/>
-                </a:lnTo>
-                <a:lnTo>
-                  <a:pt x="0" y="6858000"/>
-                </a:lnTo>
-                <a:close/>
-              </a:path>
-            </a:pathLst>
-          </a:custGeom>
-        </p:spPr>
-      </p:pic>
-      <p:sp>
-        <p:nvSpPr>
-          <p:cNvPr id="19" name="sketchy line">
-            <a:extLst>
-              <a:ext uri="{FF2B5EF4-FFF2-40B4-BE49-F238E27FC236}">
-                <a16:creationId xmlns:a16="http://schemas.microsoft.com/office/drawing/2014/main" id="{21540236-BFD5-4A9D-8840-4703E7F76825}"/>
-              </a:ext>
-              <a:ext uri="{C183D7F6-B498-43B3-948B-1728B52AA6E4}">
-                <adec:decorative xmlns:adec="http://schemas.microsoft.com/office/drawing/2017/decorative" val="1"/>
-              </a:ext>
-            </a:extLst>
-          </p:cNvPr>
-          <p:cNvSpPr>
-            <a:spLocks noGrp="1" noRot="1" noChangeAspect="1" noMove="1" noResize="1" noEditPoints="1" noAdjustHandles="1" noChangeArrowheads="1" noChangeShapeType="1" noTextEdit="1"/>
-          </p:cNvSpPr>
-          <p:nvPr>
-            <p:extLst>
-              <p:ext uri="{386F3935-93C4-4BCD-93E2-E3B085C9AB24}">
-                <p16:designElem xmlns:p16="http://schemas.microsoft.com/office/powerpoint/2015/main" val="1"/>
-              </p:ext>
-            </p:extLst>
-          </p:nvPr>
-        </p:nvSpPr>
-        <p:spPr>
-          <a:xfrm>
-            <a:off x="5297762" y="2374947"/>
-            <a:ext cx="4243589" cy="18288"/>
-          </a:xfrm>
-          <a:custGeom>
-            <a:avLst/>
-            <a:gdLst>
-              <a:gd name="connsiteX0" fmla="*/ 0 w 4243589"/>
-              <a:gd name="connsiteY0" fmla="*/ 0 h 18288"/>
-              <a:gd name="connsiteX1" fmla="*/ 478919 w 4243589"/>
-              <a:gd name="connsiteY1" fmla="*/ 0 h 18288"/>
-              <a:gd name="connsiteX2" fmla="*/ 957839 w 4243589"/>
-              <a:gd name="connsiteY2" fmla="*/ 0 h 18288"/>
-              <a:gd name="connsiteX3" fmla="*/ 1521630 w 4243589"/>
-              <a:gd name="connsiteY3" fmla="*/ 0 h 18288"/>
-              <a:gd name="connsiteX4" fmla="*/ 2212729 w 4243589"/>
-              <a:gd name="connsiteY4" fmla="*/ 0 h 18288"/>
-              <a:gd name="connsiteX5" fmla="*/ 2734084 w 4243589"/>
-              <a:gd name="connsiteY5" fmla="*/ 0 h 18288"/>
-              <a:gd name="connsiteX6" fmla="*/ 3255439 w 4243589"/>
-              <a:gd name="connsiteY6" fmla="*/ 0 h 18288"/>
-              <a:gd name="connsiteX7" fmla="*/ 4243589 w 4243589"/>
-              <a:gd name="connsiteY7" fmla="*/ 0 h 18288"/>
-              <a:gd name="connsiteX8" fmla="*/ 4243589 w 4243589"/>
-              <a:gd name="connsiteY8" fmla="*/ 18288 h 18288"/>
-              <a:gd name="connsiteX9" fmla="*/ 3594926 w 4243589"/>
-              <a:gd name="connsiteY9" fmla="*/ 18288 h 18288"/>
-              <a:gd name="connsiteX10" fmla="*/ 3073571 w 4243589"/>
-              <a:gd name="connsiteY10" fmla="*/ 18288 h 18288"/>
-              <a:gd name="connsiteX11" fmla="*/ 2552216 w 4243589"/>
-              <a:gd name="connsiteY11" fmla="*/ 18288 h 18288"/>
-              <a:gd name="connsiteX12" fmla="*/ 1903553 w 4243589"/>
-              <a:gd name="connsiteY12" fmla="*/ 18288 h 18288"/>
-              <a:gd name="connsiteX13" fmla="*/ 1212454 w 4243589"/>
-              <a:gd name="connsiteY13" fmla="*/ 18288 h 18288"/>
-              <a:gd name="connsiteX14" fmla="*/ 733535 w 4243589"/>
-              <a:gd name="connsiteY14" fmla="*/ 18288 h 18288"/>
-              <a:gd name="connsiteX15" fmla="*/ 0 w 4243589"/>
-              <a:gd name="connsiteY15" fmla="*/ 18288 h 18288"/>
-              <a:gd name="connsiteX16" fmla="*/ 0 w 4243589"/>
-              <a:gd name="connsiteY16" fmla="*/ 0 h 18288"/>
-            </a:gdLst>
-            <a:ahLst/>
-            <a:cxnLst>
-              <a:cxn ang="0">
-                <a:pos x="connsiteX0" y="connsiteY0"/>
-              </a:cxn>
-              <a:cxn ang="0">
-                <a:pos x="connsiteX1" y="connsiteY1"/>
-              </a:cxn>
-              <a:cxn ang="0">
-                <a:pos x="connsiteX2" y="connsiteY2"/>
-              </a:cxn>
-              <a:cxn ang="0">
-                <a:pos x="connsiteX3" y="connsiteY3"/>
-              </a:cxn>
-              <a:cxn ang="0">
-                <a:pos x="connsiteX4" y="connsiteY4"/>
-              </a:cxn>
-              <a:cxn ang="0">
-                <a:pos x="connsiteX5" y="connsiteY5"/>
-              </a:cxn>
-              <a:cxn ang="0">
-                <a:pos x="connsiteX6" y="connsiteY6"/>
-              </a:cxn>
-              <a:cxn ang="0">
-                <a:pos x="connsiteX7" y="connsiteY7"/>
-              </a:cxn>
-              <a:cxn ang="0">
-                <a:pos x="connsiteX8" y="connsiteY8"/>
-              </a:cxn>
-              <a:cxn ang="0">
-                <a:pos x="connsiteX9" y="connsiteY9"/>
-              </a:cxn>
-              <a:cxn ang="0">
-                <a:pos x="connsiteX10" y="connsiteY10"/>
-              </a:cxn>
-              <a:cxn ang="0">
-                <a:pos x="connsiteX11" y="connsiteY11"/>
-              </a:cxn>
-              <a:cxn ang="0">
-                <a:pos x="connsiteX12" y="connsiteY12"/>
-              </a:cxn>
-              <a:cxn ang="0">
-                <a:pos x="connsiteX13" y="connsiteY13"/>
-              </a:cxn>
-              <a:cxn ang="0">
-                <a:pos x="connsiteX14" y="connsiteY14"/>
-              </a:cxn>
-              <a:cxn ang="0">
-                <a:pos x="connsiteX15" y="connsiteY15"/>
-              </a:cxn>
-              <a:cxn ang="0">
-                <a:pos x="connsiteX16" y="connsiteY16"/>
-              </a:cxn>
-            </a:cxnLst>
-            <a:rect l="l" t="t" r="r" b="b"/>
-            <a:pathLst>
-              <a:path w="4243589" h="18288" fill="none" extrusionOk="0">
-                <a:moveTo>
-                  <a:pt x="0" y="0"/>
-                </a:moveTo>
-                <a:cubicBezTo>
-                  <a:pt x="213395" y="-21006"/>
-                  <a:pt x="307421" y="-18116"/>
-                  <a:pt x="478919" y="0"/>
-                </a:cubicBezTo>
-                <a:cubicBezTo>
-                  <a:pt x="650417" y="18116"/>
-                  <a:pt x="831092" y="-21237"/>
-                  <a:pt x="957839" y="0"/>
-                </a:cubicBezTo>
-                <a:cubicBezTo>
-                  <a:pt x="1084586" y="21237"/>
-                  <a:pt x="1301682" y="25124"/>
-                  <a:pt x="1521630" y="0"/>
-                </a:cubicBezTo>
-                <a:cubicBezTo>
-                  <a:pt x="1741578" y="-25124"/>
-                  <a:pt x="1970269" y="-29139"/>
-                  <a:pt x="2212729" y="0"/>
-                </a:cubicBezTo>
-                <a:cubicBezTo>
-                  <a:pt x="2455189" y="29139"/>
-                  <a:pt x="2558847" y="-4796"/>
-                  <a:pt x="2734084" y="0"/>
-                </a:cubicBezTo>
-                <a:cubicBezTo>
-                  <a:pt x="2909321" y="4796"/>
-                  <a:pt x="3097217" y="-13409"/>
-                  <a:pt x="3255439" y="0"/>
-                </a:cubicBezTo>
-                <a:cubicBezTo>
-                  <a:pt x="3413662" y="13409"/>
-                  <a:pt x="3979999" y="-10121"/>
-                  <a:pt x="4243589" y="0"/>
-                </a:cubicBezTo>
-                <a:cubicBezTo>
-                  <a:pt x="4244484" y="8974"/>
-                  <a:pt x="4243043" y="9359"/>
-                  <a:pt x="4243589" y="18288"/>
-                </a:cubicBezTo>
-                <a:cubicBezTo>
-                  <a:pt x="4058777" y="31246"/>
-                  <a:pt x="3910348" y="3158"/>
-                  <a:pt x="3594926" y="18288"/>
-                </a:cubicBezTo>
-                <a:cubicBezTo>
-                  <a:pt x="3279504" y="33418"/>
-                  <a:pt x="3319955" y="-3977"/>
-                  <a:pt x="3073571" y="18288"/>
-                </a:cubicBezTo>
-                <a:cubicBezTo>
-                  <a:pt x="2827187" y="40553"/>
-                  <a:pt x="2767387" y="1863"/>
-                  <a:pt x="2552216" y="18288"/>
-                </a:cubicBezTo>
-                <a:cubicBezTo>
-                  <a:pt x="2337046" y="34713"/>
-                  <a:pt x="2181871" y="19527"/>
-                  <a:pt x="1903553" y="18288"/>
-                </a:cubicBezTo>
-                <a:cubicBezTo>
-                  <a:pt x="1625235" y="17049"/>
-                  <a:pt x="1557672" y="24174"/>
-                  <a:pt x="1212454" y="18288"/>
-                </a:cubicBezTo>
-                <a:cubicBezTo>
-                  <a:pt x="867236" y="12402"/>
-                  <a:pt x="874382" y="15627"/>
-                  <a:pt x="733535" y="18288"/>
-                </a:cubicBezTo>
-                <a:cubicBezTo>
-                  <a:pt x="592688" y="20949"/>
-                  <a:pt x="183477" y="14753"/>
-                  <a:pt x="0" y="18288"/>
-                </a:cubicBezTo>
-                <a:cubicBezTo>
-                  <a:pt x="-229" y="14222"/>
-                  <a:pt x="509" y="5816"/>
-                  <a:pt x="0" y="0"/>
-                </a:cubicBezTo>
-                <a:close/>
-              </a:path>
-              <a:path w="4243589" h="18288" stroke="0" extrusionOk="0">
-                <a:moveTo>
-                  <a:pt x="0" y="0"/>
-                </a:moveTo>
-                <a:cubicBezTo>
-                  <a:pt x="143690" y="16630"/>
-                  <a:pt x="266667" y="14847"/>
-                  <a:pt x="521355" y="0"/>
-                </a:cubicBezTo>
-                <a:cubicBezTo>
-                  <a:pt x="776043" y="-14847"/>
-                  <a:pt x="814491" y="-17363"/>
-                  <a:pt x="1000275" y="0"/>
-                </a:cubicBezTo>
-                <a:cubicBezTo>
-                  <a:pt x="1186059" y="17363"/>
-                  <a:pt x="1352504" y="-23507"/>
-                  <a:pt x="1521630" y="0"/>
-                </a:cubicBezTo>
-                <a:cubicBezTo>
-                  <a:pt x="1690756" y="23507"/>
-                  <a:pt x="1889525" y="5871"/>
-                  <a:pt x="2127857" y="0"/>
-                </a:cubicBezTo>
-                <a:cubicBezTo>
-                  <a:pt x="2366189" y="-5871"/>
-                  <a:pt x="2620628" y="-27997"/>
-                  <a:pt x="2776520" y="0"/>
-                </a:cubicBezTo>
-                <a:cubicBezTo>
-                  <a:pt x="2932412" y="27997"/>
-                  <a:pt x="3131683" y="-25073"/>
-                  <a:pt x="3467618" y="0"/>
-                </a:cubicBezTo>
-                <a:cubicBezTo>
-                  <a:pt x="3803553" y="25073"/>
-                  <a:pt x="4017371" y="3071"/>
-                  <a:pt x="4243589" y="0"/>
-                </a:cubicBezTo>
-                <a:cubicBezTo>
-                  <a:pt x="4243134" y="6162"/>
-                  <a:pt x="4243492" y="11775"/>
-                  <a:pt x="4243589" y="18288"/>
-                </a:cubicBezTo>
-                <a:cubicBezTo>
-                  <a:pt x="4017834" y="-5779"/>
-                  <a:pt x="3834586" y="13376"/>
-                  <a:pt x="3594926" y="18288"/>
-                </a:cubicBezTo>
-                <a:cubicBezTo>
-                  <a:pt x="3355266" y="23200"/>
-                  <a:pt x="3204179" y="2869"/>
-                  <a:pt x="2903827" y="18288"/>
-                </a:cubicBezTo>
-                <a:cubicBezTo>
-                  <a:pt x="2603475" y="33707"/>
-                  <a:pt x="2526187" y="46187"/>
-                  <a:pt x="2212729" y="18288"/>
-                </a:cubicBezTo>
-                <a:cubicBezTo>
-                  <a:pt x="1899271" y="-9611"/>
-                  <a:pt x="1966289" y="29692"/>
-                  <a:pt x="1733809" y="18288"/>
-                </a:cubicBezTo>
-                <a:cubicBezTo>
-                  <a:pt x="1501329" y="6884"/>
-                  <a:pt x="1343612" y="12492"/>
-                  <a:pt x="1085146" y="18288"/>
-                </a:cubicBezTo>
-                <a:cubicBezTo>
-                  <a:pt x="826680" y="24084"/>
-                  <a:pt x="778184" y="35607"/>
-                  <a:pt x="521355" y="18288"/>
-                </a:cubicBezTo>
-                <a:cubicBezTo>
-                  <a:pt x="264526" y="969"/>
-                  <a:pt x="120277" y="4268"/>
-                  <a:pt x="0" y="18288"/>
-                </a:cubicBezTo>
-                <a:cubicBezTo>
-                  <a:pt x="766" y="10800"/>
-                  <a:pt x="-457" y="8180"/>
-                  <a:pt x="0" y="0"/>
-                </a:cubicBezTo>
-                <a:close/>
-              </a:path>
-            </a:pathLst>
-          </a:custGeom>
-          <a:solidFill>
-            <a:schemeClr val="accent2"/>
-          </a:solidFill>
-          <a:ln w="44450" cap="rnd">
-            <a:solidFill>
-              <a:schemeClr val="accent2"/>
-            </a:solidFill>
-            <a:round/>
-            <a:extLst>
-              <a:ext uri="{C807C97D-BFC1-408E-A445-0C87EB9F89A2}">
-                <ask:lineSketchStyleProps xmlns:ask="http://schemas.microsoft.com/office/drawing/2018/sketchyshapes" sd="2727557108">
-                  <a:prstGeom prst="rect">
-                    <a:avLst/>
-                  </a:prstGeom>
-                  <ask:type>
-                    <ask:lineSketchFreehand/>
-                  </ask:type>
-                </ask:lineSketchStyleProps>
-              </a:ext>
-            </a:extLst>
-          </a:ln>
-        </p:spPr>
-        <p:style>
-          <a:lnRef idx="2">
-            <a:schemeClr val="accent1">
-              <a:shade val="50000"/>
-            </a:schemeClr>
-          </a:lnRef>
-          <a:fillRef idx="1">
-            <a:schemeClr val="accent1"/>
-          </a:fillRef>
-          <a:effectRef idx="0">
-            <a:schemeClr val="accent1"/>
-          </a:effectRef>
-          <a:fontRef idx="minor">
-            <a:schemeClr val="lt1"/>
-          </a:fontRef>
-        </p:style>
-        <p:txBody>
-          <a:bodyPr rtlCol="0" anchor="ctr"/>
-          <a:lstStyle/>
-          <a:p>
-            <a:pPr algn="ctr"/>
-            <a:endParaRPr lang="en-US"/>
-          </a:p>
-        </p:txBody>
-      </p:sp>
-      <p:sp>
-        <p:nvSpPr>
-          <p:cNvPr id="3" name="Content Placeholder 2">
-            <a:extLst>
-              <a:ext uri="{FF2B5EF4-FFF2-40B4-BE49-F238E27FC236}">
-                <a16:creationId xmlns:a16="http://schemas.microsoft.com/office/drawing/2014/main" id="{45E266DD-1C53-41B1-A1AA-D4F56862EF4C}"/>
-              </a:ext>
-            </a:extLst>
-          </p:cNvPr>
-          <p:cNvSpPr>
-            <a:spLocks noGrp="1"/>
-          </p:cNvSpPr>
-          <p:nvPr>
-            <p:ph idx="1"/>
-          </p:nvPr>
-        </p:nvSpPr>
-        <p:spPr>
-          <a:xfrm>
-            <a:off x="4931923" y="2496312"/>
-            <a:ext cx="7013643" cy="4361688"/>
-          </a:xfrm>
-        </p:spPr>
-        <p:txBody>
-          <a:bodyPr>
-            <a:normAutofit/>
-          </a:bodyPr>
-          <a:lstStyle/>
-          <a:p>
-            <a:pPr>
-              <a:buFont typeface="Wingdings" panose="05000000000000000000" pitchFamily="2" charset="2"/>
-              <a:buChar char="Ø"/>
-            </a:pPr>
-            <a:r>
-              <a:rPr lang="en-GB" dirty="0" err="1"/>
-              <a:t>Informácie</a:t>
-            </a:r>
-            <a:r>
-              <a:rPr lang="en-GB" dirty="0"/>
-              <a:t> z </a:t>
-            </a:r>
-            <a:r>
-              <a:rPr lang="en-GB" dirty="0" err="1"/>
-              <a:t>vizualizácie</a:t>
-            </a:r>
-            <a:r>
-              <a:rPr lang="en-GB" dirty="0"/>
-              <a:t> a </a:t>
-            </a:r>
-            <a:r>
-              <a:rPr lang="en-GB" dirty="0" err="1"/>
-              <a:t>niektorých</a:t>
-            </a:r>
-            <a:r>
-              <a:rPr lang="en-GB" dirty="0"/>
-              <a:t> </a:t>
-            </a:r>
-            <a:r>
-              <a:rPr lang="en-GB" dirty="0" err="1"/>
-              <a:t>ďalších</a:t>
-            </a:r>
-            <a:r>
-              <a:rPr lang="en-GB" dirty="0"/>
-              <a:t> </a:t>
-            </a:r>
-            <a:r>
-              <a:rPr lang="en-GB" dirty="0" err="1"/>
-              <a:t>funkcií</a:t>
-            </a:r>
-            <a:r>
-              <a:rPr lang="en-GB" dirty="0"/>
-              <a:t> </a:t>
-            </a:r>
-            <a:r>
-              <a:rPr lang="en-GB" dirty="0" err="1"/>
-              <a:t>spracuje</a:t>
-            </a:r>
-            <a:r>
-              <a:rPr lang="en-GB" dirty="0"/>
-              <a:t> </a:t>
-            </a:r>
-            <a:r>
-              <a:rPr lang="en-GB" dirty="0" err="1"/>
-              <a:t>na</a:t>
-            </a:r>
-            <a:r>
-              <a:rPr lang="en-GB" dirty="0"/>
-              <a:t> </a:t>
-            </a:r>
-            <a:r>
-              <a:rPr lang="en-GB" dirty="0" err="1"/>
-              <a:t>využitie</a:t>
-            </a:r>
-            <a:r>
-              <a:rPr lang="en-GB" dirty="0"/>
-              <a:t> </a:t>
-            </a:r>
-            <a:r>
-              <a:rPr lang="en-GB" dirty="0" err="1"/>
-              <a:t>určenia</a:t>
-            </a:r>
-            <a:r>
-              <a:rPr lang="en-GB" dirty="0"/>
-              <a:t> </a:t>
-            </a:r>
-            <a:r>
-              <a:rPr lang="en-GB" dirty="0" err="1"/>
-              <a:t>polohy</a:t>
-            </a:r>
-            <a:endParaRPr lang="en-GB" dirty="0"/>
-          </a:p>
-          <a:p>
-            <a:pPr lvl="1"/>
-            <a:r>
-              <a:rPr lang="en-GB" sz="2200" dirty="0" err="1"/>
-              <a:t>Pozná</a:t>
-            </a:r>
-            <a:r>
-              <a:rPr lang="en-GB" sz="2200" dirty="0"/>
-              <a:t> </a:t>
-            </a:r>
-            <a:r>
-              <a:rPr lang="en-GB" sz="2200" dirty="0" err="1"/>
-              <a:t>mapu</a:t>
-            </a:r>
-            <a:r>
-              <a:rPr lang="en-GB" sz="2200" dirty="0"/>
-              <a:t>, </a:t>
-            </a:r>
-            <a:r>
-              <a:rPr lang="en-GB" sz="2200" dirty="0" err="1"/>
-              <a:t>pozná</a:t>
-            </a:r>
-            <a:r>
-              <a:rPr lang="en-GB" sz="2200" dirty="0"/>
-              <a:t> </a:t>
-            </a:r>
-            <a:r>
-              <a:rPr lang="en-GB" sz="2200" dirty="0" err="1"/>
-              <a:t>začiatočnú</a:t>
-            </a:r>
-            <a:r>
-              <a:rPr lang="en-GB" sz="2200" dirty="0"/>
-              <a:t> </a:t>
-            </a:r>
-            <a:r>
-              <a:rPr lang="en-GB" sz="2200" dirty="0" err="1"/>
-              <a:t>pozíciu</a:t>
-            </a:r>
-            <a:endParaRPr lang="en-GB" sz="2200" dirty="0"/>
-          </a:p>
-          <a:p>
-            <a:pPr lvl="1"/>
-            <a:r>
-              <a:rPr lang="en-GB" sz="2200" dirty="0" err="1"/>
-              <a:t>Pozná</a:t>
-            </a:r>
-            <a:r>
-              <a:rPr lang="en-GB" sz="2200" dirty="0"/>
-              <a:t> </a:t>
-            </a:r>
-            <a:r>
-              <a:rPr lang="en-GB" sz="2200" dirty="0" err="1"/>
-              <a:t>mapu</a:t>
-            </a:r>
-            <a:r>
-              <a:rPr lang="en-GB" sz="2200" dirty="0"/>
-              <a:t>, </a:t>
-            </a:r>
-            <a:r>
-              <a:rPr lang="en-GB" sz="2200" dirty="0" err="1"/>
-              <a:t>nepozná</a:t>
-            </a:r>
-            <a:r>
-              <a:rPr lang="en-GB" sz="2200" dirty="0"/>
-              <a:t> </a:t>
-            </a:r>
-            <a:r>
-              <a:rPr lang="en-GB" sz="2200" dirty="0" err="1"/>
-              <a:t>začiatočnú</a:t>
-            </a:r>
-            <a:r>
-              <a:rPr lang="en-GB" sz="2200" dirty="0"/>
-              <a:t> </a:t>
-            </a:r>
-            <a:r>
-              <a:rPr lang="en-GB" sz="2200" dirty="0" err="1"/>
-              <a:t>pozíciu</a:t>
-            </a:r>
-            <a:endParaRPr lang="en-GB" sz="2200" dirty="0"/>
-          </a:p>
-          <a:p>
-            <a:pPr lvl="1"/>
-            <a:r>
-              <a:rPr lang="en-GB" sz="2200" dirty="0" err="1"/>
-              <a:t>Nepozná</a:t>
-            </a:r>
-            <a:r>
-              <a:rPr lang="en-GB" sz="2200" dirty="0"/>
-              <a:t> </a:t>
-            </a:r>
-            <a:r>
-              <a:rPr lang="en-GB" sz="2200" dirty="0" err="1"/>
-              <a:t>mapu</a:t>
-            </a:r>
-            <a:r>
-              <a:rPr lang="en-GB" sz="2200" dirty="0"/>
-              <a:t>, </a:t>
-            </a:r>
-            <a:r>
-              <a:rPr lang="en-GB" sz="2200" dirty="0" err="1"/>
-              <a:t>nepozná</a:t>
-            </a:r>
-            <a:r>
-              <a:rPr lang="en-GB" sz="2200" dirty="0"/>
-              <a:t> </a:t>
-            </a:r>
-            <a:r>
-              <a:rPr lang="en-GB" sz="2200" dirty="0" err="1"/>
-              <a:t>začiatočnú</a:t>
-            </a:r>
-            <a:r>
-              <a:rPr lang="en-GB" sz="2200" dirty="0"/>
-              <a:t> </a:t>
-            </a:r>
-            <a:r>
-              <a:rPr lang="en-GB" sz="2200" dirty="0" err="1"/>
-              <a:t>pozíciu</a:t>
-            </a:r>
-            <a:endParaRPr lang="en-GB" sz="2200" dirty="0"/>
-          </a:p>
-          <a:p>
-            <a:pPr lvl="1"/>
-            <a:endParaRPr lang="en-GB" dirty="0"/>
-          </a:p>
-          <a:p>
-            <a:pPr>
-              <a:buFont typeface="Wingdings" panose="05000000000000000000" pitchFamily="2" charset="2"/>
-              <a:buChar char="Ø"/>
-            </a:pPr>
-            <a:r>
-              <a:rPr lang="en-GB" dirty="0" err="1"/>
-              <a:t>Pozná</a:t>
-            </a:r>
-            <a:r>
-              <a:rPr lang="en-GB" dirty="0"/>
-              <a:t> </a:t>
-            </a:r>
-            <a:r>
-              <a:rPr lang="en-GB" dirty="0" err="1"/>
-              <a:t>mapu</a:t>
-            </a:r>
-            <a:r>
-              <a:rPr lang="en-GB" dirty="0"/>
-              <a:t>, </a:t>
-            </a:r>
-            <a:r>
-              <a:rPr lang="en-GB" dirty="0" err="1"/>
-              <a:t>pozná</a:t>
-            </a:r>
-            <a:r>
-              <a:rPr lang="en-GB" dirty="0"/>
-              <a:t> </a:t>
-            </a:r>
-            <a:r>
-              <a:rPr lang="en-GB" dirty="0" err="1"/>
-              <a:t>začiatočnú</a:t>
-            </a:r>
-            <a:r>
-              <a:rPr lang="en-GB" dirty="0"/>
-              <a:t> </a:t>
-            </a:r>
-            <a:r>
-              <a:rPr lang="en-GB" dirty="0" err="1"/>
-              <a:t>pozíciu</a:t>
-            </a:r>
-            <a:endParaRPr lang="en-GB" dirty="0"/>
-          </a:p>
-          <a:p>
-            <a:pPr lvl="1">
-              <a:buFont typeface="Wingdings" panose="05000000000000000000" pitchFamily="2" charset="2"/>
-              <a:buChar char="Ø"/>
-            </a:pPr>
-            <a:r>
-              <a:rPr lang="en-GB" sz="2000" dirty="0" err="1"/>
-              <a:t>systém</a:t>
-            </a:r>
-            <a:r>
-              <a:rPr lang="en-GB" sz="2000" dirty="0"/>
-              <a:t> </a:t>
-            </a:r>
-            <a:r>
-              <a:rPr lang="en-GB" sz="2000" dirty="0" err="1"/>
-              <a:t>detekcie</a:t>
-            </a:r>
-            <a:r>
-              <a:rPr lang="en-GB" sz="2000" dirty="0"/>
-              <a:t> </a:t>
-            </a:r>
-            <a:r>
-              <a:rPr lang="en-GB" sz="2000" dirty="0" err="1"/>
-              <a:t>záchytných</a:t>
-            </a:r>
-            <a:r>
-              <a:rPr lang="en-GB" sz="2000" dirty="0"/>
-              <a:t> </a:t>
-            </a:r>
-            <a:r>
-              <a:rPr lang="en-GB" sz="2000" dirty="0" err="1"/>
-              <a:t>bodov</a:t>
-            </a:r>
-            <a:r>
-              <a:rPr lang="en-GB" sz="2000" dirty="0"/>
-              <a:t>,</a:t>
-            </a:r>
-          </a:p>
-          <a:p>
-            <a:pPr lvl="1">
-              <a:buFont typeface="Wingdings" panose="05000000000000000000" pitchFamily="2" charset="2"/>
-              <a:buChar char="Ø"/>
-            </a:pPr>
-            <a:r>
-              <a:rPr lang="en-GB" sz="2000" dirty="0" err="1"/>
-              <a:t>odometria</a:t>
-            </a:r>
-            <a:r>
-              <a:rPr lang="en-GB" sz="2000" dirty="0"/>
-              <a:t>,</a:t>
-            </a:r>
-          </a:p>
-          <a:p>
-            <a:pPr lvl="1">
-              <a:buFont typeface="Wingdings" panose="05000000000000000000" pitchFamily="2" charset="2"/>
-              <a:buChar char="Ø"/>
-            </a:pPr>
-            <a:r>
-              <a:rPr lang="en-GB" sz="2000" dirty="0"/>
-              <a:t>RTK-GPS,</a:t>
-            </a:r>
-          </a:p>
-          <a:p>
-            <a:pPr lvl="1">
-              <a:buFont typeface="Wingdings" panose="05000000000000000000" pitchFamily="2" charset="2"/>
-              <a:buChar char="Ø"/>
-            </a:pPr>
-            <a:r>
-              <a:rPr lang="en-GB" sz="2000" dirty="0" err="1"/>
-              <a:t>trilaterácia</a:t>
-            </a:r>
-            <a:endParaRPr lang="en-GB" sz="2000" dirty="0"/>
-          </a:p>
-        </p:txBody>
-      </p:sp>
-    </p:spTree>
-    <p:extLst>
-      <p:ext uri="{BB962C8B-B14F-4D97-AF65-F5344CB8AC3E}">
-        <p14:creationId xmlns:p14="http://schemas.microsoft.com/office/powerpoint/2010/main" val="4220279919"/>
-      </p:ext>
-    </p:extLst>
-  </p:cSld>
-  <p:clrMapOvr>
-    <a:masterClrMapping/>
-  </p:clrMapOvr>
-</p:sld>
-</file>
-
-<file path=ppt/slides/slide12.xml><?xml version="1.0" encoding="utf-8"?>
-<p:sld xmlns:a="http://schemas.openxmlformats.org/drawingml/2006/main" xmlns:r="http://schemas.openxmlformats.org/officeDocument/2006/relationships" xmlns:p="http://schemas.openxmlformats.org/presentationml/2006/main">
-  <p:cSld>
-    <p:bg>
-      <p:bgPr>
-        <a:solidFill>
-          <a:schemeClr val="bg1"/>
-        </a:solidFill>
-        <a:effectLst/>
-      </p:bgPr>
-    </p:bg>
-    <p:spTree>
-      <p:nvGrpSpPr>
-        <p:cNvPr id="1" name=""/>
-        <p:cNvGrpSpPr/>
-        <p:nvPr/>
-      </p:nvGrpSpPr>
-      <p:grpSpPr>
-        <a:xfrm>
-          <a:off x="0" y="0"/>
-          <a:ext cx="0" cy="0"/>
-          <a:chOff x="0" y="0"/>
-          <a:chExt cx="0" cy="0"/>
-        </a:xfrm>
-      </p:grpSpPr>
-      <p:sp useBgFill="1">
-        <p:nvSpPr>
-          <p:cNvPr id="9" name="Rectangle 8">
-            <a:extLst>
-              <a:ext uri="{FF2B5EF4-FFF2-40B4-BE49-F238E27FC236}">
-                <a16:creationId xmlns:a16="http://schemas.microsoft.com/office/drawing/2014/main" id="{2C61293E-6EBE-43EF-A52C-9BEBFD7679D4}"/>
-              </a:ext>
-              <a:ext uri="{C183D7F6-B498-43B3-948B-1728B52AA6E4}">
-                <adec:decorative xmlns:adec="http://schemas.microsoft.com/office/drawing/2017/decorative" val="1"/>
-              </a:ext>
-            </a:extLst>
-          </p:cNvPr>
-          <p:cNvSpPr>
-            <a:spLocks noGrp="1" noRot="1" noChangeAspect="1" noMove="1" noResize="1" noEditPoints="1" noAdjustHandles="1" noChangeArrowheads="1" noChangeShapeType="1" noTextEdit="1"/>
-          </p:cNvSpPr>
-          <p:nvPr>
-            <p:extLst>
-              <p:ext uri="{386F3935-93C4-4BCD-93E2-E3B085C9AB24}">
-                <p16:designElem xmlns:p16="http://schemas.microsoft.com/office/powerpoint/2015/main" val="1"/>
-              </p:ext>
-            </p:extLst>
-          </p:nvPr>
-        </p:nvSpPr>
-        <p:spPr>
-          <a:xfrm>
-            <a:off x="0" y="0"/>
-            <a:ext cx="12188952" cy="6858000"/>
-          </a:xfrm>
-          <a:prstGeom prst="rect">
-            <a:avLst/>
-          </a:prstGeom>
-          <a:ln>
-            <a:noFill/>
-          </a:ln>
-        </p:spPr>
-        <p:style>
-          <a:lnRef idx="2">
-            <a:schemeClr val="accent1">
-              <a:shade val="50000"/>
-            </a:schemeClr>
-          </a:lnRef>
-          <a:fillRef idx="1">
-            <a:schemeClr val="accent1"/>
-          </a:fillRef>
-          <a:effectRef idx="0">
-            <a:schemeClr val="accent1"/>
-          </a:effectRef>
-          <a:fontRef idx="minor">
-            <a:schemeClr val="lt1"/>
-          </a:fontRef>
-        </p:style>
-        <p:txBody>
-          <a:bodyPr rtlCol="0" anchor="ctr"/>
-          <a:lstStyle/>
-          <a:p>
-            <a:pPr algn="ctr"/>
-            <a:endParaRPr lang="en-US"/>
-          </a:p>
-        </p:txBody>
-      </p:sp>
-      <p:sp>
-        <p:nvSpPr>
-          <p:cNvPr id="2" name="Title 1">
-            <a:extLst>
-              <a:ext uri="{FF2B5EF4-FFF2-40B4-BE49-F238E27FC236}">
-                <a16:creationId xmlns:a16="http://schemas.microsoft.com/office/drawing/2014/main" id="{A8436050-614B-47D9-893B-5EC1F86ABF93}"/>
-              </a:ext>
-            </a:extLst>
-          </p:cNvPr>
-          <p:cNvSpPr>
-            <a:spLocks noGrp="1"/>
-          </p:cNvSpPr>
-          <p:nvPr>
-            <p:ph type="title"/>
-          </p:nvPr>
-        </p:nvSpPr>
-        <p:spPr>
-          <a:xfrm>
-            <a:off x="5297762" y="329184"/>
-            <a:ext cx="6251110" cy="1783080"/>
-          </a:xfrm>
-        </p:spPr>
-        <p:txBody>
-          <a:bodyPr anchor="b">
-            <a:normAutofit/>
-          </a:bodyPr>
-          <a:lstStyle/>
-          <a:p>
-            <a:r>
-              <a:rPr lang="en-GB" sz="5400" b="1"/>
-              <a:t>Plánovanie</a:t>
-            </a:r>
-          </a:p>
-        </p:txBody>
-      </p:sp>
-      <p:pic>
-        <p:nvPicPr>
-          <p:cNvPr id="5" name="Picture 4" descr="Žltá žiarovka na žltom pozadí s dokresleným káblom a lúčmi">
-            <a:extLst>
-              <a:ext uri="{FF2B5EF4-FFF2-40B4-BE49-F238E27FC236}">
-                <a16:creationId xmlns:a16="http://schemas.microsoft.com/office/drawing/2014/main" id="{57A5D6F4-1B6F-4423-BAAD-519F7648E3E9}"/>
-              </a:ext>
-            </a:extLst>
-          </p:cNvPr>
-          <p:cNvPicPr>
-            <a:picLocks noChangeAspect="1"/>
-          </p:cNvPicPr>
-          <p:nvPr/>
-        </p:nvPicPr>
-        <p:blipFill rotWithShape="1">
-          <a:blip r:embed="rId2"/>
-          <a:srcRect l="51246" r="6988"/>
-          <a:stretch/>
-        </p:blipFill>
-        <p:spPr>
-          <a:xfrm>
-            <a:off x="1" y="10"/>
-            <a:ext cx="4657344" cy="6857990"/>
-          </a:xfrm>
-          <a:custGeom>
-            <a:avLst/>
-            <a:gdLst/>
-            <a:ahLst/>
-            <a:cxnLst/>
-            <a:rect l="l" t="t" r="r" b="b"/>
-            <a:pathLst>
-              <a:path w="4657344" h="6858000">
-                <a:moveTo>
-                  <a:pt x="0" y="0"/>
-                </a:moveTo>
-                <a:lnTo>
-                  <a:pt x="3429755" y="0"/>
-                </a:lnTo>
-                <a:lnTo>
-                  <a:pt x="3526016" y="148742"/>
-                </a:lnTo>
-                <a:cubicBezTo>
-                  <a:pt x="3657740" y="365513"/>
-                  <a:pt x="3777402" y="589569"/>
-                  <a:pt x="3886489" y="819975"/>
-                </a:cubicBezTo>
-                <a:cubicBezTo>
-                  <a:pt x="3891856" y="833492"/>
-                  <a:pt x="3900663" y="845393"/>
-                  <a:pt x="3912049" y="854514"/>
-                </a:cubicBezTo>
-                <a:cubicBezTo>
-                  <a:pt x="3897352" y="819849"/>
-                  <a:pt x="3883037" y="784928"/>
-                  <a:pt x="3868083" y="750263"/>
-                </a:cubicBezTo>
-                <a:cubicBezTo>
-                  <a:pt x="3806989" y="608712"/>
-                  <a:pt x="3742478" y="469145"/>
-                  <a:pt x="3674155" y="331786"/>
-                </a:cubicBezTo>
-                <a:lnTo>
-                  <a:pt x="3496656" y="0"/>
-                </a:lnTo>
-                <a:lnTo>
-                  <a:pt x="3554371" y="0"/>
-                </a:lnTo>
-                <a:lnTo>
-                  <a:pt x="3661621" y="196614"/>
-                </a:lnTo>
-                <a:cubicBezTo>
-                  <a:pt x="3856899" y="573253"/>
-                  <a:pt x="4021071" y="966066"/>
-                  <a:pt x="4161279" y="1371196"/>
-                </a:cubicBezTo>
-                <a:cubicBezTo>
-                  <a:pt x="4379525" y="2007265"/>
-                  <a:pt x="4530141" y="2664286"/>
-                  <a:pt x="4610660" y="3331516"/>
-                </a:cubicBezTo>
-                <a:cubicBezTo>
-                  <a:pt x="4652837" y="3672965"/>
-                  <a:pt x="4671625" y="4013908"/>
-                  <a:pt x="4645040" y="4357388"/>
-                </a:cubicBezTo>
-                <a:cubicBezTo>
-                  <a:pt x="4613599" y="4758899"/>
-                  <a:pt x="4566181" y="5157998"/>
-                  <a:pt x="4485789" y="5552906"/>
-                </a:cubicBezTo>
-                <a:cubicBezTo>
-                  <a:pt x="4397121" y="5988893"/>
-                  <a:pt x="4276748" y="6414594"/>
-                  <a:pt x="4117769" y="6828295"/>
-                </a:cubicBezTo>
-                <a:lnTo>
-                  <a:pt x="4105288" y="6858000"/>
-                </a:lnTo>
-                <a:lnTo>
-                  <a:pt x="4052520" y="6858000"/>
-                </a:lnTo>
-                <a:lnTo>
-                  <a:pt x="4059369" y="6841549"/>
-                </a:lnTo>
-                <a:cubicBezTo>
-                  <a:pt x="4147276" y="6614016"/>
-                  <a:pt x="4224193" y="6380817"/>
-                  <a:pt x="4291518" y="6142729"/>
-                </a:cubicBezTo>
-                <a:cubicBezTo>
-                  <a:pt x="4350055" y="5935370"/>
-                  <a:pt x="4393256" y="5723695"/>
-                  <a:pt x="4443357" y="5513923"/>
-                </a:cubicBezTo>
-                <a:cubicBezTo>
-                  <a:pt x="4444541" y="5502788"/>
-                  <a:pt x="4445137" y="5491601"/>
-                  <a:pt x="4445146" y="5480401"/>
-                </a:cubicBezTo>
-                <a:cubicBezTo>
-                  <a:pt x="4408465" y="5607635"/>
-                  <a:pt x="4379196" y="5719759"/>
-                  <a:pt x="4344559" y="5830359"/>
-                </a:cubicBezTo>
-                <a:cubicBezTo>
-                  <a:pt x="4254261" y="6118381"/>
-                  <a:pt x="4150112" y="6398531"/>
-                  <a:pt x="4031702" y="6670527"/>
-                </a:cubicBezTo>
-                <a:lnTo>
-                  <a:pt x="3943824" y="6858000"/>
-                </a:lnTo>
-                <a:lnTo>
-                  <a:pt x="0" y="6858000"/>
-                </a:lnTo>
-                <a:close/>
-              </a:path>
-            </a:pathLst>
-          </a:custGeom>
-        </p:spPr>
-      </p:pic>
-      <p:sp>
-        <p:nvSpPr>
-          <p:cNvPr id="11" name="sketchy line">
-            <a:extLst>
-              <a:ext uri="{FF2B5EF4-FFF2-40B4-BE49-F238E27FC236}">
-                <a16:creationId xmlns:a16="http://schemas.microsoft.com/office/drawing/2014/main" id="{21540236-BFD5-4A9D-8840-4703E7F76825}"/>
-              </a:ext>
-              <a:ext uri="{C183D7F6-B498-43B3-948B-1728B52AA6E4}">
-                <adec:decorative xmlns:adec="http://schemas.microsoft.com/office/drawing/2017/decorative" val="1"/>
-              </a:ext>
-            </a:extLst>
-          </p:cNvPr>
-          <p:cNvSpPr>
-            <a:spLocks noGrp="1" noRot="1" noChangeAspect="1" noMove="1" noResize="1" noEditPoints="1" noAdjustHandles="1" noChangeArrowheads="1" noChangeShapeType="1" noTextEdit="1"/>
-          </p:cNvSpPr>
-          <p:nvPr>
-            <p:extLst>
-              <p:ext uri="{386F3935-93C4-4BCD-93E2-E3B085C9AB24}">
-                <p16:designElem xmlns:p16="http://schemas.microsoft.com/office/powerpoint/2015/main" val="1"/>
-              </p:ext>
-            </p:extLst>
-          </p:nvPr>
-        </p:nvSpPr>
-        <p:spPr>
-          <a:xfrm>
-            <a:off x="5297762" y="2374947"/>
-            <a:ext cx="4243589" cy="18288"/>
-          </a:xfrm>
-          <a:custGeom>
-            <a:avLst/>
-            <a:gdLst>
-              <a:gd name="connsiteX0" fmla="*/ 0 w 4243589"/>
-              <a:gd name="connsiteY0" fmla="*/ 0 h 18288"/>
-              <a:gd name="connsiteX1" fmla="*/ 478919 w 4243589"/>
-              <a:gd name="connsiteY1" fmla="*/ 0 h 18288"/>
-              <a:gd name="connsiteX2" fmla="*/ 957839 w 4243589"/>
-              <a:gd name="connsiteY2" fmla="*/ 0 h 18288"/>
-              <a:gd name="connsiteX3" fmla="*/ 1521630 w 4243589"/>
-              <a:gd name="connsiteY3" fmla="*/ 0 h 18288"/>
-              <a:gd name="connsiteX4" fmla="*/ 2212729 w 4243589"/>
-              <a:gd name="connsiteY4" fmla="*/ 0 h 18288"/>
-              <a:gd name="connsiteX5" fmla="*/ 2734084 w 4243589"/>
-              <a:gd name="connsiteY5" fmla="*/ 0 h 18288"/>
-              <a:gd name="connsiteX6" fmla="*/ 3255439 w 4243589"/>
-              <a:gd name="connsiteY6" fmla="*/ 0 h 18288"/>
-              <a:gd name="connsiteX7" fmla="*/ 4243589 w 4243589"/>
-              <a:gd name="connsiteY7" fmla="*/ 0 h 18288"/>
-              <a:gd name="connsiteX8" fmla="*/ 4243589 w 4243589"/>
-              <a:gd name="connsiteY8" fmla="*/ 18288 h 18288"/>
-              <a:gd name="connsiteX9" fmla="*/ 3594926 w 4243589"/>
-              <a:gd name="connsiteY9" fmla="*/ 18288 h 18288"/>
-              <a:gd name="connsiteX10" fmla="*/ 3073571 w 4243589"/>
-              <a:gd name="connsiteY10" fmla="*/ 18288 h 18288"/>
-              <a:gd name="connsiteX11" fmla="*/ 2552216 w 4243589"/>
-              <a:gd name="connsiteY11" fmla="*/ 18288 h 18288"/>
-              <a:gd name="connsiteX12" fmla="*/ 1903553 w 4243589"/>
-              <a:gd name="connsiteY12" fmla="*/ 18288 h 18288"/>
-              <a:gd name="connsiteX13" fmla="*/ 1212454 w 4243589"/>
-              <a:gd name="connsiteY13" fmla="*/ 18288 h 18288"/>
-              <a:gd name="connsiteX14" fmla="*/ 733535 w 4243589"/>
-              <a:gd name="connsiteY14" fmla="*/ 18288 h 18288"/>
-              <a:gd name="connsiteX15" fmla="*/ 0 w 4243589"/>
-              <a:gd name="connsiteY15" fmla="*/ 18288 h 18288"/>
-              <a:gd name="connsiteX16" fmla="*/ 0 w 4243589"/>
-              <a:gd name="connsiteY16" fmla="*/ 0 h 18288"/>
-            </a:gdLst>
-            <a:ahLst/>
-            <a:cxnLst>
-              <a:cxn ang="0">
-                <a:pos x="connsiteX0" y="connsiteY0"/>
-              </a:cxn>
-              <a:cxn ang="0">
-                <a:pos x="connsiteX1" y="connsiteY1"/>
-              </a:cxn>
-              <a:cxn ang="0">
-                <a:pos x="connsiteX2" y="connsiteY2"/>
-              </a:cxn>
-              <a:cxn ang="0">
-                <a:pos x="connsiteX3" y="connsiteY3"/>
-              </a:cxn>
-              <a:cxn ang="0">
-                <a:pos x="connsiteX4" y="connsiteY4"/>
-              </a:cxn>
-              <a:cxn ang="0">
-                <a:pos x="connsiteX5" y="connsiteY5"/>
-              </a:cxn>
-              <a:cxn ang="0">
-                <a:pos x="connsiteX6" y="connsiteY6"/>
-              </a:cxn>
-              <a:cxn ang="0">
-                <a:pos x="connsiteX7" y="connsiteY7"/>
-              </a:cxn>
-              <a:cxn ang="0">
-                <a:pos x="connsiteX8" y="connsiteY8"/>
-              </a:cxn>
-              <a:cxn ang="0">
-                <a:pos x="connsiteX9" y="connsiteY9"/>
-              </a:cxn>
-              <a:cxn ang="0">
-                <a:pos x="connsiteX10" y="connsiteY10"/>
-              </a:cxn>
-              <a:cxn ang="0">
-                <a:pos x="connsiteX11" y="connsiteY11"/>
-              </a:cxn>
-              <a:cxn ang="0">
-                <a:pos x="connsiteX12" y="connsiteY12"/>
-              </a:cxn>
-              <a:cxn ang="0">
-                <a:pos x="connsiteX13" y="connsiteY13"/>
-              </a:cxn>
-              <a:cxn ang="0">
-                <a:pos x="connsiteX14" y="connsiteY14"/>
-              </a:cxn>
-              <a:cxn ang="0">
-                <a:pos x="connsiteX15" y="connsiteY15"/>
-              </a:cxn>
-              <a:cxn ang="0">
-                <a:pos x="connsiteX16" y="connsiteY16"/>
-              </a:cxn>
-            </a:cxnLst>
-            <a:rect l="l" t="t" r="r" b="b"/>
-            <a:pathLst>
-              <a:path w="4243589" h="18288" fill="none" extrusionOk="0">
-                <a:moveTo>
-                  <a:pt x="0" y="0"/>
-                </a:moveTo>
-                <a:cubicBezTo>
-                  <a:pt x="213395" y="-21006"/>
-                  <a:pt x="307421" y="-18116"/>
-                  <a:pt x="478919" y="0"/>
-                </a:cubicBezTo>
-                <a:cubicBezTo>
-                  <a:pt x="650417" y="18116"/>
-                  <a:pt x="831092" y="-21237"/>
-                  <a:pt x="957839" y="0"/>
-                </a:cubicBezTo>
-                <a:cubicBezTo>
-                  <a:pt x="1084586" y="21237"/>
-                  <a:pt x="1301682" y="25124"/>
-                  <a:pt x="1521630" y="0"/>
-                </a:cubicBezTo>
-                <a:cubicBezTo>
-                  <a:pt x="1741578" y="-25124"/>
-                  <a:pt x="1970269" y="-29139"/>
-                  <a:pt x="2212729" y="0"/>
-                </a:cubicBezTo>
-                <a:cubicBezTo>
-                  <a:pt x="2455189" y="29139"/>
-                  <a:pt x="2558847" y="-4796"/>
-                  <a:pt x="2734084" y="0"/>
-                </a:cubicBezTo>
-                <a:cubicBezTo>
-                  <a:pt x="2909321" y="4796"/>
-                  <a:pt x="3097217" y="-13409"/>
-                  <a:pt x="3255439" y="0"/>
-                </a:cubicBezTo>
-                <a:cubicBezTo>
-                  <a:pt x="3413662" y="13409"/>
-                  <a:pt x="3979999" y="-10121"/>
-                  <a:pt x="4243589" y="0"/>
-                </a:cubicBezTo>
-                <a:cubicBezTo>
-                  <a:pt x="4244484" y="8974"/>
-                  <a:pt x="4243043" y="9359"/>
-                  <a:pt x="4243589" y="18288"/>
-                </a:cubicBezTo>
-                <a:cubicBezTo>
-                  <a:pt x="4058777" y="31246"/>
-                  <a:pt x="3910348" y="3158"/>
-                  <a:pt x="3594926" y="18288"/>
-                </a:cubicBezTo>
-                <a:cubicBezTo>
-                  <a:pt x="3279504" y="33418"/>
-                  <a:pt x="3319955" y="-3977"/>
-                  <a:pt x="3073571" y="18288"/>
-                </a:cubicBezTo>
-                <a:cubicBezTo>
-                  <a:pt x="2827187" y="40553"/>
-                  <a:pt x="2767387" y="1863"/>
-                  <a:pt x="2552216" y="18288"/>
-                </a:cubicBezTo>
-                <a:cubicBezTo>
-                  <a:pt x="2337046" y="34713"/>
-                  <a:pt x="2181871" y="19527"/>
-                  <a:pt x="1903553" y="18288"/>
-                </a:cubicBezTo>
-                <a:cubicBezTo>
-                  <a:pt x="1625235" y="17049"/>
-                  <a:pt x="1557672" y="24174"/>
-                  <a:pt x="1212454" y="18288"/>
-                </a:cubicBezTo>
-                <a:cubicBezTo>
-                  <a:pt x="867236" y="12402"/>
-                  <a:pt x="874382" y="15627"/>
-                  <a:pt x="733535" y="18288"/>
-                </a:cubicBezTo>
-                <a:cubicBezTo>
-                  <a:pt x="592688" y="20949"/>
-                  <a:pt x="183477" y="14753"/>
-                  <a:pt x="0" y="18288"/>
-                </a:cubicBezTo>
-                <a:cubicBezTo>
-                  <a:pt x="-229" y="14222"/>
-                  <a:pt x="509" y="5816"/>
-                  <a:pt x="0" y="0"/>
-                </a:cubicBezTo>
-                <a:close/>
-              </a:path>
-              <a:path w="4243589" h="18288" stroke="0" extrusionOk="0">
-                <a:moveTo>
-                  <a:pt x="0" y="0"/>
-                </a:moveTo>
-                <a:cubicBezTo>
-                  <a:pt x="143690" y="16630"/>
-                  <a:pt x="266667" y="14847"/>
-                  <a:pt x="521355" y="0"/>
-                </a:cubicBezTo>
-                <a:cubicBezTo>
-                  <a:pt x="776043" y="-14847"/>
-                  <a:pt x="814491" y="-17363"/>
-                  <a:pt x="1000275" y="0"/>
-                </a:cubicBezTo>
-                <a:cubicBezTo>
-                  <a:pt x="1186059" y="17363"/>
-                  <a:pt x="1352504" y="-23507"/>
-                  <a:pt x="1521630" y="0"/>
-                </a:cubicBezTo>
-                <a:cubicBezTo>
-                  <a:pt x="1690756" y="23507"/>
-                  <a:pt x="1889525" y="5871"/>
-                  <a:pt x="2127857" y="0"/>
-                </a:cubicBezTo>
-                <a:cubicBezTo>
-                  <a:pt x="2366189" y="-5871"/>
-                  <a:pt x="2620628" y="-27997"/>
-                  <a:pt x="2776520" y="0"/>
-                </a:cubicBezTo>
-                <a:cubicBezTo>
-                  <a:pt x="2932412" y="27997"/>
-                  <a:pt x="3131683" y="-25073"/>
-                  <a:pt x="3467618" y="0"/>
-                </a:cubicBezTo>
-                <a:cubicBezTo>
-                  <a:pt x="3803553" y="25073"/>
-                  <a:pt x="4017371" y="3071"/>
-                  <a:pt x="4243589" y="0"/>
-                </a:cubicBezTo>
-                <a:cubicBezTo>
-                  <a:pt x="4243134" y="6162"/>
-                  <a:pt x="4243492" y="11775"/>
-                  <a:pt x="4243589" y="18288"/>
-                </a:cubicBezTo>
-                <a:cubicBezTo>
-                  <a:pt x="4017834" y="-5779"/>
-                  <a:pt x="3834586" y="13376"/>
-                  <a:pt x="3594926" y="18288"/>
-                </a:cubicBezTo>
-                <a:cubicBezTo>
-                  <a:pt x="3355266" y="23200"/>
-                  <a:pt x="3204179" y="2869"/>
-                  <a:pt x="2903827" y="18288"/>
-                </a:cubicBezTo>
-                <a:cubicBezTo>
-                  <a:pt x="2603475" y="33707"/>
-                  <a:pt x="2526187" y="46187"/>
-                  <a:pt x="2212729" y="18288"/>
-                </a:cubicBezTo>
-                <a:cubicBezTo>
-                  <a:pt x="1899271" y="-9611"/>
-                  <a:pt x="1966289" y="29692"/>
-                  <a:pt x="1733809" y="18288"/>
-                </a:cubicBezTo>
-                <a:cubicBezTo>
-                  <a:pt x="1501329" y="6884"/>
-                  <a:pt x="1343612" y="12492"/>
-                  <a:pt x="1085146" y="18288"/>
-                </a:cubicBezTo>
-                <a:cubicBezTo>
-                  <a:pt x="826680" y="24084"/>
-                  <a:pt x="778184" y="35607"/>
-                  <a:pt x="521355" y="18288"/>
-                </a:cubicBezTo>
-                <a:cubicBezTo>
-                  <a:pt x="264526" y="969"/>
-                  <a:pt x="120277" y="4268"/>
-                  <a:pt x="0" y="18288"/>
-                </a:cubicBezTo>
-                <a:cubicBezTo>
-                  <a:pt x="766" y="10800"/>
-                  <a:pt x="-457" y="8180"/>
-                  <a:pt x="0" y="0"/>
-                </a:cubicBezTo>
-                <a:close/>
-              </a:path>
-            </a:pathLst>
-          </a:custGeom>
-          <a:solidFill>
-            <a:schemeClr val="accent2"/>
-          </a:solidFill>
-          <a:ln w="44450" cap="rnd">
-            <a:solidFill>
-              <a:schemeClr val="accent2"/>
-            </a:solidFill>
-            <a:round/>
-            <a:extLst>
-              <a:ext uri="{C807C97D-BFC1-408E-A445-0C87EB9F89A2}">
-                <ask:lineSketchStyleProps xmlns:ask="http://schemas.microsoft.com/office/drawing/2018/sketchyshapes" sd="2727557108">
-                  <a:prstGeom prst="rect">
-                    <a:avLst/>
-                  </a:prstGeom>
-                  <ask:type>
-                    <ask:lineSketchFreehand/>
-                  </ask:type>
-                </ask:lineSketchStyleProps>
-              </a:ext>
-            </a:extLst>
-          </a:ln>
-        </p:spPr>
-        <p:style>
-          <a:lnRef idx="2">
-            <a:schemeClr val="accent1">
-              <a:shade val="50000"/>
-            </a:schemeClr>
-          </a:lnRef>
-          <a:fillRef idx="1">
-            <a:schemeClr val="accent1"/>
-          </a:fillRef>
-          <a:effectRef idx="0">
-            <a:schemeClr val="accent1"/>
-          </a:effectRef>
-          <a:fontRef idx="minor">
-            <a:schemeClr val="lt1"/>
-          </a:fontRef>
-        </p:style>
-        <p:txBody>
-          <a:bodyPr rtlCol="0" anchor="ctr"/>
-          <a:lstStyle/>
-          <a:p>
-            <a:pPr algn="ctr"/>
-            <a:endParaRPr lang="en-US"/>
-          </a:p>
-        </p:txBody>
-      </p:sp>
-      <p:sp>
-        <p:nvSpPr>
-          <p:cNvPr id="3" name="Content Placeholder 2">
-            <a:extLst>
-              <a:ext uri="{FF2B5EF4-FFF2-40B4-BE49-F238E27FC236}">
-                <a16:creationId xmlns:a16="http://schemas.microsoft.com/office/drawing/2014/main" id="{6A7B6A2E-A60D-41AC-B842-0416A592C0A3}"/>
-              </a:ext>
-            </a:extLst>
-          </p:cNvPr>
-          <p:cNvSpPr>
-            <a:spLocks noGrp="1"/>
-          </p:cNvSpPr>
-          <p:nvPr>
-            <p:ph idx="1"/>
-          </p:nvPr>
-        </p:nvSpPr>
-        <p:spPr>
-          <a:xfrm>
-            <a:off x="4657345" y="2568102"/>
-            <a:ext cx="7356315" cy="4114800"/>
-          </a:xfrm>
-        </p:spPr>
-        <p:txBody>
-          <a:bodyPr>
-            <a:normAutofit/>
-          </a:bodyPr>
-          <a:lstStyle/>
-          <a:p>
-            <a:pPr>
-              <a:buFont typeface="Wingdings" panose="05000000000000000000" pitchFamily="2" charset="2"/>
-              <a:buChar char="Ø"/>
-            </a:pPr>
-            <a:r>
-              <a:rPr lang="en-GB" dirty="0" err="1"/>
-              <a:t>Predvídať</a:t>
-            </a:r>
-            <a:r>
-              <a:rPr lang="en-GB" dirty="0"/>
-              <a:t> </a:t>
-            </a:r>
-            <a:r>
-              <a:rPr lang="en-GB" dirty="0" err="1"/>
-              <a:t>budúce</a:t>
-            </a:r>
-            <a:r>
-              <a:rPr lang="en-GB" dirty="0"/>
-              <a:t> </a:t>
-            </a:r>
-            <a:r>
-              <a:rPr lang="en-GB" dirty="0" err="1"/>
-              <a:t>pozície</a:t>
-            </a:r>
-            <a:r>
-              <a:rPr lang="en-GB" dirty="0"/>
-              <a:t> </a:t>
-            </a:r>
-            <a:r>
-              <a:rPr lang="en-GB" dirty="0" err="1"/>
-              <a:t>rôznych</a:t>
-            </a:r>
-            <a:r>
-              <a:rPr lang="en-GB" dirty="0"/>
-              <a:t> </a:t>
-            </a:r>
-            <a:r>
-              <a:rPr lang="en-GB" dirty="0" err="1"/>
-              <a:t>objektov</a:t>
-            </a:r>
-            <a:r>
-              <a:rPr lang="en-GB" dirty="0"/>
-              <a:t> a </a:t>
-            </a:r>
-            <a:r>
-              <a:rPr lang="en-GB" dirty="0" err="1"/>
-              <a:t>ľudí</a:t>
-            </a:r>
-            <a:r>
-              <a:rPr lang="en-GB" dirty="0"/>
-              <a:t> a </a:t>
-            </a:r>
-            <a:r>
-              <a:rPr lang="en-GB" dirty="0" err="1"/>
-              <a:t>rozhodovať</a:t>
-            </a:r>
-            <a:r>
-              <a:rPr lang="en-GB" dirty="0"/>
-              <a:t>, </a:t>
-            </a:r>
-            <a:r>
-              <a:rPr lang="en-GB" dirty="0" err="1"/>
-              <a:t>plánovať</a:t>
-            </a:r>
-            <a:r>
-              <a:rPr lang="en-GB" dirty="0"/>
-              <a:t> a </a:t>
-            </a:r>
-            <a:r>
-              <a:rPr lang="en-GB" dirty="0" err="1"/>
-              <a:t>upravovať</a:t>
-            </a:r>
-            <a:r>
-              <a:rPr lang="en-GB" dirty="0"/>
-              <a:t> </a:t>
-            </a:r>
-            <a:r>
-              <a:rPr lang="en-GB" dirty="0" err="1"/>
-              <a:t>trasu</a:t>
-            </a:r>
-            <a:r>
-              <a:rPr lang="en-GB" dirty="0"/>
-              <a:t> z </a:t>
-            </a:r>
-            <a:r>
-              <a:rPr lang="en-GB" dirty="0" err="1"/>
-              <a:t>bodu</a:t>
-            </a:r>
-            <a:r>
-              <a:rPr lang="en-GB" dirty="0"/>
-              <a:t> A do </a:t>
-            </a:r>
-            <a:r>
-              <a:rPr lang="en-GB" dirty="0" err="1"/>
-              <a:t>bodu</a:t>
-            </a:r>
-            <a:r>
-              <a:rPr lang="en-GB" dirty="0"/>
-              <a:t> B</a:t>
-            </a:r>
-          </a:p>
-          <a:p>
-            <a:pPr lvl="1"/>
-            <a:r>
-              <a:rPr lang="en-GB" sz="2000" dirty="0" err="1"/>
-              <a:t>Plánovanie</a:t>
-            </a:r>
-            <a:r>
-              <a:rPr lang="en-GB" sz="2000" dirty="0"/>
-              <a:t> </a:t>
-            </a:r>
-            <a:r>
-              <a:rPr lang="en-GB" sz="2000" dirty="0" err="1"/>
-              <a:t>na</a:t>
-            </a:r>
-            <a:r>
-              <a:rPr lang="en-GB" sz="2000" dirty="0"/>
-              <a:t> </a:t>
-            </a:r>
-            <a:r>
-              <a:rPr lang="en-GB" sz="2000" dirty="0" err="1"/>
-              <a:t>vysokej</a:t>
-            </a:r>
-            <a:r>
-              <a:rPr lang="en-GB" sz="2000" dirty="0"/>
-              <a:t> </a:t>
-            </a:r>
-            <a:r>
-              <a:rPr lang="en-GB" sz="2000" dirty="0" err="1"/>
-              <a:t>úrovni</a:t>
-            </a:r>
-            <a:endParaRPr lang="en-GB" sz="2000" dirty="0"/>
-          </a:p>
-          <a:p>
-            <a:pPr lvl="1"/>
-            <a:r>
-              <a:rPr lang="en-GB" sz="2000" dirty="0" err="1"/>
-              <a:t>Plánovanie</a:t>
-            </a:r>
-            <a:r>
-              <a:rPr lang="en-GB" sz="2000" dirty="0"/>
-              <a:t> </a:t>
-            </a:r>
-            <a:r>
-              <a:rPr lang="en-GB" sz="2000" dirty="0" err="1"/>
-              <a:t>podľa</a:t>
-            </a:r>
-            <a:r>
-              <a:rPr lang="en-GB" sz="2000" dirty="0"/>
-              <a:t> </a:t>
-            </a:r>
-            <a:r>
-              <a:rPr lang="en-GB" sz="2000" dirty="0" err="1"/>
-              <a:t>správania</a:t>
-            </a:r>
-            <a:r>
-              <a:rPr lang="en-GB" sz="2000" dirty="0"/>
-              <a:t> </a:t>
-            </a:r>
-            <a:r>
-              <a:rPr lang="en-GB" sz="2000" dirty="0" err="1"/>
-              <a:t>okolia</a:t>
-            </a:r>
-            <a:endParaRPr lang="en-GB" sz="2000" dirty="0"/>
-          </a:p>
-          <a:p>
-            <a:pPr marL="0" indent="0">
-              <a:buNone/>
-            </a:pPr>
-            <a:endParaRPr lang="en-GB" dirty="0"/>
-          </a:p>
-          <a:p>
-            <a:pPr>
-              <a:buFont typeface="Wingdings" panose="05000000000000000000" pitchFamily="2" charset="2"/>
-              <a:buChar char="Ø"/>
-            </a:pPr>
-            <a:r>
-              <a:rPr lang="en-GB" dirty="0" err="1"/>
-              <a:t>Plánovanie</a:t>
-            </a:r>
-            <a:r>
-              <a:rPr lang="en-GB" dirty="0"/>
-              <a:t> </a:t>
-            </a:r>
-            <a:r>
-              <a:rPr lang="en-GB" dirty="0" err="1"/>
-              <a:t>podľa</a:t>
-            </a:r>
-            <a:r>
-              <a:rPr lang="en-GB" dirty="0"/>
-              <a:t> </a:t>
-            </a:r>
-            <a:r>
-              <a:rPr lang="en-GB" dirty="0" err="1"/>
-              <a:t>správania</a:t>
-            </a:r>
-            <a:r>
-              <a:rPr lang="en-GB" dirty="0"/>
-              <a:t> </a:t>
-            </a:r>
-            <a:r>
-              <a:rPr lang="en-GB" dirty="0" err="1"/>
-              <a:t>okolia</a:t>
-            </a:r>
-            <a:endParaRPr lang="en-GB" dirty="0"/>
-          </a:p>
-          <a:p>
-            <a:pPr lvl="1"/>
-            <a:r>
-              <a:rPr lang="en-GB" sz="2000" dirty="0" err="1"/>
-              <a:t>Výstupy</a:t>
-            </a:r>
-            <a:r>
-              <a:rPr lang="en-GB" sz="2000" dirty="0"/>
-              <a:t> </a:t>
-            </a:r>
-            <a:r>
-              <a:rPr lang="en-GB" sz="2000" dirty="0" err="1"/>
-              <a:t>vizualizácie</a:t>
-            </a:r>
-            <a:r>
-              <a:rPr lang="en-GB" sz="2000" dirty="0"/>
-              <a:t> </a:t>
-            </a:r>
-            <a:r>
-              <a:rPr lang="en-GB" sz="2000" dirty="0" err="1"/>
-              <a:t>kombinované</a:t>
-            </a:r>
-            <a:r>
-              <a:rPr lang="en-GB" sz="2000" dirty="0"/>
-              <a:t> so </a:t>
-            </a:r>
-            <a:r>
-              <a:rPr lang="en-GB" sz="2000" dirty="0" err="1"/>
-              <a:t>strojovým</a:t>
-            </a:r>
-            <a:r>
-              <a:rPr lang="en-GB" sz="2000" dirty="0"/>
-              <a:t> </a:t>
-            </a:r>
-            <a:r>
-              <a:rPr lang="en-GB" sz="2000" dirty="0" err="1"/>
-              <a:t>učením</a:t>
-            </a:r>
-            <a:r>
-              <a:rPr lang="en-GB" sz="2000" dirty="0"/>
-              <a:t> </a:t>
-            </a:r>
-            <a:r>
-              <a:rPr lang="en-GB" sz="2000" dirty="0" err="1"/>
-              <a:t>založeným</a:t>
-            </a:r>
-            <a:r>
-              <a:rPr lang="en-GB" sz="2000" dirty="0"/>
-              <a:t> </a:t>
-            </a:r>
-            <a:r>
-              <a:rPr lang="en-GB" sz="2000" dirty="0" err="1"/>
-              <a:t>na</a:t>
-            </a:r>
-            <a:r>
-              <a:rPr lang="en-GB" sz="2000" dirty="0"/>
-              <a:t> </a:t>
-            </a:r>
-            <a:r>
-              <a:rPr lang="en-GB" sz="2000" dirty="0" err="1"/>
-              <a:t>Gaussovej</a:t>
-            </a:r>
-            <a:r>
-              <a:rPr lang="en-GB" sz="2000" dirty="0"/>
-              <a:t> </a:t>
-            </a:r>
-            <a:r>
-              <a:rPr lang="en-GB" sz="2000" dirty="0" err="1"/>
-              <a:t>regresií</a:t>
-            </a:r>
-            <a:r>
-              <a:rPr lang="en-GB" sz="2000" dirty="0"/>
-              <a:t> </a:t>
-            </a:r>
-            <a:r>
-              <a:rPr lang="en-GB" sz="2000" dirty="0" err="1"/>
-              <a:t>procesu</a:t>
-            </a:r>
-            <a:r>
-              <a:rPr lang="en-GB" sz="2000" dirty="0"/>
-              <a:t> - DRL</a:t>
-            </a:r>
-          </a:p>
-        </p:txBody>
-      </p:sp>
-    </p:spTree>
-    <p:extLst>
-      <p:ext uri="{BB962C8B-B14F-4D97-AF65-F5344CB8AC3E}">
-        <p14:creationId xmlns:p14="http://schemas.microsoft.com/office/powerpoint/2010/main" val="837675521"/>
+        <p14:creationId xmlns:p14="http://schemas.microsoft.com/office/powerpoint/2010/main" val="3383076510"/>
       </p:ext>
     </p:extLst>
   </p:cSld>
@@ -10511,7 +10673,7 @@
           <p:cNvPr id="2" name="Title 1">
             <a:extLst>
               <a:ext uri="{FF2B5EF4-FFF2-40B4-BE49-F238E27FC236}">
-                <a16:creationId xmlns:a16="http://schemas.microsoft.com/office/drawing/2014/main" id="{31ABE894-DB50-48C3-8CE9-3DBCBC85B673}"/>
+                <a16:creationId xmlns:a16="http://schemas.microsoft.com/office/drawing/2014/main" id="{B91180C2-5B0E-4A00-9DDC-95E5210300BE}"/>
               </a:ext>
             </a:extLst>
           </p:cNvPr>
@@ -10535,8 +10697,12 @@
           <a:lstStyle/>
           <a:p>
             <a:r>
-              <a:rPr lang="en-GB" sz="5400" b="1"/>
-              <a:t>Ovládanie</a:t>
+              <a:rPr lang="en-GB" sz="5400" b="1" dirty="0" err="1"/>
+              <a:t>Zdroje</a:t>
+            </a:r>
+            <a:r>
+              <a:rPr lang="en-GB" sz="5400" b="1" dirty="0"/>
+              <a:t>:</a:t>
             </a:r>
           </a:p>
         </p:txBody>
@@ -11184,1234 +11350,6 @@
           <p:cNvPr id="3" name="Content Placeholder 2">
             <a:extLst>
               <a:ext uri="{FF2B5EF4-FFF2-40B4-BE49-F238E27FC236}">
-                <a16:creationId xmlns:a16="http://schemas.microsoft.com/office/drawing/2014/main" id="{ED491C64-C7A7-4D67-B2F0-E93790339F2D}"/>
-              </a:ext>
-            </a:extLst>
-          </p:cNvPr>
-          <p:cNvSpPr>
-            <a:spLocks noGrp="1"/>
-          </p:cNvSpPr>
-          <p:nvPr>
-            <p:ph idx="1"/>
-          </p:nvPr>
-        </p:nvSpPr>
-        <p:spPr>
-          <a:xfrm>
-            <a:off x="369651" y="1929384"/>
-            <a:ext cx="11439727" cy="4581922"/>
-          </a:xfrm>
-        </p:spPr>
-        <p:txBody>
-          <a:bodyPr>
-            <a:normAutofit/>
-          </a:bodyPr>
-          <a:lstStyle/>
-          <a:p>
-            <a:pPr>
-              <a:buFont typeface="Wingdings" panose="05000000000000000000" pitchFamily="2" charset="2"/>
-              <a:buChar char="Ø"/>
-            </a:pPr>
-            <a:r>
-              <a:rPr lang="en-GB" sz="2400" dirty="0" err="1"/>
-              <a:t>Proces</a:t>
-            </a:r>
-            <a:r>
-              <a:rPr lang="en-GB" sz="2400" dirty="0"/>
-              <a:t> </a:t>
-            </a:r>
-            <a:r>
-              <a:rPr lang="en-GB" sz="2400" dirty="0" err="1"/>
-              <a:t>premeny</a:t>
-            </a:r>
-            <a:r>
-              <a:rPr lang="en-GB" sz="2400" dirty="0"/>
-              <a:t> </a:t>
-            </a:r>
-            <a:r>
-              <a:rPr lang="en-GB" sz="2400" dirty="0" err="1"/>
-              <a:t>zámerov</a:t>
-            </a:r>
-            <a:r>
-              <a:rPr lang="en-GB" sz="2400" dirty="0"/>
-              <a:t> </a:t>
-            </a:r>
-            <a:r>
-              <a:rPr lang="en-GB" sz="2400" dirty="0" err="1"/>
-              <a:t>na</a:t>
-            </a:r>
-            <a:r>
-              <a:rPr lang="en-GB" sz="2400" dirty="0"/>
-              <a:t> </a:t>
-            </a:r>
-            <a:r>
-              <a:rPr lang="en-GB" sz="2400" dirty="0" err="1"/>
-              <a:t>akcie</a:t>
-            </a:r>
-            <a:r>
-              <a:rPr lang="en-GB" sz="2400" dirty="0"/>
-              <a:t> – </a:t>
-            </a:r>
-            <a:r>
-              <a:rPr lang="en-GB" sz="2000" dirty="0" err="1"/>
-              <a:t>realizovať</a:t>
-            </a:r>
-            <a:r>
-              <a:rPr lang="en-GB" sz="2000" dirty="0"/>
-              <a:t> </a:t>
-            </a:r>
-            <a:r>
-              <a:rPr lang="en-GB" sz="2000" dirty="0" err="1"/>
-              <a:t>plánované</a:t>
-            </a:r>
-            <a:r>
-              <a:rPr lang="en-GB" sz="2000" dirty="0"/>
-              <a:t> </a:t>
-            </a:r>
-            <a:r>
-              <a:rPr lang="en-GB" sz="2000" dirty="0" err="1"/>
-              <a:t>účely</a:t>
-            </a:r>
-            <a:r>
-              <a:rPr lang="en-GB" sz="2000" dirty="0"/>
-              <a:t> </a:t>
-            </a:r>
-            <a:r>
-              <a:rPr lang="en-GB" sz="2000" dirty="0" err="1"/>
-              <a:t>poskytnutím</a:t>
-            </a:r>
-            <a:r>
-              <a:rPr lang="en-GB" sz="2000" dirty="0"/>
-              <a:t> </a:t>
-            </a:r>
-            <a:r>
-              <a:rPr lang="en-GB" sz="2000" dirty="0" err="1"/>
-              <a:t>potrebných</a:t>
-            </a:r>
-            <a:r>
-              <a:rPr lang="en-GB" sz="2000" dirty="0"/>
-              <a:t> </a:t>
-            </a:r>
-            <a:r>
-              <a:rPr lang="en-GB" sz="2000" dirty="0" err="1"/>
-              <a:t>vstupov</a:t>
-            </a:r>
-            <a:r>
-              <a:rPr lang="en-GB" sz="2000" dirty="0"/>
-              <a:t> </a:t>
-            </a:r>
-            <a:r>
-              <a:rPr lang="en-GB" sz="2000" dirty="0" err="1"/>
-              <a:t>na</a:t>
-            </a:r>
-            <a:r>
-              <a:rPr lang="en-GB" sz="2000" dirty="0"/>
-              <a:t> </a:t>
-            </a:r>
-            <a:r>
-              <a:rPr lang="en-GB" sz="2000" dirty="0" err="1"/>
-              <a:t>hardvérovej</a:t>
-            </a:r>
-            <a:r>
-              <a:rPr lang="en-GB" sz="2000" dirty="0"/>
-              <a:t> </a:t>
-            </a:r>
-            <a:r>
-              <a:rPr lang="en-GB" sz="2000" dirty="0" err="1"/>
-              <a:t>úrovni</a:t>
-            </a:r>
-            <a:r>
-              <a:rPr lang="en-GB" sz="2000" dirty="0"/>
-              <a:t>, </a:t>
-            </a:r>
-            <a:r>
-              <a:rPr lang="en-GB" sz="2000" dirty="0" err="1"/>
-              <a:t>ktorá</a:t>
-            </a:r>
-            <a:r>
-              <a:rPr lang="en-GB" sz="2000" dirty="0"/>
-              <a:t> </a:t>
-            </a:r>
-            <a:r>
-              <a:rPr lang="en-GB" sz="2000" dirty="0" err="1"/>
-              <a:t>generuje</a:t>
-            </a:r>
-            <a:r>
-              <a:rPr lang="en-GB" sz="2000" dirty="0"/>
-              <a:t> </a:t>
-            </a:r>
-            <a:r>
-              <a:rPr lang="en-GB" sz="2000" dirty="0" err="1"/>
-              <a:t>požadované</a:t>
-            </a:r>
-            <a:r>
-              <a:rPr lang="en-GB" sz="2000" dirty="0"/>
-              <a:t> </a:t>
-            </a:r>
-            <a:r>
-              <a:rPr lang="en-GB" sz="2000" dirty="0" err="1"/>
-              <a:t>pohyby</a:t>
-            </a:r>
-            <a:endParaRPr lang="en-GB" sz="2000" dirty="0"/>
-          </a:p>
-          <a:p>
-            <a:pPr lvl="1"/>
-            <a:r>
-              <a:rPr lang="en-GB" sz="2200" dirty="0" err="1"/>
-              <a:t>Klasický</a:t>
-            </a:r>
-            <a:r>
-              <a:rPr lang="en-GB" sz="2200" dirty="0"/>
-              <a:t> </a:t>
-            </a:r>
-            <a:r>
-              <a:rPr lang="en-GB" sz="2200" dirty="0" err="1"/>
-              <a:t>ovládač</a:t>
-            </a:r>
-            <a:endParaRPr lang="en-GB" sz="2200" dirty="0"/>
-          </a:p>
-          <a:p>
-            <a:pPr lvl="1"/>
-            <a:r>
-              <a:rPr lang="en-GB" sz="2200" dirty="0" err="1"/>
-              <a:t>Predvídavý</a:t>
-            </a:r>
-            <a:r>
-              <a:rPr lang="en-GB" sz="2200" dirty="0"/>
-              <a:t> </a:t>
-            </a:r>
-            <a:r>
-              <a:rPr lang="en-GB" sz="2200" dirty="0" err="1"/>
-              <a:t>ovládač</a:t>
-            </a:r>
-            <a:endParaRPr lang="en-GB" sz="2200" dirty="0"/>
-          </a:p>
-          <a:p>
-            <a:endParaRPr lang="en-GB" sz="2200" dirty="0"/>
-          </a:p>
-          <a:p>
-            <a:pPr>
-              <a:buFont typeface="Wingdings" panose="05000000000000000000" pitchFamily="2" charset="2"/>
-              <a:buChar char="Ø"/>
-            </a:pPr>
-            <a:r>
-              <a:rPr lang="en-GB" sz="2400" dirty="0" err="1"/>
-              <a:t>Klasický</a:t>
-            </a:r>
-            <a:r>
-              <a:rPr lang="en-GB" sz="2400" dirty="0"/>
-              <a:t> </a:t>
-            </a:r>
-            <a:r>
-              <a:rPr lang="en-GB" sz="2400" dirty="0" err="1"/>
-              <a:t>ovládač</a:t>
-            </a:r>
-            <a:r>
-              <a:rPr lang="en-GB" sz="2400" dirty="0"/>
-              <a:t> – </a:t>
-            </a:r>
-            <a:r>
-              <a:rPr lang="en-GB" sz="2400" dirty="0" err="1"/>
-              <a:t>založený</a:t>
-            </a:r>
-            <a:r>
-              <a:rPr lang="en-GB" sz="2400" dirty="0"/>
-              <a:t> </a:t>
-            </a:r>
-            <a:r>
-              <a:rPr lang="en-GB" sz="2400" dirty="0" err="1"/>
-              <a:t>na</a:t>
-            </a:r>
-            <a:r>
-              <a:rPr lang="en-GB" sz="2400" dirty="0"/>
-              <a:t> </a:t>
-            </a:r>
-            <a:r>
-              <a:rPr lang="en-GB" sz="2400" dirty="0" err="1"/>
-              <a:t>spätnej</a:t>
-            </a:r>
-            <a:r>
-              <a:rPr lang="en-GB" sz="2400" dirty="0"/>
-              <a:t> </a:t>
-            </a:r>
-            <a:r>
-              <a:rPr lang="en-GB" sz="2400" dirty="0" err="1"/>
-              <a:t>väzbe</a:t>
-            </a:r>
-            <a:r>
-              <a:rPr lang="en-GB" sz="2400" dirty="0"/>
-              <a:t> a </a:t>
-            </a:r>
-            <a:r>
-              <a:rPr lang="en-GB" sz="2400" dirty="0" err="1"/>
-              <a:t>nevyžaduje</a:t>
-            </a:r>
-            <a:r>
-              <a:rPr lang="en-GB" sz="2400" dirty="0"/>
-              <a:t> </a:t>
-            </a:r>
-            <a:r>
-              <a:rPr lang="en-GB" sz="2400" dirty="0" err="1"/>
-              <a:t>žiadny</a:t>
-            </a:r>
-            <a:r>
-              <a:rPr lang="en-GB" sz="2400" dirty="0"/>
-              <a:t> </a:t>
-            </a:r>
-            <a:r>
-              <a:rPr lang="en-GB" sz="2400" dirty="0" err="1"/>
-              <a:t>systémový</a:t>
-            </a:r>
-            <a:r>
-              <a:rPr lang="en-GB" sz="2400" dirty="0"/>
-              <a:t> model</a:t>
-            </a:r>
-          </a:p>
-          <a:p>
-            <a:pPr lvl="1"/>
-            <a:r>
-              <a:rPr lang="en-GB" sz="2200" dirty="0" err="1"/>
-              <a:t>Nevýhoda</a:t>
-            </a:r>
-            <a:r>
-              <a:rPr lang="en-GB" sz="2200" dirty="0"/>
-              <a:t> </a:t>
-            </a:r>
-            <a:r>
-              <a:rPr lang="en-GB" sz="2200" dirty="0" err="1"/>
-              <a:t>neskorej</a:t>
-            </a:r>
-            <a:r>
-              <a:rPr lang="en-GB" sz="2200" dirty="0"/>
-              <a:t> </a:t>
-            </a:r>
-            <a:r>
-              <a:rPr lang="en-GB" sz="2200" dirty="0" err="1"/>
-              <a:t>reakcie</a:t>
-            </a:r>
-            <a:r>
-              <a:rPr lang="en-GB" sz="2200" dirty="0"/>
-              <a:t> – </a:t>
-            </a:r>
-            <a:r>
-              <a:rPr lang="en-GB" sz="2200" dirty="0" err="1"/>
-              <a:t>detekuje</a:t>
-            </a:r>
-            <a:r>
-              <a:rPr lang="en-GB" sz="2200" dirty="0"/>
-              <a:t> </a:t>
-            </a:r>
-            <a:r>
-              <a:rPr lang="en-GB" sz="2200" dirty="0" err="1"/>
-              <a:t>problémy</a:t>
-            </a:r>
-            <a:r>
-              <a:rPr lang="en-GB" sz="2200" dirty="0"/>
-              <a:t> </a:t>
-            </a:r>
-            <a:r>
-              <a:rPr lang="en-GB" sz="2200" dirty="0" err="1"/>
-              <a:t>až</a:t>
-            </a:r>
-            <a:r>
-              <a:rPr lang="en-GB" sz="2200" dirty="0"/>
-              <a:t> </a:t>
-            </a:r>
-            <a:r>
-              <a:rPr lang="en-GB" sz="2200" dirty="0" err="1"/>
-              <a:t>vtedy</a:t>
-            </a:r>
-            <a:r>
-              <a:rPr lang="en-GB" sz="2200" dirty="0"/>
-              <a:t>, </a:t>
-            </a:r>
-            <a:r>
-              <a:rPr lang="en-GB" sz="2200" dirty="0" err="1"/>
-              <a:t>keď</a:t>
-            </a:r>
-            <a:r>
-              <a:rPr lang="en-GB" sz="2200" dirty="0"/>
-              <a:t> </a:t>
-            </a:r>
-            <a:r>
-              <a:rPr lang="en-GB" sz="2200" dirty="0" err="1"/>
-              <a:t>sa</a:t>
-            </a:r>
-            <a:r>
-              <a:rPr lang="en-GB" sz="2200" dirty="0"/>
-              <a:t> </a:t>
-            </a:r>
-            <a:r>
-              <a:rPr lang="en-GB" sz="2200" dirty="0" err="1"/>
-              <a:t>dejú</a:t>
-            </a:r>
-            <a:r>
-              <a:rPr lang="en-GB" sz="2200" dirty="0"/>
-              <a:t> (“</a:t>
-            </a:r>
-            <a:r>
-              <a:rPr lang="en-GB" sz="2200" dirty="0" err="1"/>
-              <a:t>dopredná</a:t>
-            </a:r>
-            <a:r>
-              <a:rPr lang="en-GB" sz="2200" dirty="0"/>
-              <a:t>” </a:t>
-            </a:r>
-            <a:r>
-              <a:rPr lang="en-GB" sz="2200" dirty="0" err="1"/>
-              <a:t>väzba</a:t>
-            </a:r>
-            <a:r>
-              <a:rPr lang="en-GB" sz="2200" dirty="0"/>
-              <a:t>)</a:t>
-            </a:r>
-          </a:p>
-          <a:p>
-            <a:endParaRPr lang="en-GB" sz="2200" dirty="0"/>
-          </a:p>
-          <a:p>
-            <a:endParaRPr lang="en-GB" sz="2200" dirty="0"/>
-          </a:p>
-          <a:p>
-            <a:pPr>
-              <a:buFont typeface="Wingdings" panose="05000000000000000000" pitchFamily="2" charset="2"/>
-              <a:buChar char="Ø"/>
-            </a:pPr>
-            <a:r>
-              <a:rPr lang="en-GB" sz="2400" dirty="0" err="1"/>
-              <a:t>Technológia</a:t>
-            </a:r>
-            <a:r>
-              <a:rPr lang="en-GB" sz="2400" dirty="0"/>
-              <a:t> </a:t>
-            </a:r>
-            <a:r>
-              <a:rPr lang="en-GB" sz="2400" dirty="0" err="1"/>
-              <a:t>sa</a:t>
-            </a:r>
-            <a:r>
-              <a:rPr lang="en-GB" sz="2400" dirty="0"/>
-              <a:t> </a:t>
-            </a:r>
-            <a:r>
-              <a:rPr lang="en-GB" sz="2400" dirty="0" err="1"/>
-              <a:t>posúva</a:t>
-            </a:r>
-            <a:r>
-              <a:rPr lang="en-GB" sz="2400" dirty="0"/>
-              <a:t> k DL </a:t>
-            </a:r>
-            <a:r>
-              <a:rPr lang="en-GB" sz="2400" dirty="0" err="1"/>
-              <a:t>ovládačom</a:t>
-            </a:r>
-            <a:r>
-              <a:rPr lang="en-GB" sz="2400" dirty="0"/>
-              <a:t> – </a:t>
-            </a:r>
-            <a:r>
-              <a:rPr lang="en-GB" sz="2400" dirty="0" err="1"/>
-              <a:t>použitie</a:t>
-            </a:r>
-            <a:r>
-              <a:rPr lang="en-GB" sz="2400" dirty="0"/>
-              <a:t> End2End a DRL </a:t>
-            </a:r>
-            <a:r>
-              <a:rPr lang="en-GB" sz="2400" dirty="0" err="1"/>
-              <a:t>softvérových</a:t>
-            </a:r>
-            <a:r>
-              <a:rPr lang="en-GB" sz="2400" dirty="0"/>
-              <a:t> </a:t>
-            </a:r>
-            <a:r>
-              <a:rPr lang="en-GB" sz="2400" dirty="0" err="1"/>
-              <a:t>modelov</a:t>
-            </a:r>
-            <a:endParaRPr lang="en-GB" sz="2400" dirty="0"/>
-          </a:p>
-        </p:txBody>
-      </p:sp>
-    </p:spTree>
-    <p:extLst>
-      <p:ext uri="{BB962C8B-B14F-4D97-AF65-F5344CB8AC3E}">
-        <p14:creationId xmlns:p14="http://schemas.microsoft.com/office/powerpoint/2010/main" val="3383076510"/>
-      </p:ext>
-    </p:extLst>
-  </p:cSld>
-  <p:clrMapOvr>
-    <a:masterClrMapping/>
-  </p:clrMapOvr>
-</p:sld>
-</file>
-
-<file path=ppt/slides/slide14.xml><?xml version="1.0" encoding="utf-8"?>
-<p:sld xmlns:a="http://schemas.openxmlformats.org/drawingml/2006/main" xmlns:r="http://schemas.openxmlformats.org/officeDocument/2006/relationships" xmlns:p="http://schemas.openxmlformats.org/presentationml/2006/main">
-  <p:cSld>
-    <p:bg>
-      <p:bgPr>
-        <a:solidFill>
-          <a:schemeClr val="bg1"/>
-        </a:solidFill>
-        <a:effectLst/>
-      </p:bgPr>
-    </p:bg>
-    <p:spTree>
-      <p:nvGrpSpPr>
-        <p:cNvPr id="1" name=""/>
-        <p:cNvGrpSpPr/>
-        <p:nvPr/>
-      </p:nvGrpSpPr>
-      <p:grpSpPr>
-        <a:xfrm>
-          <a:off x="0" y="0"/>
-          <a:ext cx="0" cy="0"/>
-          <a:chOff x="0" y="0"/>
-          <a:chExt cx="0" cy="0"/>
-        </a:xfrm>
-      </p:grpSpPr>
-      <p:sp useBgFill="1">
-        <p:nvSpPr>
-          <p:cNvPr id="8" name="Rectangle 7">
-            <a:extLst>
-              <a:ext uri="{FF2B5EF4-FFF2-40B4-BE49-F238E27FC236}">
-                <a16:creationId xmlns:a16="http://schemas.microsoft.com/office/drawing/2014/main" id="{100EDD19-6802-4EC3-95CE-CFFAB042CFD6}"/>
-              </a:ext>
-              <a:ext uri="{C183D7F6-B498-43B3-948B-1728B52AA6E4}">
-                <adec:decorative xmlns:adec="http://schemas.microsoft.com/office/drawing/2017/decorative" val="1"/>
-              </a:ext>
-            </a:extLst>
-          </p:cNvPr>
-          <p:cNvSpPr>
-            <a:spLocks noGrp="1" noRot="1" noChangeAspect="1" noMove="1" noResize="1" noEditPoints="1" noAdjustHandles="1" noChangeArrowheads="1" noChangeShapeType="1" noTextEdit="1"/>
-          </p:cNvSpPr>
-          <p:nvPr>
-            <p:extLst>
-              <p:ext uri="{386F3935-93C4-4BCD-93E2-E3B085C9AB24}">
-                <p16:designElem xmlns:p16="http://schemas.microsoft.com/office/powerpoint/2015/main" val="1"/>
-              </p:ext>
-            </p:extLst>
-          </p:nvPr>
-        </p:nvSpPr>
-        <p:spPr>
-          <a:xfrm>
-            <a:off x="0" y="0"/>
-            <a:ext cx="12188952" cy="6858000"/>
-          </a:xfrm>
-          <a:prstGeom prst="rect">
-            <a:avLst/>
-          </a:prstGeom>
-          <a:ln>
-            <a:noFill/>
-          </a:ln>
-        </p:spPr>
-        <p:style>
-          <a:lnRef idx="2">
-            <a:schemeClr val="accent1">
-              <a:shade val="50000"/>
-            </a:schemeClr>
-          </a:lnRef>
-          <a:fillRef idx="1">
-            <a:schemeClr val="accent1"/>
-          </a:fillRef>
-          <a:effectRef idx="0">
-            <a:schemeClr val="accent1"/>
-          </a:effectRef>
-          <a:fontRef idx="minor">
-            <a:schemeClr val="lt1"/>
-          </a:fontRef>
-        </p:style>
-        <p:txBody>
-          <a:bodyPr rtlCol="0" anchor="ctr"/>
-          <a:lstStyle/>
-          <a:p>
-            <a:pPr algn="ctr"/>
-            <a:endParaRPr lang="en-US"/>
-          </a:p>
-        </p:txBody>
-      </p:sp>
-      <p:sp>
-        <p:nvSpPr>
-          <p:cNvPr id="2" name="Title 1">
-            <a:extLst>
-              <a:ext uri="{FF2B5EF4-FFF2-40B4-BE49-F238E27FC236}">
-                <a16:creationId xmlns:a16="http://schemas.microsoft.com/office/drawing/2014/main" id="{B91180C2-5B0E-4A00-9DDC-95E5210300BE}"/>
-              </a:ext>
-            </a:extLst>
-          </p:cNvPr>
-          <p:cNvSpPr>
-            <a:spLocks noGrp="1"/>
-          </p:cNvSpPr>
-          <p:nvPr>
-            <p:ph type="title"/>
-          </p:nvPr>
-        </p:nvSpPr>
-        <p:spPr>
-          <a:xfrm>
-            <a:off x="838200" y="365125"/>
-            <a:ext cx="10515600" cy="1325563"/>
-          </a:xfrm>
-        </p:spPr>
-        <p:txBody>
-          <a:bodyPr>
-            <a:normAutofit/>
-          </a:bodyPr>
-          <a:lstStyle/>
-          <a:p>
-            <a:r>
-              <a:rPr lang="en-GB" sz="5400" b="1" dirty="0" err="1"/>
-              <a:t>Zdroje</a:t>
-            </a:r>
-            <a:r>
-              <a:rPr lang="en-GB" sz="5400" b="1" dirty="0"/>
-              <a:t>:</a:t>
-            </a:r>
-          </a:p>
-        </p:txBody>
-      </p:sp>
-      <p:sp>
-        <p:nvSpPr>
-          <p:cNvPr id="10" name="sketch line">
-            <a:extLst>
-              <a:ext uri="{FF2B5EF4-FFF2-40B4-BE49-F238E27FC236}">
-                <a16:creationId xmlns:a16="http://schemas.microsoft.com/office/drawing/2014/main" id="{DB17E863-922E-4C26-BD64-E8FD41D28661}"/>
-              </a:ext>
-              <a:ext uri="{C183D7F6-B498-43B3-948B-1728B52AA6E4}">
-                <adec:decorative xmlns:adec="http://schemas.microsoft.com/office/drawing/2017/decorative" val="1"/>
-              </a:ext>
-            </a:extLst>
-          </p:cNvPr>
-          <p:cNvSpPr>
-            <a:spLocks noGrp="1" noRot="1" noChangeAspect="1" noMove="1" noResize="1" noEditPoints="1" noAdjustHandles="1" noChangeArrowheads="1" noChangeShapeType="1" noTextEdit="1"/>
-          </p:cNvSpPr>
-          <p:nvPr>
-            <p:extLst>
-              <p:ext uri="{386F3935-93C4-4BCD-93E2-E3B085C9AB24}">
-                <p16:designElem xmlns:p16="http://schemas.microsoft.com/office/powerpoint/2015/main" val="1"/>
-              </p:ext>
-            </p:extLst>
-          </p:nvPr>
-        </p:nvSpPr>
-        <p:spPr>
-          <a:xfrm>
-            <a:off x="669036" y="1677373"/>
-            <a:ext cx="10853928" cy="18288"/>
-          </a:xfrm>
-          <a:custGeom>
-            <a:avLst/>
-            <a:gdLst>
-              <a:gd name="connsiteX0" fmla="*/ 0 w 10853928"/>
-              <a:gd name="connsiteY0" fmla="*/ 0 h 18288"/>
-              <a:gd name="connsiteX1" fmla="*/ 461292 w 10853928"/>
-              <a:gd name="connsiteY1" fmla="*/ 0 h 18288"/>
-              <a:gd name="connsiteX2" fmla="*/ 1139662 w 10853928"/>
-              <a:gd name="connsiteY2" fmla="*/ 0 h 18288"/>
-              <a:gd name="connsiteX3" fmla="*/ 1926572 w 10853928"/>
-              <a:gd name="connsiteY3" fmla="*/ 0 h 18288"/>
-              <a:gd name="connsiteX4" fmla="*/ 2279325 w 10853928"/>
-              <a:gd name="connsiteY4" fmla="*/ 0 h 18288"/>
-              <a:gd name="connsiteX5" fmla="*/ 2632078 w 10853928"/>
-              <a:gd name="connsiteY5" fmla="*/ 0 h 18288"/>
-              <a:gd name="connsiteX6" fmla="*/ 3527527 w 10853928"/>
-              <a:gd name="connsiteY6" fmla="*/ 0 h 18288"/>
-              <a:gd name="connsiteX7" fmla="*/ 4205897 w 10853928"/>
-              <a:gd name="connsiteY7" fmla="*/ 0 h 18288"/>
-              <a:gd name="connsiteX8" fmla="*/ 4558650 w 10853928"/>
-              <a:gd name="connsiteY8" fmla="*/ 0 h 18288"/>
-              <a:gd name="connsiteX9" fmla="*/ 5237020 w 10853928"/>
-              <a:gd name="connsiteY9" fmla="*/ 0 h 18288"/>
-              <a:gd name="connsiteX10" fmla="*/ 6132469 w 10853928"/>
-              <a:gd name="connsiteY10" fmla="*/ 0 h 18288"/>
-              <a:gd name="connsiteX11" fmla="*/ 6702301 w 10853928"/>
-              <a:gd name="connsiteY11" fmla="*/ 0 h 18288"/>
-              <a:gd name="connsiteX12" fmla="*/ 7272132 w 10853928"/>
-              <a:gd name="connsiteY12" fmla="*/ 0 h 18288"/>
-              <a:gd name="connsiteX13" fmla="*/ 7950502 w 10853928"/>
-              <a:gd name="connsiteY13" fmla="*/ 0 h 18288"/>
-              <a:gd name="connsiteX14" fmla="*/ 8737412 w 10853928"/>
-              <a:gd name="connsiteY14" fmla="*/ 0 h 18288"/>
-              <a:gd name="connsiteX15" fmla="*/ 9524322 w 10853928"/>
-              <a:gd name="connsiteY15" fmla="*/ 0 h 18288"/>
-              <a:gd name="connsiteX16" fmla="*/ 10853928 w 10853928"/>
-              <a:gd name="connsiteY16" fmla="*/ 0 h 18288"/>
-              <a:gd name="connsiteX17" fmla="*/ 10853928 w 10853928"/>
-              <a:gd name="connsiteY17" fmla="*/ 18288 h 18288"/>
-              <a:gd name="connsiteX18" fmla="*/ 10392636 w 10853928"/>
-              <a:gd name="connsiteY18" fmla="*/ 18288 h 18288"/>
-              <a:gd name="connsiteX19" fmla="*/ 9497187 w 10853928"/>
-              <a:gd name="connsiteY19" fmla="*/ 18288 h 18288"/>
-              <a:gd name="connsiteX20" fmla="*/ 8818817 w 10853928"/>
-              <a:gd name="connsiteY20" fmla="*/ 18288 h 18288"/>
-              <a:gd name="connsiteX21" fmla="*/ 8466064 w 10853928"/>
-              <a:gd name="connsiteY21" fmla="*/ 18288 h 18288"/>
-              <a:gd name="connsiteX22" fmla="*/ 7787693 w 10853928"/>
-              <a:gd name="connsiteY22" fmla="*/ 18288 h 18288"/>
-              <a:gd name="connsiteX23" fmla="*/ 7217862 w 10853928"/>
-              <a:gd name="connsiteY23" fmla="*/ 18288 h 18288"/>
-              <a:gd name="connsiteX24" fmla="*/ 6648031 w 10853928"/>
-              <a:gd name="connsiteY24" fmla="*/ 18288 h 18288"/>
-              <a:gd name="connsiteX25" fmla="*/ 6078200 w 10853928"/>
-              <a:gd name="connsiteY25" fmla="*/ 18288 h 18288"/>
-              <a:gd name="connsiteX26" fmla="*/ 5508368 w 10853928"/>
-              <a:gd name="connsiteY26" fmla="*/ 18288 h 18288"/>
-              <a:gd name="connsiteX27" fmla="*/ 4721459 w 10853928"/>
-              <a:gd name="connsiteY27" fmla="*/ 18288 h 18288"/>
-              <a:gd name="connsiteX28" fmla="*/ 4043088 w 10853928"/>
-              <a:gd name="connsiteY28" fmla="*/ 18288 h 18288"/>
-              <a:gd name="connsiteX29" fmla="*/ 3690336 w 10853928"/>
-              <a:gd name="connsiteY29" fmla="*/ 18288 h 18288"/>
-              <a:gd name="connsiteX30" fmla="*/ 3120504 w 10853928"/>
-              <a:gd name="connsiteY30" fmla="*/ 18288 h 18288"/>
-              <a:gd name="connsiteX31" fmla="*/ 2333595 w 10853928"/>
-              <a:gd name="connsiteY31" fmla="*/ 18288 h 18288"/>
-              <a:gd name="connsiteX32" fmla="*/ 1872303 w 10853928"/>
-              <a:gd name="connsiteY32" fmla="*/ 18288 h 18288"/>
-              <a:gd name="connsiteX33" fmla="*/ 976854 w 10853928"/>
-              <a:gd name="connsiteY33" fmla="*/ 18288 h 18288"/>
-              <a:gd name="connsiteX34" fmla="*/ 0 w 10853928"/>
-              <a:gd name="connsiteY34" fmla="*/ 18288 h 18288"/>
-              <a:gd name="connsiteX35" fmla="*/ 0 w 10853928"/>
-              <a:gd name="connsiteY35" fmla="*/ 0 h 18288"/>
-            </a:gdLst>
-            <a:ahLst/>
-            <a:cxnLst>
-              <a:cxn ang="0">
-                <a:pos x="connsiteX0" y="connsiteY0"/>
-              </a:cxn>
-              <a:cxn ang="0">
-                <a:pos x="connsiteX1" y="connsiteY1"/>
-              </a:cxn>
-              <a:cxn ang="0">
-                <a:pos x="connsiteX2" y="connsiteY2"/>
-              </a:cxn>
-              <a:cxn ang="0">
-                <a:pos x="connsiteX3" y="connsiteY3"/>
-              </a:cxn>
-              <a:cxn ang="0">
-                <a:pos x="connsiteX4" y="connsiteY4"/>
-              </a:cxn>
-              <a:cxn ang="0">
-                <a:pos x="connsiteX5" y="connsiteY5"/>
-              </a:cxn>
-              <a:cxn ang="0">
-                <a:pos x="connsiteX6" y="connsiteY6"/>
-              </a:cxn>
-              <a:cxn ang="0">
-                <a:pos x="connsiteX7" y="connsiteY7"/>
-              </a:cxn>
-              <a:cxn ang="0">
-                <a:pos x="connsiteX8" y="connsiteY8"/>
-              </a:cxn>
-              <a:cxn ang="0">
-                <a:pos x="connsiteX9" y="connsiteY9"/>
-              </a:cxn>
-              <a:cxn ang="0">
-                <a:pos x="connsiteX10" y="connsiteY10"/>
-              </a:cxn>
-              <a:cxn ang="0">
-                <a:pos x="connsiteX11" y="connsiteY11"/>
-              </a:cxn>
-              <a:cxn ang="0">
-                <a:pos x="connsiteX12" y="connsiteY12"/>
-              </a:cxn>
-              <a:cxn ang="0">
-                <a:pos x="connsiteX13" y="connsiteY13"/>
-              </a:cxn>
-              <a:cxn ang="0">
-                <a:pos x="connsiteX14" y="connsiteY14"/>
-              </a:cxn>
-              <a:cxn ang="0">
-                <a:pos x="connsiteX15" y="connsiteY15"/>
-              </a:cxn>
-              <a:cxn ang="0">
-                <a:pos x="connsiteX16" y="connsiteY16"/>
-              </a:cxn>
-              <a:cxn ang="0">
-                <a:pos x="connsiteX17" y="connsiteY17"/>
-              </a:cxn>
-              <a:cxn ang="0">
-                <a:pos x="connsiteX18" y="connsiteY18"/>
-              </a:cxn>
-              <a:cxn ang="0">
-                <a:pos x="connsiteX19" y="connsiteY19"/>
-              </a:cxn>
-              <a:cxn ang="0">
-                <a:pos x="connsiteX20" y="connsiteY20"/>
-              </a:cxn>
-              <a:cxn ang="0">
-                <a:pos x="connsiteX21" y="connsiteY21"/>
-              </a:cxn>
-              <a:cxn ang="0">
-                <a:pos x="connsiteX22" y="connsiteY22"/>
-              </a:cxn>
-              <a:cxn ang="0">
-                <a:pos x="connsiteX23" y="connsiteY23"/>
-              </a:cxn>
-              <a:cxn ang="0">
-                <a:pos x="connsiteX24" y="connsiteY24"/>
-              </a:cxn>
-              <a:cxn ang="0">
-                <a:pos x="connsiteX25" y="connsiteY25"/>
-              </a:cxn>
-              <a:cxn ang="0">
-                <a:pos x="connsiteX26" y="connsiteY26"/>
-              </a:cxn>
-              <a:cxn ang="0">
-                <a:pos x="connsiteX27" y="connsiteY27"/>
-              </a:cxn>
-              <a:cxn ang="0">
-                <a:pos x="connsiteX28" y="connsiteY28"/>
-              </a:cxn>
-              <a:cxn ang="0">
-                <a:pos x="connsiteX29" y="connsiteY29"/>
-              </a:cxn>
-              <a:cxn ang="0">
-                <a:pos x="connsiteX30" y="connsiteY30"/>
-              </a:cxn>
-              <a:cxn ang="0">
-                <a:pos x="connsiteX31" y="connsiteY31"/>
-              </a:cxn>
-              <a:cxn ang="0">
-                <a:pos x="connsiteX32" y="connsiteY32"/>
-              </a:cxn>
-              <a:cxn ang="0">
-                <a:pos x="connsiteX33" y="connsiteY33"/>
-              </a:cxn>
-              <a:cxn ang="0">
-                <a:pos x="connsiteX34" y="connsiteY34"/>
-              </a:cxn>
-              <a:cxn ang="0">
-                <a:pos x="connsiteX35" y="connsiteY35"/>
-              </a:cxn>
-            </a:cxnLst>
-            <a:rect l="l" t="t" r="r" b="b"/>
-            <a:pathLst>
-              <a:path w="10853928" h="18288" fill="none" extrusionOk="0">
-                <a:moveTo>
-                  <a:pt x="0" y="0"/>
-                </a:moveTo>
-                <a:cubicBezTo>
-                  <a:pt x="146993" y="-19076"/>
-                  <a:pt x="347684" y="-4790"/>
-                  <a:pt x="461292" y="0"/>
-                </a:cubicBezTo>
-                <a:cubicBezTo>
-                  <a:pt x="574900" y="4790"/>
-                  <a:pt x="808367" y="19821"/>
-                  <a:pt x="1139662" y="0"/>
-                </a:cubicBezTo>
-                <a:cubicBezTo>
-                  <a:pt x="1470957" y="-19821"/>
-                  <a:pt x="1627405" y="5721"/>
-                  <a:pt x="1926572" y="0"/>
-                </a:cubicBezTo>
-                <a:cubicBezTo>
-                  <a:pt x="2225739" y="-5721"/>
-                  <a:pt x="2137730" y="-3235"/>
-                  <a:pt x="2279325" y="0"/>
-                </a:cubicBezTo>
-                <a:cubicBezTo>
-                  <a:pt x="2420920" y="3235"/>
-                  <a:pt x="2456518" y="9685"/>
-                  <a:pt x="2632078" y="0"/>
-                </a:cubicBezTo>
-                <a:cubicBezTo>
-                  <a:pt x="2807638" y="-9685"/>
-                  <a:pt x="3211516" y="-43007"/>
-                  <a:pt x="3527527" y="0"/>
-                </a:cubicBezTo>
-                <a:cubicBezTo>
-                  <a:pt x="3843538" y="43007"/>
-                  <a:pt x="4058833" y="22042"/>
-                  <a:pt x="4205897" y="0"/>
-                </a:cubicBezTo>
-                <a:cubicBezTo>
-                  <a:pt x="4352961" y="-22042"/>
-                  <a:pt x="4474805" y="-11846"/>
-                  <a:pt x="4558650" y="0"/>
-                </a:cubicBezTo>
-                <a:cubicBezTo>
-                  <a:pt x="4642495" y="11846"/>
-                  <a:pt x="5041928" y="-6069"/>
-                  <a:pt x="5237020" y="0"/>
-                </a:cubicBezTo>
-                <a:cubicBezTo>
-                  <a:pt x="5432112" y="6069"/>
-                  <a:pt x="5943266" y="-17479"/>
-                  <a:pt x="6132469" y="0"/>
-                </a:cubicBezTo>
-                <a:cubicBezTo>
-                  <a:pt x="6321672" y="17479"/>
-                  <a:pt x="6483872" y="26234"/>
-                  <a:pt x="6702301" y="0"/>
-                </a:cubicBezTo>
-                <a:cubicBezTo>
-                  <a:pt x="6920730" y="-26234"/>
-                  <a:pt x="6991194" y="-15156"/>
-                  <a:pt x="7272132" y="0"/>
-                </a:cubicBezTo>
-                <a:cubicBezTo>
-                  <a:pt x="7553070" y="15156"/>
-                  <a:pt x="7684444" y="-32961"/>
-                  <a:pt x="7950502" y="0"/>
-                </a:cubicBezTo>
-                <a:cubicBezTo>
-                  <a:pt x="8216560" y="32961"/>
-                  <a:pt x="8493290" y="-10491"/>
-                  <a:pt x="8737412" y="0"/>
-                </a:cubicBezTo>
-                <a:cubicBezTo>
-                  <a:pt x="8981534" y="10491"/>
-                  <a:pt x="9191586" y="-13899"/>
-                  <a:pt x="9524322" y="0"/>
-                </a:cubicBezTo>
-                <a:cubicBezTo>
-                  <a:pt x="9857058" y="13899"/>
-                  <a:pt x="10297509" y="7485"/>
-                  <a:pt x="10853928" y="0"/>
-                </a:cubicBezTo>
-                <a:cubicBezTo>
-                  <a:pt x="10854574" y="4451"/>
-                  <a:pt x="10854418" y="9226"/>
-                  <a:pt x="10853928" y="18288"/>
-                </a:cubicBezTo>
-                <a:cubicBezTo>
-                  <a:pt x="10691638" y="28522"/>
-                  <a:pt x="10574319" y="29578"/>
-                  <a:pt x="10392636" y="18288"/>
-                </a:cubicBezTo>
-                <a:cubicBezTo>
-                  <a:pt x="10210953" y="6998"/>
-                  <a:pt x="9836277" y="-16742"/>
-                  <a:pt x="9497187" y="18288"/>
-                </a:cubicBezTo>
-                <a:cubicBezTo>
-                  <a:pt x="9158097" y="53318"/>
-                  <a:pt x="9119479" y="30714"/>
-                  <a:pt x="8818817" y="18288"/>
-                </a:cubicBezTo>
-                <a:cubicBezTo>
-                  <a:pt x="8518155" y="5863"/>
-                  <a:pt x="8640037" y="6483"/>
-                  <a:pt x="8466064" y="18288"/>
-                </a:cubicBezTo>
-                <a:cubicBezTo>
-                  <a:pt x="8292091" y="30093"/>
-                  <a:pt x="7997656" y="18914"/>
-                  <a:pt x="7787693" y="18288"/>
-                </a:cubicBezTo>
-                <a:cubicBezTo>
-                  <a:pt x="7577730" y="17662"/>
-                  <a:pt x="7412468" y="21416"/>
-                  <a:pt x="7217862" y="18288"/>
-                </a:cubicBezTo>
-                <a:cubicBezTo>
-                  <a:pt x="7023256" y="15160"/>
-                  <a:pt x="6898018" y="14824"/>
-                  <a:pt x="6648031" y="18288"/>
-                </a:cubicBezTo>
-                <a:cubicBezTo>
-                  <a:pt x="6398044" y="21752"/>
-                  <a:pt x="6254402" y="38625"/>
-                  <a:pt x="6078200" y="18288"/>
-                </a:cubicBezTo>
-                <a:cubicBezTo>
-                  <a:pt x="5901998" y="-2049"/>
-                  <a:pt x="5622886" y="3213"/>
-                  <a:pt x="5508368" y="18288"/>
-                </a:cubicBezTo>
-                <a:cubicBezTo>
-                  <a:pt x="5393850" y="33363"/>
-                  <a:pt x="5036260" y="26830"/>
-                  <a:pt x="4721459" y="18288"/>
-                </a:cubicBezTo>
-                <a:cubicBezTo>
-                  <a:pt x="4406658" y="9746"/>
-                  <a:pt x="4239221" y="41551"/>
-                  <a:pt x="4043088" y="18288"/>
-                </a:cubicBezTo>
-                <a:cubicBezTo>
-                  <a:pt x="3846955" y="-4975"/>
-                  <a:pt x="3818802" y="34658"/>
-                  <a:pt x="3690336" y="18288"/>
-                </a:cubicBezTo>
-                <a:cubicBezTo>
-                  <a:pt x="3561870" y="1918"/>
-                  <a:pt x="3265491" y="42194"/>
-                  <a:pt x="3120504" y="18288"/>
-                </a:cubicBezTo>
-                <a:cubicBezTo>
-                  <a:pt x="2975517" y="-5618"/>
-                  <a:pt x="2720254" y="36673"/>
-                  <a:pt x="2333595" y="18288"/>
-                </a:cubicBezTo>
-                <a:cubicBezTo>
-                  <a:pt x="1946936" y="-97"/>
-                  <a:pt x="2097241" y="5776"/>
-                  <a:pt x="1872303" y="18288"/>
-                </a:cubicBezTo>
-                <a:cubicBezTo>
-                  <a:pt x="1647365" y="30800"/>
-                  <a:pt x="1282708" y="45380"/>
-                  <a:pt x="976854" y="18288"/>
-                </a:cubicBezTo>
-                <a:cubicBezTo>
-                  <a:pt x="671000" y="-8804"/>
-                  <a:pt x="408401" y="-12775"/>
-                  <a:pt x="0" y="18288"/>
-                </a:cubicBezTo>
-                <a:cubicBezTo>
-                  <a:pt x="-213" y="9468"/>
-                  <a:pt x="187" y="4459"/>
-                  <a:pt x="0" y="0"/>
-                </a:cubicBezTo>
-                <a:close/>
-              </a:path>
-              <a:path w="10853928" h="18288" stroke="0" extrusionOk="0">
-                <a:moveTo>
-                  <a:pt x="0" y="0"/>
-                </a:moveTo>
-                <a:cubicBezTo>
-                  <a:pt x="267322" y="15284"/>
-                  <a:pt x="415388" y="-21048"/>
-                  <a:pt x="569831" y="0"/>
-                </a:cubicBezTo>
-                <a:cubicBezTo>
-                  <a:pt x="724274" y="21048"/>
-                  <a:pt x="769333" y="-2353"/>
-                  <a:pt x="922584" y="0"/>
-                </a:cubicBezTo>
-                <a:cubicBezTo>
-                  <a:pt x="1075835" y="2353"/>
-                  <a:pt x="1399490" y="-145"/>
-                  <a:pt x="1818033" y="0"/>
-                </a:cubicBezTo>
-                <a:cubicBezTo>
-                  <a:pt x="2236576" y="145"/>
-                  <a:pt x="2145330" y="5482"/>
-                  <a:pt x="2387864" y="0"/>
-                </a:cubicBezTo>
-                <a:cubicBezTo>
-                  <a:pt x="2630398" y="-5482"/>
-                  <a:pt x="2793207" y="18487"/>
-                  <a:pt x="2957695" y="0"/>
-                </a:cubicBezTo>
-                <a:cubicBezTo>
-                  <a:pt x="3122183" y="-18487"/>
-                  <a:pt x="3579141" y="19003"/>
-                  <a:pt x="3853144" y="0"/>
-                </a:cubicBezTo>
-                <a:cubicBezTo>
-                  <a:pt x="4127147" y="-19003"/>
-                  <a:pt x="4209857" y="12211"/>
-                  <a:pt x="4314436" y="0"/>
-                </a:cubicBezTo>
-                <a:cubicBezTo>
-                  <a:pt x="4419015" y="-12211"/>
-                  <a:pt x="4762459" y="-17220"/>
-                  <a:pt x="5209885" y="0"/>
-                </a:cubicBezTo>
-                <a:cubicBezTo>
-                  <a:pt x="5657311" y="17220"/>
-                  <a:pt x="5692663" y="-3290"/>
-                  <a:pt x="6105335" y="0"/>
-                </a:cubicBezTo>
-                <a:cubicBezTo>
-                  <a:pt x="6518007" y="3290"/>
-                  <a:pt x="6455516" y="-5124"/>
-                  <a:pt x="6783705" y="0"/>
-                </a:cubicBezTo>
-                <a:cubicBezTo>
-                  <a:pt x="7111894" y="5124"/>
-                  <a:pt x="7441941" y="-17829"/>
-                  <a:pt x="7679154" y="0"/>
-                </a:cubicBezTo>
-                <a:cubicBezTo>
-                  <a:pt x="7916367" y="17829"/>
-                  <a:pt x="8102967" y="-24363"/>
-                  <a:pt x="8248985" y="0"/>
-                </a:cubicBezTo>
-                <a:cubicBezTo>
-                  <a:pt x="8395003" y="24363"/>
-                  <a:pt x="8552393" y="25505"/>
-                  <a:pt x="8818817" y="0"/>
-                </a:cubicBezTo>
-                <a:cubicBezTo>
-                  <a:pt x="9085241" y="-25505"/>
-                  <a:pt x="9411308" y="38000"/>
-                  <a:pt x="9605726" y="0"/>
-                </a:cubicBezTo>
-                <a:cubicBezTo>
-                  <a:pt x="9800144" y="-38000"/>
-                  <a:pt x="10006468" y="-25741"/>
-                  <a:pt x="10175558" y="0"/>
-                </a:cubicBezTo>
-                <a:cubicBezTo>
-                  <a:pt x="10344648" y="25741"/>
-                  <a:pt x="10696282" y="695"/>
-                  <a:pt x="10853928" y="0"/>
-                </a:cubicBezTo>
-                <a:cubicBezTo>
-                  <a:pt x="10853521" y="8690"/>
-                  <a:pt x="10853774" y="14141"/>
-                  <a:pt x="10853928" y="18288"/>
-                </a:cubicBezTo>
-                <a:cubicBezTo>
-                  <a:pt x="10608124" y="24255"/>
-                  <a:pt x="10343415" y="22307"/>
-                  <a:pt x="10067018" y="18288"/>
-                </a:cubicBezTo>
-                <a:cubicBezTo>
-                  <a:pt x="9790621" y="14270"/>
-                  <a:pt x="9843266" y="3564"/>
-                  <a:pt x="9714266" y="18288"/>
-                </a:cubicBezTo>
-                <a:cubicBezTo>
-                  <a:pt x="9585266" y="33012"/>
-                  <a:pt x="9379484" y="1875"/>
-                  <a:pt x="9252974" y="18288"/>
-                </a:cubicBezTo>
-                <a:cubicBezTo>
-                  <a:pt x="9126464" y="34701"/>
-                  <a:pt x="8580678" y="-4904"/>
-                  <a:pt x="8357525" y="18288"/>
-                </a:cubicBezTo>
-                <a:cubicBezTo>
-                  <a:pt x="8134372" y="41480"/>
-                  <a:pt x="7903199" y="26458"/>
-                  <a:pt x="7679154" y="18288"/>
-                </a:cubicBezTo>
-                <a:cubicBezTo>
-                  <a:pt x="7455109" y="10118"/>
-                  <a:pt x="7435944" y="27109"/>
-                  <a:pt x="7217862" y="18288"/>
-                </a:cubicBezTo>
-                <a:cubicBezTo>
-                  <a:pt x="6999780" y="9467"/>
-                  <a:pt x="6680409" y="18985"/>
-                  <a:pt x="6539492" y="18288"/>
-                </a:cubicBezTo>
-                <a:cubicBezTo>
-                  <a:pt x="6398575" y="17592"/>
-                  <a:pt x="6312077" y="33018"/>
-                  <a:pt x="6186739" y="18288"/>
-                </a:cubicBezTo>
-                <a:cubicBezTo>
-                  <a:pt x="6061401" y="3558"/>
-                  <a:pt x="5947033" y="12075"/>
-                  <a:pt x="5833986" y="18288"/>
-                </a:cubicBezTo>
-                <a:cubicBezTo>
-                  <a:pt x="5720939" y="24501"/>
-                  <a:pt x="5482226" y="8586"/>
-                  <a:pt x="5155616" y="18288"/>
-                </a:cubicBezTo>
-                <a:cubicBezTo>
-                  <a:pt x="4829006" y="27991"/>
-                  <a:pt x="4841274" y="29316"/>
-                  <a:pt x="4694324" y="18288"/>
-                </a:cubicBezTo>
-                <a:cubicBezTo>
-                  <a:pt x="4547374" y="7260"/>
-                  <a:pt x="4077675" y="7013"/>
-                  <a:pt x="3907414" y="18288"/>
-                </a:cubicBezTo>
-                <a:cubicBezTo>
-                  <a:pt x="3737153" y="29564"/>
-                  <a:pt x="3538393" y="21630"/>
-                  <a:pt x="3446122" y="18288"/>
-                </a:cubicBezTo>
-                <a:cubicBezTo>
-                  <a:pt x="3353851" y="14946"/>
-                  <a:pt x="2990320" y="-8091"/>
-                  <a:pt x="2659212" y="18288"/>
-                </a:cubicBezTo>
-                <a:cubicBezTo>
-                  <a:pt x="2328104" y="44667"/>
-                  <a:pt x="2427653" y="9607"/>
-                  <a:pt x="2306460" y="18288"/>
-                </a:cubicBezTo>
-                <a:cubicBezTo>
-                  <a:pt x="2185267" y="26969"/>
-                  <a:pt x="1719763" y="3717"/>
-                  <a:pt x="1519550" y="18288"/>
-                </a:cubicBezTo>
-                <a:cubicBezTo>
-                  <a:pt x="1319337" y="32860"/>
-                  <a:pt x="1167371" y="17040"/>
-                  <a:pt x="1058258" y="18288"/>
-                </a:cubicBezTo>
-                <a:cubicBezTo>
-                  <a:pt x="949145" y="19536"/>
-                  <a:pt x="780234" y="31447"/>
-                  <a:pt x="705505" y="18288"/>
-                </a:cubicBezTo>
-                <a:cubicBezTo>
-                  <a:pt x="630776" y="5129"/>
-                  <a:pt x="215796" y="30056"/>
-                  <a:pt x="0" y="18288"/>
-                </a:cubicBezTo>
-                <a:cubicBezTo>
-                  <a:pt x="-53" y="11301"/>
-                  <a:pt x="-649" y="7756"/>
-                  <a:pt x="0" y="0"/>
-                </a:cubicBezTo>
-                <a:close/>
-              </a:path>
-            </a:pathLst>
-          </a:custGeom>
-          <a:solidFill>
-            <a:schemeClr val="accent2"/>
-          </a:solidFill>
-          <a:ln w="41275" cap="rnd">
-            <a:solidFill>
-              <a:schemeClr val="accent2"/>
-            </a:solidFill>
-            <a:round/>
-            <a:extLst>
-              <a:ext uri="{C807C97D-BFC1-408E-A445-0C87EB9F89A2}">
-                <ask:lineSketchStyleProps xmlns:ask="http://schemas.microsoft.com/office/drawing/2018/sketchyshapes" sd="1219033472">
-                  <a:prstGeom prst="rect">
-                    <a:avLst/>
-                  </a:prstGeom>
-                  <ask:type>
-                    <ask:lineSketchFreehand/>
-                  </ask:type>
-                </ask:lineSketchStyleProps>
-              </a:ext>
-            </a:extLst>
-          </a:ln>
-        </p:spPr>
-        <p:style>
-          <a:lnRef idx="2">
-            <a:schemeClr val="accent1">
-              <a:shade val="50000"/>
-            </a:schemeClr>
-          </a:lnRef>
-          <a:fillRef idx="1">
-            <a:schemeClr val="accent1"/>
-          </a:fillRef>
-          <a:effectRef idx="0">
-            <a:schemeClr val="accent1"/>
-          </a:effectRef>
-          <a:fontRef idx="minor">
-            <a:schemeClr val="lt1"/>
-          </a:fontRef>
-        </p:style>
-        <p:txBody>
-          <a:bodyPr rtlCol="0" anchor="ctr"/>
-          <a:lstStyle/>
-          <a:p>
-            <a:pPr algn="ctr"/>
-            <a:endParaRPr lang="en-US"/>
-          </a:p>
-        </p:txBody>
-      </p:sp>
-      <p:sp>
-        <p:nvSpPr>
-          <p:cNvPr id="3" name="Content Placeholder 2">
-            <a:extLst>
-              <a:ext uri="{FF2B5EF4-FFF2-40B4-BE49-F238E27FC236}">
                 <a16:creationId xmlns:a16="http://schemas.microsoft.com/office/drawing/2014/main" id="{CC3A52C1-4B8D-404A-BD47-9AA2CFA45820}"/>
               </a:ext>
             </a:extLst>
@@ -12667,90 +11605,6 @@
 </file>
 
 <file path=ppt/slides/slide2.xml><?xml version="1.0" encoding="utf-8"?>
-<p:sld xmlns:a="http://schemas.openxmlformats.org/drawingml/2006/main" xmlns:r="http://schemas.openxmlformats.org/officeDocument/2006/relationships" xmlns:p="http://schemas.openxmlformats.org/presentationml/2006/main">
-  <p:cSld>
-    <p:spTree>
-      <p:nvGrpSpPr>
-        <p:cNvPr id="1" name=""/>
-        <p:cNvGrpSpPr/>
-        <p:nvPr/>
-      </p:nvGrpSpPr>
-      <p:grpSpPr>
-        <a:xfrm>
-          <a:off x="0" y="0"/>
-          <a:ext cx="0" cy="0"/>
-          <a:chOff x="0" y="0"/>
-          <a:chExt cx="0" cy="0"/>
-        </a:xfrm>
-      </p:grpSpPr>
-      <p:sp>
-        <p:nvSpPr>
-          <p:cNvPr id="2" name="Title 1">
-            <a:extLst>
-              <a:ext uri="{FF2B5EF4-FFF2-40B4-BE49-F238E27FC236}">
-                <a16:creationId xmlns:a16="http://schemas.microsoft.com/office/drawing/2014/main" id="{CA072AC4-9AF1-45BA-908E-6474F9B8EEBF}"/>
-              </a:ext>
-            </a:extLst>
-          </p:cNvPr>
-          <p:cNvSpPr>
-            <a:spLocks noGrp="1"/>
-          </p:cNvSpPr>
-          <p:nvPr>
-            <p:ph type="title"/>
-          </p:nvPr>
-        </p:nvSpPr>
-        <p:spPr/>
-        <p:txBody>
-          <a:bodyPr/>
-          <a:lstStyle/>
-          <a:p>
-            <a:r>
-              <a:rPr lang="en-GB" b="1" dirty="0" err="1"/>
-              <a:t>Úvod</a:t>
-            </a:r>
-            <a:endParaRPr lang="en-GB" b="1" dirty="0"/>
-          </a:p>
-        </p:txBody>
-      </p:sp>
-      <p:sp>
-        <p:nvSpPr>
-          <p:cNvPr id="3" name="Content Placeholder 2">
-            <a:extLst>
-              <a:ext uri="{FF2B5EF4-FFF2-40B4-BE49-F238E27FC236}">
-                <a16:creationId xmlns:a16="http://schemas.microsoft.com/office/drawing/2014/main" id="{9960FEB5-6469-42AD-91FA-7CE03C95769B}"/>
-              </a:ext>
-            </a:extLst>
-          </p:cNvPr>
-          <p:cNvSpPr>
-            <a:spLocks noGrp="1"/>
-          </p:cNvSpPr>
-          <p:nvPr>
-            <p:ph idx="1"/>
-          </p:nvPr>
-        </p:nvSpPr>
-        <p:spPr/>
-        <p:txBody>
-          <a:bodyPr/>
-          <a:lstStyle/>
-          <a:p>
-            <a:endParaRPr lang="en-GB" dirty="0"/>
-          </a:p>
-        </p:txBody>
-      </p:sp>
-    </p:spTree>
-    <p:extLst>
-      <p:ext uri="{BB962C8B-B14F-4D97-AF65-F5344CB8AC3E}">
-        <p14:creationId xmlns:p14="http://schemas.microsoft.com/office/powerpoint/2010/main" val="3882917144"/>
-      </p:ext>
-    </p:extLst>
-  </p:cSld>
-  <p:clrMapOvr>
-    <a:masterClrMapping/>
-  </p:clrMapOvr>
-</p:sld>
-</file>
-
-<file path=ppt/slides/slide3.xml><?xml version="1.0" encoding="utf-8"?>
 <p:sld xmlns:a="http://schemas.openxmlformats.org/drawingml/2006/main" xmlns:r="http://schemas.openxmlformats.org/officeDocument/2006/relationships" xmlns:p="http://schemas.openxmlformats.org/presentationml/2006/main">
   <p:cSld>
     <p:bg>
@@ -12964,7 +11818,7 @@
 </p:sld>
 </file>
 
-<file path=ppt/slides/slide4.xml><?xml version="1.0" encoding="utf-8"?>
+<file path=ppt/slides/slide3.xml><?xml version="1.0" encoding="utf-8"?>
 <p:sld xmlns:a="http://schemas.openxmlformats.org/drawingml/2006/main" xmlns:r="http://schemas.openxmlformats.org/officeDocument/2006/relationships" xmlns:p="http://schemas.openxmlformats.org/presentationml/2006/main">
   <p:cSld>
     <p:bg>
@@ -13783,7 +12637,7 @@
 </p:sld>
 </file>
 
-<file path=ppt/slides/slide5.xml><?xml version="1.0" encoding="utf-8"?>
+<file path=ppt/slides/slide4.xml><?xml version="1.0" encoding="utf-8"?>
 <p:sld xmlns:a="http://schemas.openxmlformats.org/drawingml/2006/main" xmlns:r="http://schemas.openxmlformats.org/officeDocument/2006/relationships" xmlns:p="http://schemas.openxmlformats.org/presentationml/2006/main">
   <p:cSld>
     <p:bg>
@@ -16412,6 +15266,594 @@
 </p:sld>
 </file>
 
+<file path=ppt/slides/slide5.xml><?xml version="1.0" encoding="utf-8"?>
+<p:sld xmlns:a="http://schemas.openxmlformats.org/drawingml/2006/main" xmlns:r="http://schemas.openxmlformats.org/officeDocument/2006/relationships" xmlns:p="http://schemas.openxmlformats.org/presentationml/2006/main">
+  <p:cSld>
+    <p:bg>
+      <p:bgPr>
+        <a:solidFill>
+          <a:schemeClr val="bg1"/>
+        </a:solidFill>
+        <a:effectLst/>
+      </p:bgPr>
+    </p:bg>
+    <p:spTree>
+      <p:nvGrpSpPr>
+        <p:cNvPr id="1" name=""/>
+        <p:cNvGrpSpPr/>
+        <p:nvPr/>
+      </p:nvGrpSpPr>
+      <p:grpSpPr>
+        <a:xfrm>
+          <a:off x="0" y="0"/>
+          <a:ext cx="0" cy="0"/>
+          <a:chOff x="0" y="0"/>
+          <a:chExt cx="0" cy="0"/>
+        </a:xfrm>
+      </p:grpSpPr>
+      <p:sp useBgFill="1">
+        <p:nvSpPr>
+          <p:cNvPr id="8" name="Rectangle 7">
+            <a:extLst>
+              <a:ext uri="{FF2B5EF4-FFF2-40B4-BE49-F238E27FC236}">
+                <a16:creationId xmlns:a16="http://schemas.microsoft.com/office/drawing/2014/main" id="{907EF6B7-1338-4443-8C46-6A318D952DFD}"/>
+              </a:ext>
+              <a:ext uri="{C183D7F6-B498-43B3-948B-1728B52AA6E4}">
+                <adec:decorative xmlns:adec="http://schemas.microsoft.com/office/drawing/2017/decorative" val="1"/>
+              </a:ext>
+            </a:extLst>
+          </p:cNvPr>
+          <p:cNvSpPr>
+            <a:spLocks noGrp="1" noRot="1" noChangeAspect="1" noMove="1" noResize="1" noEditPoints="1" noAdjustHandles="1" noChangeArrowheads="1" noChangeShapeType="1" noTextEdit="1"/>
+          </p:cNvSpPr>
+          <p:nvPr>
+            <p:extLst>
+              <p:ext uri="{386F3935-93C4-4BCD-93E2-E3B085C9AB24}">
+                <p16:designElem xmlns:p16="http://schemas.microsoft.com/office/powerpoint/2015/main" val="1"/>
+              </p:ext>
+            </p:extLst>
+          </p:nvPr>
+        </p:nvSpPr>
+        <p:spPr>
+          <a:xfrm>
+            <a:off x="3048" y="0"/>
+            <a:ext cx="12188952" cy="6858000"/>
+          </a:xfrm>
+          <a:prstGeom prst="rect">
+            <a:avLst/>
+          </a:prstGeom>
+          <a:ln>
+            <a:noFill/>
+          </a:ln>
+        </p:spPr>
+        <p:style>
+          <a:lnRef idx="2">
+            <a:schemeClr val="accent1">
+              <a:shade val="50000"/>
+            </a:schemeClr>
+          </a:lnRef>
+          <a:fillRef idx="1">
+            <a:schemeClr val="accent1"/>
+          </a:fillRef>
+          <a:effectRef idx="0">
+            <a:schemeClr val="accent1"/>
+          </a:effectRef>
+          <a:fontRef idx="minor">
+            <a:schemeClr val="lt1"/>
+          </a:fontRef>
+        </p:style>
+        <p:txBody>
+          <a:bodyPr rtlCol="0" anchor="ctr"/>
+          <a:lstStyle/>
+          <a:p>
+            <a:pPr algn="ctr"/>
+            <a:endParaRPr lang="en-US"/>
+          </a:p>
+        </p:txBody>
+      </p:sp>
+      <p:sp>
+        <p:nvSpPr>
+          <p:cNvPr id="10" name="Freeform: Shape 9">
+            <a:extLst>
+              <a:ext uri="{FF2B5EF4-FFF2-40B4-BE49-F238E27FC236}">
+                <a16:creationId xmlns:a16="http://schemas.microsoft.com/office/drawing/2014/main" id="{DAAE4CDD-124C-4DCF-9584-B6033B545DD5}"/>
+              </a:ext>
+              <a:ext uri="{C183D7F6-B498-43B3-948B-1728B52AA6E4}">
+                <adec:decorative xmlns:adec="http://schemas.microsoft.com/office/drawing/2017/decorative" val="1"/>
+              </a:ext>
+            </a:extLst>
+          </p:cNvPr>
+          <p:cNvSpPr>
+            <a:spLocks noGrp="1" noRot="1" noChangeAspect="1" noMove="1" noResize="1" noEditPoints="1" noAdjustHandles="1" noChangeArrowheads="1" noChangeShapeType="1" noTextEdit="1"/>
+          </p:cNvSpPr>
+          <p:nvPr>
+            <p:extLst>
+              <p:ext uri="{386F3935-93C4-4BCD-93E2-E3B085C9AB24}">
+                <p16:designElem xmlns:p16="http://schemas.microsoft.com/office/powerpoint/2015/main" val="1"/>
+              </p:ext>
+            </p:extLst>
+          </p:nvPr>
+        </p:nvSpPr>
+        <p:spPr>
+          <a:xfrm>
+            <a:off x="1" y="0"/>
+            <a:ext cx="4167271" cy="6858000"/>
+          </a:xfrm>
+          <a:custGeom>
+            <a:avLst/>
+            <a:gdLst>
+              <a:gd name="connsiteX0" fmla="*/ 0 w 4167271"/>
+              <a:gd name="connsiteY0" fmla="*/ 0 h 6858000"/>
+              <a:gd name="connsiteX1" fmla="*/ 2259550 w 4167271"/>
+              <a:gd name="connsiteY1" fmla="*/ 0 h 6858000"/>
+              <a:gd name="connsiteX2" fmla="*/ 2387803 w 4167271"/>
+              <a:gd name="connsiteY2" fmla="*/ 82222 h 6858000"/>
+              <a:gd name="connsiteX3" fmla="*/ 4167271 w 4167271"/>
+              <a:gd name="connsiteY3" fmla="*/ 3429000 h 6858000"/>
+              <a:gd name="connsiteX4" fmla="*/ 2387803 w 4167271"/>
+              <a:gd name="connsiteY4" fmla="*/ 6775779 h 6858000"/>
+              <a:gd name="connsiteX5" fmla="*/ 2259550 w 4167271"/>
+              <a:gd name="connsiteY5" fmla="*/ 6858000 h 6858000"/>
+              <a:gd name="connsiteX6" fmla="*/ 0 w 4167271"/>
+              <a:gd name="connsiteY6" fmla="*/ 6858000 h 6858000"/>
+            </a:gdLst>
+            <a:ahLst/>
+            <a:cxnLst>
+              <a:cxn ang="0">
+                <a:pos x="connsiteX0" y="connsiteY0"/>
+              </a:cxn>
+              <a:cxn ang="0">
+                <a:pos x="connsiteX1" y="connsiteY1"/>
+              </a:cxn>
+              <a:cxn ang="0">
+                <a:pos x="connsiteX2" y="connsiteY2"/>
+              </a:cxn>
+              <a:cxn ang="0">
+                <a:pos x="connsiteX3" y="connsiteY3"/>
+              </a:cxn>
+              <a:cxn ang="0">
+                <a:pos x="connsiteX4" y="connsiteY4"/>
+              </a:cxn>
+              <a:cxn ang="0">
+                <a:pos x="connsiteX5" y="connsiteY5"/>
+              </a:cxn>
+              <a:cxn ang="0">
+                <a:pos x="connsiteX6" y="connsiteY6"/>
+              </a:cxn>
+            </a:cxnLst>
+            <a:rect l="l" t="t" r="r" b="b"/>
+            <a:pathLst>
+              <a:path w="4167271" h="6858000">
+                <a:moveTo>
+                  <a:pt x="0" y="0"/>
+                </a:moveTo>
+                <a:lnTo>
+                  <a:pt x="2259550" y="0"/>
+                </a:lnTo>
+                <a:lnTo>
+                  <a:pt x="2387803" y="82222"/>
+                </a:lnTo>
+                <a:cubicBezTo>
+                  <a:pt x="3461407" y="807534"/>
+                  <a:pt x="4167271" y="2035835"/>
+                  <a:pt x="4167271" y="3429000"/>
+                </a:cubicBezTo>
+                <a:cubicBezTo>
+                  <a:pt x="4167271" y="4822165"/>
+                  <a:pt x="3461407" y="6050467"/>
+                  <a:pt x="2387803" y="6775779"/>
+                </a:cubicBezTo>
+                <a:lnTo>
+                  <a:pt x="2259550" y="6858000"/>
+                </a:lnTo>
+                <a:lnTo>
+                  <a:pt x="0" y="6858000"/>
+                </a:lnTo>
+                <a:close/>
+              </a:path>
+            </a:pathLst>
+          </a:custGeom>
+          <a:solidFill>
+            <a:schemeClr val="accent2"/>
+          </a:solidFill>
+          <a:ln>
+            <a:noFill/>
+          </a:ln>
+        </p:spPr>
+        <p:style>
+          <a:lnRef idx="2">
+            <a:schemeClr val="accent1">
+              <a:shade val="50000"/>
+            </a:schemeClr>
+          </a:lnRef>
+          <a:fillRef idx="1">
+            <a:schemeClr val="accent1"/>
+          </a:fillRef>
+          <a:effectRef idx="0">
+            <a:schemeClr val="accent1"/>
+          </a:effectRef>
+          <a:fontRef idx="minor">
+            <a:schemeClr val="lt1"/>
+          </a:fontRef>
+        </p:style>
+        <p:txBody>
+          <a:bodyPr rtlCol="0" anchor="ctr"/>
+          <a:lstStyle/>
+          <a:p>
+            <a:pPr algn="ctr"/>
+            <a:endParaRPr lang="en-US"/>
+          </a:p>
+        </p:txBody>
+      </p:sp>
+      <p:sp>
+        <p:nvSpPr>
+          <p:cNvPr id="2" name="Title 1">
+            <a:extLst>
+              <a:ext uri="{FF2B5EF4-FFF2-40B4-BE49-F238E27FC236}">
+                <a16:creationId xmlns:a16="http://schemas.microsoft.com/office/drawing/2014/main" id="{9E8EB044-4B46-49F6-A1BD-AD5ABC84D641}"/>
+              </a:ext>
+            </a:extLst>
+          </p:cNvPr>
+          <p:cNvSpPr>
+            <a:spLocks noGrp="1"/>
+          </p:cNvSpPr>
+          <p:nvPr>
+            <p:ph type="title"/>
+          </p:nvPr>
+        </p:nvSpPr>
+        <p:spPr>
+          <a:xfrm>
+            <a:off x="0" y="1153571"/>
+            <a:ext cx="4167270" cy="4461163"/>
+          </a:xfrm>
+        </p:spPr>
+        <p:txBody>
+          <a:bodyPr>
+            <a:normAutofit/>
+          </a:bodyPr>
+          <a:lstStyle/>
+          <a:p>
+            <a:r>
+              <a:rPr lang="en-GB" sz="4800" b="1" dirty="0">
+                <a:solidFill>
+                  <a:srgbClr val="FFFFFF"/>
+                </a:solidFill>
+              </a:rPr>
+              <a:t>Advanced Driver Assistance Systems (ADAS)</a:t>
+            </a:r>
+          </a:p>
+        </p:txBody>
+      </p:sp>
+      <p:sp>
+        <p:nvSpPr>
+          <p:cNvPr id="12" name="Arc 11">
+            <a:extLst>
+              <a:ext uri="{FF2B5EF4-FFF2-40B4-BE49-F238E27FC236}">
+                <a16:creationId xmlns:a16="http://schemas.microsoft.com/office/drawing/2014/main" id="{081E4A58-353D-44AE-B2FC-2A74E2E400F7}"/>
+              </a:ext>
+              <a:ext uri="{C183D7F6-B498-43B3-948B-1728B52AA6E4}">
+                <adec:decorative xmlns:adec="http://schemas.microsoft.com/office/drawing/2017/decorative" val="1"/>
+              </a:ext>
+            </a:extLst>
+          </p:cNvPr>
+          <p:cNvSpPr>
+            <a:spLocks noGrp="1" noRot="1" noChangeAspect="1" noMove="1" noResize="1" noEditPoints="1" noAdjustHandles="1" noChangeArrowheads="1" noChangeShapeType="1" noTextEdit="1"/>
+          </p:cNvSpPr>
+          <p:nvPr>
+            <p:extLst>
+              <p:ext uri="{386F3935-93C4-4BCD-93E2-E3B085C9AB24}">
+                <p16:designElem xmlns:p16="http://schemas.microsoft.com/office/powerpoint/2015/main" val="1"/>
+              </p:ext>
+            </p:extLst>
+          </p:nvPr>
+        </p:nvSpPr>
+        <p:spPr>
+          <a:xfrm flipV="1">
+            <a:off x="7550402" y="2455479"/>
+            <a:ext cx="4083433" cy="4083433"/>
+          </a:xfrm>
+          <a:prstGeom prst="arc">
+            <a:avLst/>
+          </a:prstGeom>
+          <a:ln w="127000" cap="rnd">
+            <a:solidFill>
+              <a:schemeClr val="accent4"/>
+            </a:solidFill>
+            <a:prstDash val="dash"/>
+          </a:ln>
+        </p:spPr>
+        <p:style>
+          <a:lnRef idx="1">
+            <a:schemeClr val="accent1"/>
+          </a:lnRef>
+          <a:fillRef idx="0">
+            <a:schemeClr val="accent1"/>
+          </a:fillRef>
+          <a:effectRef idx="0">
+            <a:schemeClr val="accent1"/>
+          </a:effectRef>
+          <a:fontRef idx="minor">
+            <a:schemeClr val="tx1"/>
+          </a:fontRef>
+        </p:style>
+        <p:txBody>
+          <a:bodyPr rtlCol="0" anchor="ctr"/>
+          <a:lstStyle/>
+          <a:p>
+            <a:pPr algn="ctr"/>
+            <a:endParaRPr lang="en-US" dirty="0"/>
+          </a:p>
+        </p:txBody>
+      </p:sp>
+      <p:sp>
+        <p:nvSpPr>
+          <p:cNvPr id="3" name="Content Placeholder 2">
+            <a:extLst>
+              <a:ext uri="{FF2B5EF4-FFF2-40B4-BE49-F238E27FC236}">
+                <a16:creationId xmlns:a16="http://schemas.microsoft.com/office/drawing/2014/main" id="{CAF3610D-DAFE-459A-A291-A492436BD67A}"/>
+              </a:ext>
+            </a:extLst>
+          </p:cNvPr>
+          <p:cNvSpPr>
+            <a:spLocks noGrp="1"/>
+          </p:cNvSpPr>
+          <p:nvPr>
+            <p:ph idx="1"/>
+          </p:nvPr>
+        </p:nvSpPr>
+        <p:spPr>
+          <a:xfrm>
+            <a:off x="3887234" y="591344"/>
+            <a:ext cx="8094857" cy="5585619"/>
+          </a:xfrm>
+        </p:spPr>
+        <p:txBody>
+          <a:bodyPr anchor="ctr">
+            <a:normAutofit/>
+          </a:bodyPr>
+          <a:lstStyle/>
+          <a:p>
+            <a:pPr>
+              <a:buFont typeface="Wingdings" panose="05000000000000000000" pitchFamily="2" charset="2"/>
+              <a:buChar char="Ø"/>
+            </a:pPr>
+            <a:r>
+              <a:rPr lang="en-GB" sz="3200" dirty="0" err="1"/>
+              <a:t>Systém</a:t>
+            </a:r>
+            <a:r>
+              <a:rPr lang="en-GB" sz="3200" dirty="0"/>
+              <a:t> </a:t>
+            </a:r>
+            <a:r>
+              <a:rPr lang="en-GB" sz="3200" dirty="0" err="1"/>
+              <a:t>obsahujúci</a:t>
+            </a:r>
+            <a:r>
+              <a:rPr lang="en-GB" sz="3200" dirty="0"/>
+              <a:t> </a:t>
+            </a:r>
+            <a:r>
+              <a:rPr lang="en-GB" sz="3200" dirty="0" err="1"/>
+              <a:t>základné</a:t>
+            </a:r>
+            <a:r>
+              <a:rPr lang="en-GB" sz="3200" dirty="0"/>
+              <a:t> </a:t>
+            </a:r>
+            <a:r>
+              <a:rPr lang="en-GB" sz="3200" dirty="0" err="1"/>
+              <a:t>bezpečnostné</a:t>
+            </a:r>
+            <a:r>
+              <a:rPr lang="en-GB" sz="3200" dirty="0"/>
+              <a:t> </a:t>
+            </a:r>
+            <a:r>
+              <a:rPr lang="en-GB" sz="3200" dirty="0" err="1"/>
+              <a:t>aplikácie</a:t>
+            </a:r>
+            <a:endParaRPr lang="en-GB" sz="3200" dirty="0"/>
+          </a:p>
+          <a:p>
+            <a:pPr lvl="1"/>
+            <a:r>
+              <a:rPr lang="en-GB" sz="2800" dirty="0" err="1"/>
+              <a:t>detekcia</a:t>
+            </a:r>
+            <a:r>
+              <a:rPr lang="en-GB" sz="2800" dirty="0"/>
+              <a:t> a </a:t>
+            </a:r>
+            <a:r>
+              <a:rPr lang="en-GB" sz="2800" dirty="0" err="1"/>
+              <a:t>vyhýbanie</a:t>
+            </a:r>
+            <a:r>
+              <a:rPr lang="en-GB" sz="2800" dirty="0"/>
+              <a:t> </a:t>
+            </a:r>
+            <a:r>
+              <a:rPr lang="en-GB" sz="2800" dirty="0" err="1"/>
+              <a:t>chodcom</a:t>
+            </a:r>
+            <a:endParaRPr lang="en-GB" sz="2800" dirty="0"/>
+          </a:p>
+          <a:p>
+            <a:pPr lvl="1"/>
+            <a:r>
+              <a:rPr lang="en-GB" sz="2800" dirty="0" err="1"/>
+              <a:t>varovanie</a:t>
+            </a:r>
+            <a:r>
+              <a:rPr lang="en-GB" sz="2800" dirty="0"/>
+              <a:t> a </a:t>
+            </a:r>
+            <a:r>
+              <a:rPr lang="en-GB" sz="2800" dirty="0" err="1"/>
+              <a:t>oprava</a:t>
+            </a:r>
+            <a:r>
+              <a:rPr lang="en-GB" sz="2800" dirty="0"/>
+              <a:t> </a:t>
+            </a:r>
+            <a:r>
+              <a:rPr lang="en-GB" sz="2800" dirty="0" err="1"/>
+              <a:t>vybočenia</a:t>
+            </a:r>
+            <a:r>
+              <a:rPr lang="en-GB" sz="2800" dirty="0"/>
+              <a:t> z </a:t>
+            </a:r>
+            <a:r>
+              <a:rPr lang="en-GB" sz="2800" dirty="0" err="1"/>
+              <a:t>jazdného</a:t>
+            </a:r>
+            <a:r>
+              <a:rPr lang="en-GB" sz="2800" dirty="0"/>
+              <a:t> </a:t>
+            </a:r>
+            <a:r>
+              <a:rPr lang="en-GB" sz="2800" dirty="0" err="1"/>
+              <a:t>pruhu</a:t>
+            </a:r>
+            <a:endParaRPr lang="en-GB" sz="2800" dirty="0"/>
+          </a:p>
+          <a:p>
+            <a:pPr lvl="1"/>
+            <a:r>
+              <a:rPr lang="en-GB" sz="2800" dirty="0" err="1"/>
+              <a:t>rozpoznávanie</a:t>
+            </a:r>
+            <a:r>
+              <a:rPr lang="en-GB" sz="2800" dirty="0"/>
+              <a:t> </a:t>
+            </a:r>
+            <a:r>
+              <a:rPr lang="en-GB" sz="2800" dirty="0" err="1"/>
+              <a:t>dopravných</a:t>
+            </a:r>
+            <a:r>
+              <a:rPr lang="en-GB" sz="2800" dirty="0"/>
+              <a:t> </a:t>
+            </a:r>
+            <a:r>
+              <a:rPr lang="en-GB" sz="2800" dirty="0" err="1"/>
+              <a:t>značiek</a:t>
+            </a:r>
+            <a:endParaRPr lang="en-GB" sz="2800" dirty="0"/>
+          </a:p>
+          <a:p>
+            <a:pPr lvl="1"/>
+            <a:r>
+              <a:rPr lang="en-GB" sz="2800" dirty="0" err="1"/>
+              <a:t>núdzové</a:t>
+            </a:r>
+            <a:r>
+              <a:rPr lang="en-GB" sz="2800" dirty="0"/>
+              <a:t> </a:t>
+            </a:r>
+            <a:r>
+              <a:rPr lang="en-GB" sz="2800" dirty="0" err="1"/>
+              <a:t>brzdenie</a:t>
+            </a:r>
+            <a:endParaRPr lang="en-GB" sz="2800" dirty="0"/>
+          </a:p>
+          <a:p>
+            <a:pPr lvl="1"/>
+            <a:r>
+              <a:rPr lang="en-GB" sz="2800" dirty="0" err="1"/>
+              <a:t>detekcia</a:t>
+            </a:r>
+            <a:r>
+              <a:rPr lang="en-GB" sz="2800" dirty="0"/>
+              <a:t> </a:t>
+            </a:r>
+            <a:r>
+              <a:rPr lang="en-GB" sz="2800" dirty="0" err="1"/>
+              <a:t>slepého</a:t>
+            </a:r>
+            <a:r>
+              <a:rPr lang="en-GB" sz="2800" dirty="0"/>
+              <a:t> </a:t>
+            </a:r>
+            <a:r>
+              <a:rPr lang="en-GB" sz="2800" dirty="0" err="1"/>
+              <a:t>bodu</a:t>
+            </a:r>
+            <a:endParaRPr lang="en-GB" sz="2800" dirty="0"/>
+          </a:p>
+          <a:p>
+            <a:pPr lvl="1"/>
+            <a:r>
+              <a:rPr lang="en-GB" sz="2800" dirty="0" err="1"/>
+              <a:t>adaptívne</a:t>
+            </a:r>
+            <a:r>
+              <a:rPr lang="en-GB" sz="2800" dirty="0"/>
+              <a:t> </a:t>
+            </a:r>
+            <a:r>
+              <a:rPr lang="en-GB" sz="2800" dirty="0" err="1"/>
+              <a:t>ovládanie</a:t>
+            </a:r>
+            <a:r>
+              <a:rPr lang="en-GB" sz="2800" dirty="0"/>
+              <a:t> </a:t>
+            </a:r>
+            <a:r>
+              <a:rPr lang="en-GB" sz="2800" dirty="0" err="1"/>
+              <a:t>svetiel</a:t>
+            </a:r>
+            <a:endParaRPr lang="en-GB" sz="2800" dirty="0"/>
+          </a:p>
+          <a:p>
+            <a:pPr lvl="1"/>
+            <a:r>
+              <a:rPr lang="en-GB" sz="2800" dirty="0" err="1"/>
+              <a:t>adaptívny</a:t>
+            </a:r>
+            <a:r>
+              <a:rPr lang="en-GB" sz="2800" dirty="0"/>
+              <a:t> </a:t>
+            </a:r>
+            <a:r>
+              <a:rPr lang="en-GB" sz="2800" dirty="0" err="1"/>
+              <a:t>tempomat</a:t>
+            </a:r>
+            <a:endParaRPr lang="en-GB" sz="2800" dirty="0"/>
+          </a:p>
+          <a:p>
+            <a:pPr lvl="1"/>
+            <a:r>
+              <a:rPr lang="en-GB" sz="2800" dirty="0" err="1"/>
+              <a:t>autonómne</a:t>
+            </a:r>
+            <a:r>
+              <a:rPr lang="en-GB" sz="2800" dirty="0"/>
+              <a:t> </a:t>
+            </a:r>
+            <a:r>
+              <a:rPr lang="en-GB" sz="2800" dirty="0" err="1"/>
+              <a:t>parkovanie</a:t>
+            </a:r>
+            <a:endParaRPr lang="en-GB" sz="2800" dirty="0"/>
+          </a:p>
+        </p:txBody>
+      </p:sp>
+    </p:spTree>
+    <p:extLst>
+      <p:ext uri="{BB962C8B-B14F-4D97-AF65-F5344CB8AC3E}">
+        <p14:creationId xmlns:p14="http://schemas.microsoft.com/office/powerpoint/2010/main" val="1346741802"/>
+      </p:ext>
+    </p:extLst>
+  </p:cSld>
+  <p:clrMapOvr>
+    <a:masterClrMapping/>
+  </p:clrMapOvr>
+</p:sld>
+</file>
+
 <file path=ppt/slides/slide6.xml><?xml version="1.0" encoding="utf-8"?>
 <p:sld xmlns:a="http://schemas.openxmlformats.org/drawingml/2006/main" xmlns:r="http://schemas.openxmlformats.org/officeDocument/2006/relationships" xmlns:p="http://schemas.openxmlformats.org/presentationml/2006/main">
   <p:cSld>
@@ -16636,7 +16078,7 @@
           <p:cNvPr id="2" name="Title 1">
             <a:extLst>
               <a:ext uri="{FF2B5EF4-FFF2-40B4-BE49-F238E27FC236}">
-                <a16:creationId xmlns:a16="http://schemas.microsoft.com/office/drawing/2014/main" id="{9E8EB044-4B46-49F6-A1BD-AD5ABC84D641}"/>
+                <a16:creationId xmlns:a16="http://schemas.microsoft.com/office/drawing/2014/main" id="{7239A8AD-2230-4616-B1BC-36D4164939AA}"/>
               </a:ext>
             </a:extLst>
           </p:cNvPr>
@@ -16649,8 +16091,8 @@
         </p:nvSpPr>
         <p:spPr>
           <a:xfrm>
-            <a:off x="0" y="1153571"/>
-            <a:ext cx="4167270" cy="4461163"/>
+            <a:off x="686834" y="1153572"/>
+            <a:ext cx="3200400" cy="4461163"/>
           </a:xfrm>
         </p:spPr>
         <p:txBody>
@@ -16660,12 +16102,12 @@
           <a:lstStyle/>
           <a:p>
             <a:r>
-              <a:rPr lang="en-GB" sz="4800" b="1" dirty="0">
+              <a:rPr lang="en-GB" sz="6000" b="1" dirty="0">
                 <a:solidFill>
                   <a:srgbClr val="FFFFFF"/>
                 </a:solidFill>
               </a:rPr>
-              <a:t>Advanced Driver Assistance Systems (ADAS)</a:t>
+              <a:t>ADAS</a:t>
             </a:r>
           </a:p>
         </p:txBody>
@@ -16736,594 +16178,6 @@
           <p:cNvPr id="3" name="Content Placeholder 2">
             <a:extLst>
               <a:ext uri="{FF2B5EF4-FFF2-40B4-BE49-F238E27FC236}">
-                <a16:creationId xmlns:a16="http://schemas.microsoft.com/office/drawing/2014/main" id="{CAF3610D-DAFE-459A-A291-A492436BD67A}"/>
-              </a:ext>
-            </a:extLst>
-          </p:cNvPr>
-          <p:cNvSpPr>
-            <a:spLocks noGrp="1"/>
-          </p:cNvSpPr>
-          <p:nvPr>
-            <p:ph idx="1"/>
-          </p:nvPr>
-        </p:nvSpPr>
-        <p:spPr>
-          <a:xfrm>
-            <a:off x="3887234" y="591344"/>
-            <a:ext cx="8094857" cy="5585619"/>
-          </a:xfrm>
-        </p:spPr>
-        <p:txBody>
-          <a:bodyPr anchor="ctr">
-            <a:normAutofit/>
-          </a:bodyPr>
-          <a:lstStyle/>
-          <a:p>
-            <a:pPr>
-              <a:buFont typeface="Wingdings" panose="05000000000000000000" pitchFamily="2" charset="2"/>
-              <a:buChar char="Ø"/>
-            </a:pPr>
-            <a:r>
-              <a:rPr lang="en-GB" sz="3200" dirty="0" err="1"/>
-              <a:t>Systém</a:t>
-            </a:r>
-            <a:r>
-              <a:rPr lang="en-GB" sz="3200" dirty="0"/>
-              <a:t> </a:t>
-            </a:r>
-            <a:r>
-              <a:rPr lang="en-GB" sz="3200" dirty="0" err="1"/>
-              <a:t>obsahujúci</a:t>
-            </a:r>
-            <a:r>
-              <a:rPr lang="en-GB" sz="3200" dirty="0"/>
-              <a:t> </a:t>
-            </a:r>
-            <a:r>
-              <a:rPr lang="en-GB" sz="3200" dirty="0" err="1"/>
-              <a:t>základné</a:t>
-            </a:r>
-            <a:r>
-              <a:rPr lang="en-GB" sz="3200" dirty="0"/>
-              <a:t> </a:t>
-            </a:r>
-            <a:r>
-              <a:rPr lang="en-GB" sz="3200" dirty="0" err="1"/>
-              <a:t>bezpečnostné</a:t>
-            </a:r>
-            <a:r>
-              <a:rPr lang="en-GB" sz="3200" dirty="0"/>
-              <a:t> </a:t>
-            </a:r>
-            <a:r>
-              <a:rPr lang="en-GB" sz="3200" dirty="0" err="1"/>
-              <a:t>aplikácie</a:t>
-            </a:r>
-            <a:endParaRPr lang="en-GB" sz="3200" dirty="0"/>
-          </a:p>
-          <a:p>
-            <a:pPr lvl="1"/>
-            <a:r>
-              <a:rPr lang="en-GB" sz="2800" dirty="0" err="1"/>
-              <a:t>detekcia</a:t>
-            </a:r>
-            <a:r>
-              <a:rPr lang="en-GB" sz="2800" dirty="0"/>
-              <a:t> a </a:t>
-            </a:r>
-            <a:r>
-              <a:rPr lang="en-GB" sz="2800" dirty="0" err="1"/>
-              <a:t>vyhýbanie</a:t>
-            </a:r>
-            <a:r>
-              <a:rPr lang="en-GB" sz="2800" dirty="0"/>
-              <a:t> </a:t>
-            </a:r>
-            <a:r>
-              <a:rPr lang="en-GB" sz="2800" dirty="0" err="1"/>
-              <a:t>chodcom</a:t>
-            </a:r>
-            <a:endParaRPr lang="en-GB" sz="2800" dirty="0"/>
-          </a:p>
-          <a:p>
-            <a:pPr lvl="1"/>
-            <a:r>
-              <a:rPr lang="en-GB" sz="2800" dirty="0" err="1"/>
-              <a:t>varovanie</a:t>
-            </a:r>
-            <a:r>
-              <a:rPr lang="en-GB" sz="2800" dirty="0"/>
-              <a:t> a </a:t>
-            </a:r>
-            <a:r>
-              <a:rPr lang="en-GB" sz="2800" dirty="0" err="1"/>
-              <a:t>oprava</a:t>
-            </a:r>
-            <a:r>
-              <a:rPr lang="en-GB" sz="2800" dirty="0"/>
-              <a:t> </a:t>
-            </a:r>
-            <a:r>
-              <a:rPr lang="en-GB" sz="2800" dirty="0" err="1"/>
-              <a:t>vybočenia</a:t>
-            </a:r>
-            <a:r>
-              <a:rPr lang="en-GB" sz="2800" dirty="0"/>
-              <a:t> z </a:t>
-            </a:r>
-            <a:r>
-              <a:rPr lang="en-GB" sz="2800" dirty="0" err="1"/>
-              <a:t>jazdného</a:t>
-            </a:r>
-            <a:r>
-              <a:rPr lang="en-GB" sz="2800" dirty="0"/>
-              <a:t> </a:t>
-            </a:r>
-            <a:r>
-              <a:rPr lang="en-GB" sz="2800" dirty="0" err="1"/>
-              <a:t>pruhu</a:t>
-            </a:r>
-            <a:endParaRPr lang="en-GB" sz="2800" dirty="0"/>
-          </a:p>
-          <a:p>
-            <a:pPr lvl="1"/>
-            <a:r>
-              <a:rPr lang="en-GB" sz="2800" dirty="0" err="1"/>
-              <a:t>rozpoznávanie</a:t>
-            </a:r>
-            <a:r>
-              <a:rPr lang="en-GB" sz="2800" dirty="0"/>
-              <a:t> </a:t>
-            </a:r>
-            <a:r>
-              <a:rPr lang="en-GB" sz="2800" dirty="0" err="1"/>
-              <a:t>dopravných</a:t>
-            </a:r>
-            <a:r>
-              <a:rPr lang="en-GB" sz="2800" dirty="0"/>
-              <a:t> </a:t>
-            </a:r>
-            <a:r>
-              <a:rPr lang="en-GB" sz="2800" dirty="0" err="1"/>
-              <a:t>značiek</a:t>
-            </a:r>
-            <a:endParaRPr lang="en-GB" sz="2800" dirty="0"/>
-          </a:p>
-          <a:p>
-            <a:pPr lvl="1"/>
-            <a:r>
-              <a:rPr lang="en-GB" sz="2800" dirty="0" err="1"/>
-              <a:t>núdzové</a:t>
-            </a:r>
-            <a:r>
-              <a:rPr lang="en-GB" sz="2800" dirty="0"/>
-              <a:t> </a:t>
-            </a:r>
-            <a:r>
-              <a:rPr lang="en-GB" sz="2800" dirty="0" err="1"/>
-              <a:t>brzdenie</a:t>
-            </a:r>
-            <a:endParaRPr lang="en-GB" sz="2800" dirty="0"/>
-          </a:p>
-          <a:p>
-            <a:pPr lvl="1"/>
-            <a:r>
-              <a:rPr lang="en-GB" sz="2800" dirty="0" err="1"/>
-              <a:t>detekcia</a:t>
-            </a:r>
-            <a:r>
-              <a:rPr lang="en-GB" sz="2800" dirty="0"/>
-              <a:t> </a:t>
-            </a:r>
-            <a:r>
-              <a:rPr lang="en-GB" sz="2800" dirty="0" err="1"/>
-              <a:t>slepého</a:t>
-            </a:r>
-            <a:r>
-              <a:rPr lang="en-GB" sz="2800" dirty="0"/>
-              <a:t> </a:t>
-            </a:r>
-            <a:r>
-              <a:rPr lang="en-GB" sz="2800" dirty="0" err="1"/>
-              <a:t>bodu</a:t>
-            </a:r>
-            <a:endParaRPr lang="en-GB" sz="2800" dirty="0"/>
-          </a:p>
-          <a:p>
-            <a:pPr lvl="1"/>
-            <a:r>
-              <a:rPr lang="en-GB" sz="2800" dirty="0" err="1"/>
-              <a:t>adaptívne</a:t>
-            </a:r>
-            <a:r>
-              <a:rPr lang="en-GB" sz="2800" dirty="0"/>
-              <a:t> </a:t>
-            </a:r>
-            <a:r>
-              <a:rPr lang="en-GB" sz="2800" dirty="0" err="1"/>
-              <a:t>ovládanie</a:t>
-            </a:r>
-            <a:r>
-              <a:rPr lang="en-GB" sz="2800" dirty="0"/>
-              <a:t> </a:t>
-            </a:r>
-            <a:r>
-              <a:rPr lang="en-GB" sz="2800" dirty="0" err="1"/>
-              <a:t>svetiel</a:t>
-            </a:r>
-            <a:endParaRPr lang="en-GB" sz="2800" dirty="0"/>
-          </a:p>
-          <a:p>
-            <a:pPr lvl="1"/>
-            <a:r>
-              <a:rPr lang="en-GB" sz="2800" dirty="0" err="1"/>
-              <a:t>adaptívny</a:t>
-            </a:r>
-            <a:r>
-              <a:rPr lang="en-GB" sz="2800" dirty="0"/>
-              <a:t> </a:t>
-            </a:r>
-            <a:r>
-              <a:rPr lang="en-GB" sz="2800" dirty="0" err="1"/>
-              <a:t>tempomat</a:t>
-            </a:r>
-            <a:endParaRPr lang="en-GB" sz="2800" dirty="0"/>
-          </a:p>
-          <a:p>
-            <a:pPr lvl="1"/>
-            <a:r>
-              <a:rPr lang="en-GB" sz="2800" dirty="0" err="1"/>
-              <a:t>autonómne</a:t>
-            </a:r>
-            <a:r>
-              <a:rPr lang="en-GB" sz="2800" dirty="0"/>
-              <a:t> </a:t>
-            </a:r>
-            <a:r>
-              <a:rPr lang="en-GB" sz="2800" dirty="0" err="1"/>
-              <a:t>parkovanie</a:t>
-            </a:r>
-            <a:endParaRPr lang="en-GB" sz="2800" dirty="0"/>
-          </a:p>
-        </p:txBody>
-      </p:sp>
-    </p:spTree>
-    <p:extLst>
-      <p:ext uri="{BB962C8B-B14F-4D97-AF65-F5344CB8AC3E}">
-        <p14:creationId xmlns:p14="http://schemas.microsoft.com/office/powerpoint/2010/main" val="1346741802"/>
-      </p:ext>
-    </p:extLst>
-  </p:cSld>
-  <p:clrMapOvr>
-    <a:masterClrMapping/>
-  </p:clrMapOvr>
-</p:sld>
-</file>
-
-<file path=ppt/slides/slide7.xml><?xml version="1.0" encoding="utf-8"?>
-<p:sld xmlns:a="http://schemas.openxmlformats.org/drawingml/2006/main" xmlns:r="http://schemas.openxmlformats.org/officeDocument/2006/relationships" xmlns:p="http://schemas.openxmlformats.org/presentationml/2006/main">
-  <p:cSld>
-    <p:bg>
-      <p:bgPr>
-        <a:solidFill>
-          <a:schemeClr val="bg1"/>
-        </a:solidFill>
-        <a:effectLst/>
-      </p:bgPr>
-    </p:bg>
-    <p:spTree>
-      <p:nvGrpSpPr>
-        <p:cNvPr id="1" name=""/>
-        <p:cNvGrpSpPr/>
-        <p:nvPr/>
-      </p:nvGrpSpPr>
-      <p:grpSpPr>
-        <a:xfrm>
-          <a:off x="0" y="0"/>
-          <a:ext cx="0" cy="0"/>
-          <a:chOff x="0" y="0"/>
-          <a:chExt cx="0" cy="0"/>
-        </a:xfrm>
-      </p:grpSpPr>
-      <p:sp useBgFill="1">
-        <p:nvSpPr>
-          <p:cNvPr id="8" name="Rectangle 7">
-            <a:extLst>
-              <a:ext uri="{FF2B5EF4-FFF2-40B4-BE49-F238E27FC236}">
-                <a16:creationId xmlns:a16="http://schemas.microsoft.com/office/drawing/2014/main" id="{907EF6B7-1338-4443-8C46-6A318D952DFD}"/>
-              </a:ext>
-              <a:ext uri="{C183D7F6-B498-43B3-948B-1728B52AA6E4}">
-                <adec:decorative xmlns:adec="http://schemas.microsoft.com/office/drawing/2017/decorative" val="1"/>
-              </a:ext>
-            </a:extLst>
-          </p:cNvPr>
-          <p:cNvSpPr>
-            <a:spLocks noGrp="1" noRot="1" noChangeAspect="1" noMove="1" noResize="1" noEditPoints="1" noAdjustHandles="1" noChangeArrowheads="1" noChangeShapeType="1" noTextEdit="1"/>
-          </p:cNvSpPr>
-          <p:nvPr>
-            <p:extLst>
-              <p:ext uri="{386F3935-93C4-4BCD-93E2-E3B085C9AB24}">
-                <p16:designElem xmlns:p16="http://schemas.microsoft.com/office/powerpoint/2015/main" val="1"/>
-              </p:ext>
-            </p:extLst>
-          </p:nvPr>
-        </p:nvSpPr>
-        <p:spPr>
-          <a:xfrm>
-            <a:off x="3048" y="0"/>
-            <a:ext cx="12188952" cy="6858000"/>
-          </a:xfrm>
-          <a:prstGeom prst="rect">
-            <a:avLst/>
-          </a:prstGeom>
-          <a:ln>
-            <a:noFill/>
-          </a:ln>
-        </p:spPr>
-        <p:style>
-          <a:lnRef idx="2">
-            <a:schemeClr val="accent1">
-              <a:shade val="50000"/>
-            </a:schemeClr>
-          </a:lnRef>
-          <a:fillRef idx="1">
-            <a:schemeClr val="accent1"/>
-          </a:fillRef>
-          <a:effectRef idx="0">
-            <a:schemeClr val="accent1"/>
-          </a:effectRef>
-          <a:fontRef idx="minor">
-            <a:schemeClr val="lt1"/>
-          </a:fontRef>
-        </p:style>
-        <p:txBody>
-          <a:bodyPr rtlCol="0" anchor="ctr"/>
-          <a:lstStyle/>
-          <a:p>
-            <a:pPr algn="ctr"/>
-            <a:endParaRPr lang="en-US"/>
-          </a:p>
-        </p:txBody>
-      </p:sp>
-      <p:sp>
-        <p:nvSpPr>
-          <p:cNvPr id="10" name="Freeform: Shape 9">
-            <a:extLst>
-              <a:ext uri="{FF2B5EF4-FFF2-40B4-BE49-F238E27FC236}">
-                <a16:creationId xmlns:a16="http://schemas.microsoft.com/office/drawing/2014/main" id="{DAAE4CDD-124C-4DCF-9584-B6033B545DD5}"/>
-              </a:ext>
-              <a:ext uri="{C183D7F6-B498-43B3-948B-1728B52AA6E4}">
-                <adec:decorative xmlns:adec="http://schemas.microsoft.com/office/drawing/2017/decorative" val="1"/>
-              </a:ext>
-            </a:extLst>
-          </p:cNvPr>
-          <p:cNvSpPr>
-            <a:spLocks noGrp="1" noRot="1" noChangeAspect="1" noMove="1" noResize="1" noEditPoints="1" noAdjustHandles="1" noChangeArrowheads="1" noChangeShapeType="1" noTextEdit="1"/>
-          </p:cNvSpPr>
-          <p:nvPr>
-            <p:extLst>
-              <p:ext uri="{386F3935-93C4-4BCD-93E2-E3B085C9AB24}">
-                <p16:designElem xmlns:p16="http://schemas.microsoft.com/office/powerpoint/2015/main" val="1"/>
-              </p:ext>
-            </p:extLst>
-          </p:nvPr>
-        </p:nvSpPr>
-        <p:spPr>
-          <a:xfrm>
-            <a:off x="1" y="0"/>
-            <a:ext cx="4167271" cy="6858000"/>
-          </a:xfrm>
-          <a:custGeom>
-            <a:avLst/>
-            <a:gdLst>
-              <a:gd name="connsiteX0" fmla="*/ 0 w 4167271"/>
-              <a:gd name="connsiteY0" fmla="*/ 0 h 6858000"/>
-              <a:gd name="connsiteX1" fmla="*/ 2259550 w 4167271"/>
-              <a:gd name="connsiteY1" fmla="*/ 0 h 6858000"/>
-              <a:gd name="connsiteX2" fmla="*/ 2387803 w 4167271"/>
-              <a:gd name="connsiteY2" fmla="*/ 82222 h 6858000"/>
-              <a:gd name="connsiteX3" fmla="*/ 4167271 w 4167271"/>
-              <a:gd name="connsiteY3" fmla="*/ 3429000 h 6858000"/>
-              <a:gd name="connsiteX4" fmla="*/ 2387803 w 4167271"/>
-              <a:gd name="connsiteY4" fmla="*/ 6775779 h 6858000"/>
-              <a:gd name="connsiteX5" fmla="*/ 2259550 w 4167271"/>
-              <a:gd name="connsiteY5" fmla="*/ 6858000 h 6858000"/>
-              <a:gd name="connsiteX6" fmla="*/ 0 w 4167271"/>
-              <a:gd name="connsiteY6" fmla="*/ 6858000 h 6858000"/>
-            </a:gdLst>
-            <a:ahLst/>
-            <a:cxnLst>
-              <a:cxn ang="0">
-                <a:pos x="connsiteX0" y="connsiteY0"/>
-              </a:cxn>
-              <a:cxn ang="0">
-                <a:pos x="connsiteX1" y="connsiteY1"/>
-              </a:cxn>
-              <a:cxn ang="0">
-                <a:pos x="connsiteX2" y="connsiteY2"/>
-              </a:cxn>
-              <a:cxn ang="0">
-                <a:pos x="connsiteX3" y="connsiteY3"/>
-              </a:cxn>
-              <a:cxn ang="0">
-                <a:pos x="connsiteX4" y="connsiteY4"/>
-              </a:cxn>
-              <a:cxn ang="0">
-                <a:pos x="connsiteX5" y="connsiteY5"/>
-              </a:cxn>
-              <a:cxn ang="0">
-                <a:pos x="connsiteX6" y="connsiteY6"/>
-              </a:cxn>
-            </a:cxnLst>
-            <a:rect l="l" t="t" r="r" b="b"/>
-            <a:pathLst>
-              <a:path w="4167271" h="6858000">
-                <a:moveTo>
-                  <a:pt x="0" y="0"/>
-                </a:moveTo>
-                <a:lnTo>
-                  <a:pt x="2259550" y="0"/>
-                </a:lnTo>
-                <a:lnTo>
-                  <a:pt x="2387803" y="82222"/>
-                </a:lnTo>
-                <a:cubicBezTo>
-                  <a:pt x="3461407" y="807534"/>
-                  <a:pt x="4167271" y="2035835"/>
-                  <a:pt x="4167271" y="3429000"/>
-                </a:cubicBezTo>
-                <a:cubicBezTo>
-                  <a:pt x="4167271" y="4822165"/>
-                  <a:pt x="3461407" y="6050467"/>
-                  <a:pt x="2387803" y="6775779"/>
-                </a:cubicBezTo>
-                <a:lnTo>
-                  <a:pt x="2259550" y="6858000"/>
-                </a:lnTo>
-                <a:lnTo>
-                  <a:pt x="0" y="6858000"/>
-                </a:lnTo>
-                <a:close/>
-              </a:path>
-            </a:pathLst>
-          </a:custGeom>
-          <a:solidFill>
-            <a:schemeClr val="accent2"/>
-          </a:solidFill>
-          <a:ln>
-            <a:noFill/>
-          </a:ln>
-        </p:spPr>
-        <p:style>
-          <a:lnRef idx="2">
-            <a:schemeClr val="accent1">
-              <a:shade val="50000"/>
-            </a:schemeClr>
-          </a:lnRef>
-          <a:fillRef idx="1">
-            <a:schemeClr val="accent1"/>
-          </a:fillRef>
-          <a:effectRef idx="0">
-            <a:schemeClr val="accent1"/>
-          </a:effectRef>
-          <a:fontRef idx="minor">
-            <a:schemeClr val="lt1"/>
-          </a:fontRef>
-        </p:style>
-        <p:txBody>
-          <a:bodyPr rtlCol="0" anchor="ctr"/>
-          <a:lstStyle/>
-          <a:p>
-            <a:pPr algn="ctr"/>
-            <a:endParaRPr lang="en-US"/>
-          </a:p>
-        </p:txBody>
-      </p:sp>
-      <p:sp>
-        <p:nvSpPr>
-          <p:cNvPr id="2" name="Title 1">
-            <a:extLst>
-              <a:ext uri="{FF2B5EF4-FFF2-40B4-BE49-F238E27FC236}">
-                <a16:creationId xmlns:a16="http://schemas.microsoft.com/office/drawing/2014/main" id="{7239A8AD-2230-4616-B1BC-36D4164939AA}"/>
-              </a:ext>
-            </a:extLst>
-          </p:cNvPr>
-          <p:cNvSpPr>
-            <a:spLocks noGrp="1"/>
-          </p:cNvSpPr>
-          <p:nvPr>
-            <p:ph type="title"/>
-          </p:nvPr>
-        </p:nvSpPr>
-        <p:spPr>
-          <a:xfrm>
-            <a:off x="686834" y="1153572"/>
-            <a:ext cx="3200400" cy="4461163"/>
-          </a:xfrm>
-        </p:spPr>
-        <p:txBody>
-          <a:bodyPr>
-            <a:normAutofit/>
-          </a:bodyPr>
-          <a:lstStyle/>
-          <a:p>
-            <a:r>
-              <a:rPr lang="en-GB" sz="6000" b="1" dirty="0">
-                <a:solidFill>
-                  <a:srgbClr val="FFFFFF"/>
-                </a:solidFill>
-              </a:rPr>
-              <a:t>ADAS</a:t>
-            </a:r>
-          </a:p>
-        </p:txBody>
-      </p:sp>
-      <p:sp>
-        <p:nvSpPr>
-          <p:cNvPr id="12" name="Arc 11">
-            <a:extLst>
-              <a:ext uri="{FF2B5EF4-FFF2-40B4-BE49-F238E27FC236}">
-                <a16:creationId xmlns:a16="http://schemas.microsoft.com/office/drawing/2014/main" id="{081E4A58-353D-44AE-B2FC-2A74E2E400F7}"/>
-              </a:ext>
-              <a:ext uri="{C183D7F6-B498-43B3-948B-1728B52AA6E4}">
-                <adec:decorative xmlns:adec="http://schemas.microsoft.com/office/drawing/2017/decorative" val="1"/>
-              </a:ext>
-            </a:extLst>
-          </p:cNvPr>
-          <p:cNvSpPr>
-            <a:spLocks noGrp="1" noRot="1" noChangeAspect="1" noMove="1" noResize="1" noEditPoints="1" noAdjustHandles="1" noChangeArrowheads="1" noChangeShapeType="1" noTextEdit="1"/>
-          </p:cNvSpPr>
-          <p:nvPr>
-            <p:extLst>
-              <p:ext uri="{386F3935-93C4-4BCD-93E2-E3B085C9AB24}">
-                <p16:designElem xmlns:p16="http://schemas.microsoft.com/office/powerpoint/2015/main" val="1"/>
-              </p:ext>
-            </p:extLst>
-          </p:nvPr>
-        </p:nvSpPr>
-        <p:spPr>
-          <a:xfrm flipV="1">
-            <a:off x="7550402" y="2455479"/>
-            <a:ext cx="4083433" cy="4083433"/>
-          </a:xfrm>
-          <a:prstGeom prst="arc">
-            <a:avLst/>
-          </a:prstGeom>
-          <a:ln w="127000" cap="rnd">
-            <a:solidFill>
-              <a:schemeClr val="accent4"/>
-            </a:solidFill>
-            <a:prstDash val="dash"/>
-          </a:ln>
-        </p:spPr>
-        <p:style>
-          <a:lnRef idx="1">
-            <a:schemeClr val="accent1"/>
-          </a:lnRef>
-          <a:fillRef idx="0">
-            <a:schemeClr val="accent1"/>
-          </a:fillRef>
-          <a:effectRef idx="0">
-            <a:schemeClr val="accent1"/>
-          </a:effectRef>
-          <a:fontRef idx="minor">
-            <a:schemeClr val="tx1"/>
-          </a:fontRef>
-        </p:style>
-        <p:txBody>
-          <a:bodyPr rtlCol="0" anchor="ctr"/>
-          <a:lstStyle/>
-          <a:p>
-            <a:pPr algn="ctr"/>
-            <a:endParaRPr lang="en-US" dirty="0"/>
-          </a:p>
-        </p:txBody>
-      </p:sp>
-      <p:sp>
-        <p:nvSpPr>
-          <p:cNvPr id="3" name="Content Placeholder 2">
-            <a:extLst>
-              <a:ext uri="{FF2B5EF4-FFF2-40B4-BE49-F238E27FC236}">
                 <a16:creationId xmlns:a16="http://schemas.microsoft.com/office/drawing/2014/main" id="{F0A02EFA-093A-44CC-9819-B2BF232D6D11}"/>
               </a:ext>
             </a:extLst>
@@ -17562,7 +16416,7 @@
 </p:sld>
 </file>
 
-<file path=ppt/slides/slide8.xml><?xml version="1.0" encoding="utf-8"?>
+<file path=ppt/slides/slide7.xml><?xml version="1.0" encoding="utf-8"?>
 <p:sld xmlns:a="http://schemas.openxmlformats.org/drawingml/2006/main" xmlns:r="http://schemas.openxmlformats.org/officeDocument/2006/relationships" xmlns:p="http://schemas.openxmlformats.org/presentationml/2006/main">
   <p:cSld>
     <p:bg>
@@ -18403,7 +17257,7 @@
 </p:sld>
 </file>
 
-<file path=ppt/slides/slide9.xml><?xml version="1.0" encoding="utf-8"?>
+<file path=ppt/slides/slide8.xml><?xml version="1.0" encoding="utf-8"?>
 <p:sld xmlns:a="http://schemas.openxmlformats.org/drawingml/2006/main" xmlns:r="http://schemas.openxmlformats.org/officeDocument/2006/relationships" xmlns:p="http://schemas.openxmlformats.org/presentationml/2006/main">
   <p:cSld>
     <p:bg>
@@ -19095,6 +17949,1075 @@
     <p:extLst>
       <p:ext uri="{BB962C8B-B14F-4D97-AF65-F5344CB8AC3E}">
         <p14:creationId xmlns:p14="http://schemas.microsoft.com/office/powerpoint/2010/main" val="3772375512"/>
+      </p:ext>
+    </p:extLst>
+  </p:cSld>
+  <p:clrMapOvr>
+    <a:masterClrMapping/>
+  </p:clrMapOvr>
+</p:sld>
+</file>
+
+<file path=ppt/slides/slide9.xml><?xml version="1.0" encoding="utf-8"?>
+<p:sld xmlns:a="http://schemas.openxmlformats.org/drawingml/2006/main" xmlns:r="http://schemas.openxmlformats.org/officeDocument/2006/relationships" xmlns:p="http://schemas.openxmlformats.org/presentationml/2006/main">
+  <p:cSld>
+    <p:bg>
+      <p:bgPr>
+        <a:solidFill>
+          <a:schemeClr val="bg1"/>
+        </a:solidFill>
+        <a:effectLst/>
+      </p:bgPr>
+    </p:bg>
+    <p:spTree>
+      <p:nvGrpSpPr>
+        <p:cNvPr id="1" name=""/>
+        <p:cNvGrpSpPr/>
+        <p:nvPr/>
+      </p:nvGrpSpPr>
+      <p:grpSpPr>
+        <a:xfrm>
+          <a:off x="0" y="0"/>
+          <a:ext cx="0" cy="0"/>
+          <a:chOff x="0" y="0"/>
+          <a:chExt cx="0" cy="0"/>
+        </a:xfrm>
+      </p:grpSpPr>
+      <p:sp useBgFill="1">
+        <p:nvSpPr>
+          <p:cNvPr id="8" name="Rectangle 7">
+            <a:extLst>
+              <a:ext uri="{FF2B5EF4-FFF2-40B4-BE49-F238E27FC236}">
+                <a16:creationId xmlns:a16="http://schemas.microsoft.com/office/drawing/2014/main" id="{100EDD19-6802-4EC3-95CE-CFFAB042CFD6}"/>
+              </a:ext>
+              <a:ext uri="{C183D7F6-B498-43B3-948B-1728B52AA6E4}">
+                <adec:decorative xmlns:adec="http://schemas.microsoft.com/office/drawing/2017/decorative" val="1"/>
+              </a:ext>
+            </a:extLst>
+          </p:cNvPr>
+          <p:cNvSpPr>
+            <a:spLocks noGrp="1" noRot="1" noChangeAspect="1" noMove="1" noResize="1" noEditPoints="1" noAdjustHandles="1" noChangeArrowheads="1" noChangeShapeType="1" noTextEdit="1"/>
+          </p:cNvSpPr>
+          <p:nvPr>
+            <p:extLst>
+              <p:ext uri="{386F3935-93C4-4BCD-93E2-E3B085C9AB24}">
+                <p16:designElem xmlns:p16="http://schemas.microsoft.com/office/powerpoint/2015/main" val="1"/>
+              </p:ext>
+            </p:extLst>
+          </p:nvPr>
+        </p:nvSpPr>
+        <p:spPr>
+          <a:xfrm>
+            <a:off x="0" y="0"/>
+            <a:ext cx="12188952" cy="6858000"/>
+          </a:xfrm>
+          <a:prstGeom prst="rect">
+            <a:avLst/>
+          </a:prstGeom>
+          <a:ln>
+            <a:noFill/>
+          </a:ln>
+        </p:spPr>
+        <p:style>
+          <a:lnRef idx="2">
+            <a:schemeClr val="accent1">
+              <a:shade val="50000"/>
+            </a:schemeClr>
+          </a:lnRef>
+          <a:fillRef idx="1">
+            <a:schemeClr val="accent1"/>
+          </a:fillRef>
+          <a:effectRef idx="0">
+            <a:schemeClr val="accent1"/>
+          </a:effectRef>
+          <a:fontRef idx="minor">
+            <a:schemeClr val="lt1"/>
+          </a:fontRef>
+        </p:style>
+        <p:txBody>
+          <a:bodyPr rtlCol="0" anchor="ctr"/>
+          <a:lstStyle/>
+          <a:p>
+            <a:pPr algn="ctr"/>
+            <a:endParaRPr lang="en-US"/>
+          </a:p>
+        </p:txBody>
+      </p:sp>
+      <p:sp>
+        <p:nvSpPr>
+          <p:cNvPr id="2" name="Title 1">
+            <a:extLst>
+              <a:ext uri="{FF2B5EF4-FFF2-40B4-BE49-F238E27FC236}">
+                <a16:creationId xmlns:a16="http://schemas.microsoft.com/office/drawing/2014/main" id="{C340335E-95DA-4835-82FB-EA55607D3DD4}"/>
+              </a:ext>
+            </a:extLst>
+          </p:cNvPr>
+          <p:cNvSpPr>
+            <a:spLocks noGrp="1"/>
+          </p:cNvSpPr>
+          <p:nvPr>
+            <p:ph type="title"/>
+          </p:nvPr>
+        </p:nvSpPr>
+        <p:spPr>
+          <a:xfrm>
+            <a:off x="838200" y="365125"/>
+            <a:ext cx="10515600" cy="1325563"/>
+          </a:xfrm>
+        </p:spPr>
+        <p:txBody>
+          <a:bodyPr>
+            <a:normAutofit/>
+          </a:bodyPr>
+          <a:lstStyle/>
+          <a:p>
+            <a:r>
+              <a:rPr lang="en-GB" sz="5400" b="1" dirty="0" err="1"/>
+              <a:t>Vizualizácia</a:t>
+            </a:r>
+            <a:endParaRPr lang="en-GB" sz="5400" b="1" dirty="0"/>
+          </a:p>
+        </p:txBody>
+      </p:sp>
+      <p:sp>
+        <p:nvSpPr>
+          <p:cNvPr id="10" name="sketch line">
+            <a:extLst>
+              <a:ext uri="{FF2B5EF4-FFF2-40B4-BE49-F238E27FC236}">
+                <a16:creationId xmlns:a16="http://schemas.microsoft.com/office/drawing/2014/main" id="{DB17E863-922E-4C26-BD64-E8FD41D28661}"/>
+              </a:ext>
+              <a:ext uri="{C183D7F6-B498-43B3-948B-1728B52AA6E4}">
+                <adec:decorative xmlns:adec="http://schemas.microsoft.com/office/drawing/2017/decorative" val="1"/>
+              </a:ext>
+            </a:extLst>
+          </p:cNvPr>
+          <p:cNvSpPr>
+            <a:spLocks noGrp="1" noRot="1" noChangeAspect="1" noMove="1" noResize="1" noEditPoints="1" noAdjustHandles="1" noChangeArrowheads="1" noChangeShapeType="1" noTextEdit="1"/>
+          </p:cNvSpPr>
+          <p:nvPr>
+            <p:extLst>
+              <p:ext uri="{386F3935-93C4-4BCD-93E2-E3B085C9AB24}">
+                <p16:designElem xmlns:p16="http://schemas.microsoft.com/office/powerpoint/2015/main" val="1"/>
+              </p:ext>
+            </p:extLst>
+          </p:nvPr>
+        </p:nvSpPr>
+        <p:spPr>
+          <a:xfrm>
+            <a:off x="669036" y="1677373"/>
+            <a:ext cx="10853928" cy="18288"/>
+          </a:xfrm>
+          <a:custGeom>
+            <a:avLst/>
+            <a:gdLst>
+              <a:gd name="connsiteX0" fmla="*/ 0 w 10853928"/>
+              <a:gd name="connsiteY0" fmla="*/ 0 h 18288"/>
+              <a:gd name="connsiteX1" fmla="*/ 461292 w 10853928"/>
+              <a:gd name="connsiteY1" fmla="*/ 0 h 18288"/>
+              <a:gd name="connsiteX2" fmla="*/ 1139662 w 10853928"/>
+              <a:gd name="connsiteY2" fmla="*/ 0 h 18288"/>
+              <a:gd name="connsiteX3" fmla="*/ 1926572 w 10853928"/>
+              <a:gd name="connsiteY3" fmla="*/ 0 h 18288"/>
+              <a:gd name="connsiteX4" fmla="*/ 2279325 w 10853928"/>
+              <a:gd name="connsiteY4" fmla="*/ 0 h 18288"/>
+              <a:gd name="connsiteX5" fmla="*/ 2632078 w 10853928"/>
+              <a:gd name="connsiteY5" fmla="*/ 0 h 18288"/>
+              <a:gd name="connsiteX6" fmla="*/ 3527527 w 10853928"/>
+              <a:gd name="connsiteY6" fmla="*/ 0 h 18288"/>
+              <a:gd name="connsiteX7" fmla="*/ 4205897 w 10853928"/>
+              <a:gd name="connsiteY7" fmla="*/ 0 h 18288"/>
+              <a:gd name="connsiteX8" fmla="*/ 4558650 w 10853928"/>
+              <a:gd name="connsiteY8" fmla="*/ 0 h 18288"/>
+              <a:gd name="connsiteX9" fmla="*/ 5237020 w 10853928"/>
+              <a:gd name="connsiteY9" fmla="*/ 0 h 18288"/>
+              <a:gd name="connsiteX10" fmla="*/ 6132469 w 10853928"/>
+              <a:gd name="connsiteY10" fmla="*/ 0 h 18288"/>
+              <a:gd name="connsiteX11" fmla="*/ 6702301 w 10853928"/>
+              <a:gd name="connsiteY11" fmla="*/ 0 h 18288"/>
+              <a:gd name="connsiteX12" fmla="*/ 7272132 w 10853928"/>
+              <a:gd name="connsiteY12" fmla="*/ 0 h 18288"/>
+              <a:gd name="connsiteX13" fmla="*/ 7950502 w 10853928"/>
+              <a:gd name="connsiteY13" fmla="*/ 0 h 18288"/>
+              <a:gd name="connsiteX14" fmla="*/ 8737412 w 10853928"/>
+              <a:gd name="connsiteY14" fmla="*/ 0 h 18288"/>
+              <a:gd name="connsiteX15" fmla="*/ 9524322 w 10853928"/>
+              <a:gd name="connsiteY15" fmla="*/ 0 h 18288"/>
+              <a:gd name="connsiteX16" fmla="*/ 10853928 w 10853928"/>
+              <a:gd name="connsiteY16" fmla="*/ 0 h 18288"/>
+              <a:gd name="connsiteX17" fmla="*/ 10853928 w 10853928"/>
+              <a:gd name="connsiteY17" fmla="*/ 18288 h 18288"/>
+              <a:gd name="connsiteX18" fmla="*/ 10392636 w 10853928"/>
+              <a:gd name="connsiteY18" fmla="*/ 18288 h 18288"/>
+              <a:gd name="connsiteX19" fmla="*/ 9497187 w 10853928"/>
+              <a:gd name="connsiteY19" fmla="*/ 18288 h 18288"/>
+              <a:gd name="connsiteX20" fmla="*/ 8818817 w 10853928"/>
+              <a:gd name="connsiteY20" fmla="*/ 18288 h 18288"/>
+              <a:gd name="connsiteX21" fmla="*/ 8466064 w 10853928"/>
+              <a:gd name="connsiteY21" fmla="*/ 18288 h 18288"/>
+              <a:gd name="connsiteX22" fmla="*/ 7787693 w 10853928"/>
+              <a:gd name="connsiteY22" fmla="*/ 18288 h 18288"/>
+              <a:gd name="connsiteX23" fmla="*/ 7217862 w 10853928"/>
+              <a:gd name="connsiteY23" fmla="*/ 18288 h 18288"/>
+              <a:gd name="connsiteX24" fmla="*/ 6648031 w 10853928"/>
+              <a:gd name="connsiteY24" fmla="*/ 18288 h 18288"/>
+              <a:gd name="connsiteX25" fmla="*/ 6078200 w 10853928"/>
+              <a:gd name="connsiteY25" fmla="*/ 18288 h 18288"/>
+              <a:gd name="connsiteX26" fmla="*/ 5508368 w 10853928"/>
+              <a:gd name="connsiteY26" fmla="*/ 18288 h 18288"/>
+              <a:gd name="connsiteX27" fmla="*/ 4721459 w 10853928"/>
+              <a:gd name="connsiteY27" fmla="*/ 18288 h 18288"/>
+              <a:gd name="connsiteX28" fmla="*/ 4043088 w 10853928"/>
+              <a:gd name="connsiteY28" fmla="*/ 18288 h 18288"/>
+              <a:gd name="connsiteX29" fmla="*/ 3690336 w 10853928"/>
+              <a:gd name="connsiteY29" fmla="*/ 18288 h 18288"/>
+              <a:gd name="connsiteX30" fmla="*/ 3120504 w 10853928"/>
+              <a:gd name="connsiteY30" fmla="*/ 18288 h 18288"/>
+              <a:gd name="connsiteX31" fmla="*/ 2333595 w 10853928"/>
+              <a:gd name="connsiteY31" fmla="*/ 18288 h 18288"/>
+              <a:gd name="connsiteX32" fmla="*/ 1872303 w 10853928"/>
+              <a:gd name="connsiteY32" fmla="*/ 18288 h 18288"/>
+              <a:gd name="connsiteX33" fmla="*/ 976854 w 10853928"/>
+              <a:gd name="connsiteY33" fmla="*/ 18288 h 18288"/>
+              <a:gd name="connsiteX34" fmla="*/ 0 w 10853928"/>
+              <a:gd name="connsiteY34" fmla="*/ 18288 h 18288"/>
+              <a:gd name="connsiteX35" fmla="*/ 0 w 10853928"/>
+              <a:gd name="connsiteY35" fmla="*/ 0 h 18288"/>
+            </a:gdLst>
+            <a:ahLst/>
+            <a:cxnLst>
+              <a:cxn ang="0">
+                <a:pos x="connsiteX0" y="connsiteY0"/>
+              </a:cxn>
+              <a:cxn ang="0">
+                <a:pos x="connsiteX1" y="connsiteY1"/>
+              </a:cxn>
+              <a:cxn ang="0">
+                <a:pos x="connsiteX2" y="connsiteY2"/>
+              </a:cxn>
+              <a:cxn ang="0">
+                <a:pos x="connsiteX3" y="connsiteY3"/>
+              </a:cxn>
+              <a:cxn ang="0">
+                <a:pos x="connsiteX4" y="connsiteY4"/>
+              </a:cxn>
+              <a:cxn ang="0">
+                <a:pos x="connsiteX5" y="connsiteY5"/>
+              </a:cxn>
+              <a:cxn ang="0">
+                <a:pos x="connsiteX6" y="connsiteY6"/>
+              </a:cxn>
+              <a:cxn ang="0">
+                <a:pos x="connsiteX7" y="connsiteY7"/>
+              </a:cxn>
+              <a:cxn ang="0">
+                <a:pos x="connsiteX8" y="connsiteY8"/>
+              </a:cxn>
+              <a:cxn ang="0">
+                <a:pos x="connsiteX9" y="connsiteY9"/>
+              </a:cxn>
+              <a:cxn ang="0">
+                <a:pos x="connsiteX10" y="connsiteY10"/>
+              </a:cxn>
+              <a:cxn ang="0">
+                <a:pos x="connsiteX11" y="connsiteY11"/>
+              </a:cxn>
+              <a:cxn ang="0">
+                <a:pos x="connsiteX12" y="connsiteY12"/>
+              </a:cxn>
+              <a:cxn ang="0">
+                <a:pos x="connsiteX13" y="connsiteY13"/>
+              </a:cxn>
+              <a:cxn ang="0">
+                <a:pos x="connsiteX14" y="connsiteY14"/>
+              </a:cxn>
+              <a:cxn ang="0">
+                <a:pos x="connsiteX15" y="connsiteY15"/>
+              </a:cxn>
+              <a:cxn ang="0">
+                <a:pos x="connsiteX16" y="connsiteY16"/>
+              </a:cxn>
+              <a:cxn ang="0">
+                <a:pos x="connsiteX17" y="connsiteY17"/>
+              </a:cxn>
+              <a:cxn ang="0">
+                <a:pos x="connsiteX18" y="connsiteY18"/>
+              </a:cxn>
+              <a:cxn ang="0">
+                <a:pos x="connsiteX19" y="connsiteY19"/>
+              </a:cxn>
+              <a:cxn ang="0">
+                <a:pos x="connsiteX20" y="connsiteY20"/>
+              </a:cxn>
+              <a:cxn ang="0">
+                <a:pos x="connsiteX21" y="connsiteY21"/>
+              </a:cxn>
+              <a:cxn ang="0">
+                <a:pos x="connsiteX22" y="connsiteY22"/>
+              </a:cxn>
+              <a:cxn ang="0">
+                <a:pos x="connsiteX23" y="connsiteY23"/>
+              </a:cxn>
+              <a:cxn ang="0">
+                <a:pos x="connsiteX24" y="connsiteY24"/>
+              </a:cxn>
+              <a:cxn ang="0">
+                <a:pos x="connsiteX25" y="connsiteY25"/>
+              </a:cxn>
+              <a:cxn ang="0">
+                <a:pos x="connsiteX26" y="connsiteY26"/>
+              </a:cxn>
+              <a:cxn ang="0">
+                <a:pos x="connsiteX27" y="connsiteY27"/>
+              </a:cxn>
+              <a:cxn ang="0">
+                <a:pos x="connsiteX28" y="connsiteY28"/>
+              </a:cxn>
+              <a:cxn ang="0">
+                <a:pos x="connsiteX29" y="connsiteY29"/>
+              </a:cxn>
+              <a:cxn ang="0">
+                <a:pos x="connsiteX30" y="connsiteY30"/>
+              </a:cxn>
+              <a:cxn ang="0">
+                <a:pos x="connsiteX31" y="connsiteY31"/>
+              </a:cxn>
+              <a:cxn ang="0">
+                <a:pos x="connsiteX32" y="connsiteY32"/>
+              </a:cxn>
+              <a:cxn ang="0">
+                <a:pos x="connsiteX33" y="connsiteY33"/>
+              </a:cxn>
+              <a:cxn ang="0">
+                <a:pos x="connsiteX34" y="connsiteY34"/>
+              </a:cxn>
+              <a:cxn ang="0">
+                <a:pos x="connsiteX35" y="connsiteY35"/>
+              </a:cxn>
+            </a:cxnLst>
+            <a:rect l="l" t="t" r="r" b="b"/>
+            <a:pathLst>
+              <a:path w="10853928" h="18288" fill="none" extrusionOk="0">
+                <a:moveTo>
+                  <a:pt x="0" y="0"/>
+                </a:moveTo>
+                <a:cubicBezTo>
+                  <a:pt x="146993" y="-19076"/>
+                  <a:pt x="347684" y="-4790"/>
+                  <a:pt x="461292" y="0"/>
+                </a:cubicBezTo>
+                <a:cubicBezTo>
+                  <a:pt x="574900" y="4790"/>
+                  <a:pt x="808367" y="19821"/>
+                  <a:pt x="1139662" y="0"/>
+                </a:cubicBezTo>
+                <a:cubicBezTo>
+                  <a:pt x="1470957" y="-19821"/>
+                  <a:pt x="1627405" y="5721"/>
+                  <a:pt x="1926572" y="0"/>
+                </a:cubicBezTo>
+                <a:cubicBezTo>
+                  <a:pt x="2225739" y="-5721"/>
+                  <a:pt x="2137730" y="-3235"/>
+                  <a:pt x="2279325" y="0"/>
+                </a:cubicBezTo>
+                <a:cubicBezTo>
+                  <a:pt x="2420920" y="3235"/>
+                  <a:pt x="2456518" y="9685"/>
+                  <a:pt x="2632078" y="0"/>
+                </a:cubicBezTo>
+                <a:cubicBezTo>
+                  <a:pt x="2807638" y="-9685"/>
+                  <a:pt x="3211516" y="-43007"/>
+                  <a:pt x="3527527" y="0"/>
+                </a:cubicBezTo>
+                <a:cubicBezTo>
+                  <a:pt x="3843538" y="43007"/>
+                  <a:pt x="4058833" y="22042"/>
+                  <a:pt x="4205897" y="0"/>
+                </a:cubicBezTo>
+                <a:cubicBezTo>
+                  <a:pt x="4352961" y="-22042"/>
+                  <a:pt x="4474805" y="-11846"/>
+                  <a:pt x="4558650" y="0"/>
+                </a:cubicBezTo>
+                <a:cubicBezTo>
+                  <a:pt x="4642495" y="11846"/>
+                  <a:pt x="5041928" y="-6069"/>
+                  <a:pt x="5237020" y="0"/>
+                </a:cubicBezTo>
+                <a:cubicBezTo>
+                  <a:pt x="5432112" y="6069"/>
+                  <a:pt x="5943266" y="-17479"/>
+                  <a:pt x="6132469" y="0"/>
+                </a:cubicBezTo>
+                <a:cubicBezTo>
+                  <a:pt x="6321672" y="17479"/>
+                  <a:pt x="6483872" y="26234"/>
+                  <a:pt x="6702301" y="0"/>
+                </a:cubicBezTo>
+                <a:cubicBezTo>
+                  <a:pt x="6920730" y="-26234"/>
+                  <a:pt x="6991194" y="-15156"/>
+                  <a:pt x="7272132" y="0"/>
+                </a:cubicBezTo>
+                <a:cubicBezTo>
+                  <a:pt x="7553070" y="15156"/>
+                  <a:pt x="7684444" y="-32961"/>
+                  <a:pt x="7950502" y="0"/>
+                </a:cubicBezTo>
+                <a:cubicBezTo>
+                  <a:pt x="8216560" y="32961"/>
+                  <a:pt x="8493290" y="-10491"/>
+                  <a:pt x="8737412" y="0"/>
+                </a:cubicBezTo>
+                <a:cubicBezTo>
+                  <a:pt x="8981534" y="10491"/>
+                  <a:pt x="9191586" y="-13899"/>
+                  <a:pt x="9524322" y="0"/>
+                </a:cubicBezTo>
+                <a:cubicBezTo>
+                  <a:pt x="9857058" y="13899"/>
+                  <a:pt x="10297509" y="7485"/>
+                  <a:pt x="10853928" y="0"/>
+                </a:cubicBezTo>
+                <a:cubicBezTo>
+                  <a:pt x="10854574" y="4451"/>
+                  <a:pt x="10854418" y="9226"/>
+                  <a:pt x="10853928" y="18288"/>
+                </a:cubicBezTo>
+                <a:cubicBezTo>
+                  <a:pt x="10691638" y="28522"/>
+                  <a:pt x="10574319" y="29578"/>
+                  <a:pt x="10392636" y="18288"/>
+                </a:cubicBezTo>
+                <a:cubicBezTo>
+                  <a:pt x="10210953" y="6998"/>
+                  <a:pt x="9836277" y="-16742"/>
+                  <a:pt x="9497187" y="18288"/>
+                </a:cubicBezTo>
+                <a:cubicBezTo>
+                  <a:pt x="9158097" y="53318"/>
+                  <a:pt x="9119479" y="30714"/>
+                  <a:pt x="8818817" y="18288"/>
+                </a:cubicBezTo>
+                <a:cubicBezTo>
+                  <a:pt x="8518155" y="5863"/>
+                  <a:pt x="8640037" y="6483"/>
+                  <a:pt x="8466064" y="18288"/>
+                </a:cubicBezTo>
+                <a:cubicBezTo>
+                  <a:pt x="8292091" y="30093"/>
+                  <a:pt x="7997656" y="18914"/>
+                  <a:pt x="7787693" y="18288"/>
+                </a:cubicBezTo>
+                <a:cubicBezTo>
+                  <a:pt x="7577730" y="17662"/>
+                  <a:pt x="7412468" y="21416"/>
+                  <a:pt x="7217862" y="18288"/>
+                </a:cubicBezTo>
+                <a:cubicBezTo>
+                  <a:pt x="7023256" y="15160"/>
+                  <a:pt x="6898018" y="14824"/>
+                  <a:pt x="6648031" y="18288"/>
+                </a:cubicBezTo>
+                <a:cubicBezTo>
+                  <a:pt x="6398044" y="21752"/>
+                  <a:pt x="6254402" y="38625"/>
+                  <a:pt x="6078200" y="18288"/>
+                </a:cubicBezTo>
+                <a:cubicBezTo>
+                  <a:pt x="5901998" y="-2049"/>
+                  <a:pt x="5622886" y="3213"/>
+                  <a:pt x="5508368" y="18288"/>
+                </a:cubicBezTo>
+                <a:cubicBezTo>
+                  <a:pt x="5393850" y="33363"/>
+                  <a:pt x="5036260" y="26830"/>
+                  <a:pt x="4721459" y="18288"/>
+                </a:cubicBezTo>
+                <a:cubicBezTo>
+                  <a:pt x="4406658" y="9746"/>
+                  <a:pt x="4239221" y="41551"/>
+                  <a:pt x="4043088" y="18288"/>
+                </a:cubicBezTo>
+                <a:cubicBezTo>
+                  <a:pt x="3846955" y="-4975"/>
+                  <a:pt x="3818802" y="34658"/>
+                  <a:pt x="3690336" y="18288"/>
+                </a:cubicBezTo>
+                <a:cubicBezTo>
+                  <a:pt x="3561870" y="1918"/>
+                  <a:pt x="3265491" y="42194"/>
+                  <a:pt x="3120504" y="18288"/>
+                </a:cubicBezTo>
+                <a:cubicBezTo>
+                  <a:pt x="2975517" y="-5618"/>
+                  <a:pt x="2720254" y="36673"/>
+                  <a:pt x="2333595" y="18288"/>
+                </a:cubicBezTo>
+                <a:cubicBezTo>
+                  <a:pt x="1946936" y="-97"/>
+                  <a:pt x="2097241" y="5776"/>
+                  <a:pt x="1872303" y="18288"/>
+                </a:cubicBezTo>
+                <a:cubicBezTo>
+                  <a:pt x="1647365" y="30800"/>
+                  <a:pt x="1282708" y="45380"/>
+                  <a:pt x="976854" y="18288"/>
+                </a:cubicBezTo>
+                <a:cubicBezTo>
+                  <a:pt x="671000" y="-8804"/>
+                  <a:pt x="408401" y="-12775"/>
+                  <a:pt x="0" y="18288"/>
+                </a:cubicBezTo>
+                <a:cubicBezTo>
+                  <a:pt x="-213" y="9468"/>
+                  <a:pt x="187" y="4459"/>
+                  <a:pt x="0" y="0"/>
+                </a:cubicBezTo>
+                <a:close/>
+              </a:path>
+              <a:path w="10853928" h="18288" stroke="0" extrusionOk="0">
+                <a:moveTo>
+                  <a:pt x="0" y="0"/>
+                </a:moveTo>
+                <a:cubicBezTo>
+                  <a:pt x="267322" y="15284"/>
+                  <a:pt x="415388" y="-21048"/>
+                  <a:pt x="569831" y="0"/>
+                </a:cubicBezTo>
+                <a:cubicBezTo>
+                  <a:pt x="724274" y="21048"/>
+                  <a:pt x="769333" y="-2353"/>
+                  <a:pt x="922584" y="0"/>
+                </a:cubicBezTo>
+                <a:cubicBezTo>
+                  <a:pt x="1075835" y="2353"/>
+                  <a:pt x="1399490" y="-145"/>
+                  <a:pt x="1818033" y="0"/>
+                </a:cubicBezTo>
+                <a:cubicBezTo>
+                  <a:pt x="2236576" y="145"/>
+                  <a:pt x="2145330" y="5482"/>
+                  <a:pt x="2387864" y="0"/>
+                </a:cubicBezTo>
+                <a:cubicBezTo>
+                  <a:pt x="2630398" y="-5482"/>
+                  <a:pt x="2793207" y="18487"/>
+                  <a:pt x="2957695" y="0"/>
+                </a:cubicBezTo>
+                <a:cubicBezTo>
+                  <a:pt x="3122183" y="-18487"/>
+                  <a:pt x="3579141" y="19003"/>
+                  <a:pt x="3853144" y="0"/>
+                </a:cubicBezTo>
+                <a:cubicBezTo>
+                  <a:pt x="4127147" y="-19003"/>
+                  <a:pt x="4209857" y="12211"/>
+                  <a:pt x="4314436" y="0"/>
+                </a:cubicBezTo>
+                <a:cubicBezTo>
+                  <a:pt x="4419015" y="-12211"/>
+                  <a:pt x="4762459" y="-17220"/>
+                  <a:pt x="5209885" y="0"/>
+                </a:cubicBezTo>
+                <a:cubicBezTo>
+                  <a:pt x="5657311" y="17220"/>
+                  <a:pt x="5692663" y="-3290"/>
+                  <a:pt x="6105335" y="0"/>
+                </a:cubicBezTo>
+                <a:cubicBezTo>
+                  <a:pt x="6518007" y="3290"/>
+                  <a:pt x="6455516" y="-5124"/>
+                  <a:pt x="6783705" y="0"/>
+                </a:cubicBezTo>
+                <a:cubicBezTo>
+                  <a:pt x="7111894" y="5124"/>
+                  <a:pt x="7441941" y="-17829"/>
+                  <a:pt x="7679154" y="0"/>
+                </a:cubicBezTo>
+                <a:cubicBezTo>
+                  <a:pt x="7916367" y="17829"/>
+                  <a:pt x="8102967" y="-24363"/>
+                  <a:pt x="8248985" y="0"/>
+                </a:cubicBezTo>
+                <a:cubicBezTo>
+                  <a:pt x="8395003" y="24363"/>
+                  <a:pt x="8552393" y="25505"/>
+                  <a:pt x="8818817" y="0"/>
+                </a:cubicBezTo>
+                <a:cubicBezTo>
+                  <a:pt x="9085241" y="-25505"/>
+                  <a:pt x="9411308" y="38000"/>
+                  <a:pt x="9605726" y="0"/>
+                </a:cubicBezTo>
+                <a:cubicBezTo>
+                  <a:pt x="9800144" y="-38000"/>
+                  <a:pt x="10006468" y="-25741"/>
+                  <a:pt x="10175558" y="0"/>
+                </a:cubicBezTo>
+                <a:cubicBezTo>
+                  <a:pt x="10344648" y="25741"/>
+                  <a:pt x="10696282" y="695"/>
+                  <a:pt x="10853928" y="0"/>
+                </a:cubicBezTo>
+                <a:cubicBezTo>
+                  <a:pt x="10853521" y="8690"/>
+                  <a:pt x="10853774" y="14141"/>
+                  <a:pt x="10853928" y="18288"/>
+                </a:cubicBezTo>
+                <a:cubicBezTo>
+                  <a:pt x="10608124" y="24255"/>
+                  <a:pt x="10343415" y="22307"/>
+                  <a:pt x="10067018" y="18288"/>
+                </a:cubicBezTo>
+                <a:cubicBezTo>
+                  <a:pt x="9790621" y="14270"/>
+                  <a:pt x="9843266" y="3564"/>
+                  <a:pt x="9714266" y="18288"/>
+                </a:cubicBezTo>
+                <a:cubicBezTo>
+                  <a:pt x="9585266" y="33012"/>
+                  <a:pt x="9379484" y="1875"/>
+                  <a:pt x="9252974" y="18288"/>
+                </a:cubicBezTo>
+                <a:cubicBezTo>
+                  <a:pt x="9126464" y="34701"/>
+                  <a:pt x="8580678" y="-4904"/>
+                  <a:pt x="8357525" y="18288"/>
+                </a:cubicBezTo>
+                <a:cubicBezTo>
+                  <a:pt x="8134372" y="41480"/>
+                  <a:pt x="7903199" y="26458"/>
+                  <a:pt x="7679154" y="18288"/>
+                </a:cubicBezTo>
+                <a:cubicBezTo>
+                  <a:pt x="7455109" y="10118"/>
+                  <a:pt x="7435944" y="27109"/>
+                  <a:pt x="7217862" y="18288"/>
+                </a:cubicBezTo>
+                <a:cubicBezTo>
+                  <a:pt x="6999780" y="9467"/>
+                  <a:pt x="6680409" y="18985"/>
+                  <a:pt x="6539492" y="18288"/>
+                </a:cubicBezTo>
+                <a:cubicBezTo>
+                  <a:pt x="6398575" y="17592"/>
+                  <a:pt x="6312077" y="33018"/>
+                  <a:pt x="6186739" y="18288"/>
+                </a:cubicBezTo>
+                <a:cubicBezTo>
+                  <a:pt x="6061401" y="3558"/>
+                  <a:pt x="5947033" y="12075"/>
+                  <a:pt x="5833986" y="18288"/>
+                </a:cubicBezTo>
+                <a:cubicBezTo>
+                  <a:pt x="5720939" y="24501"/>
+                  <a:pt x="5482226" y="8586"/>
+                  <a:pt x="5155616" y="18288"/>
+                </a:cubicBezTo>
+                <a:cubicBezTo>
+                  <a:pt x="4829006" y="27991"/>
+                  <a:pt x="4841274" y="29316"/>
+                  <a:pt x="4694324" y="18288"/>
+                </a:cubicBezTo>
+                <a:cubicBezTo>
+                  <a:pt x="4547374" y="7260"/>
+                  <a:pt x="4077675" y="7013"/>
+                  <a:pt x="3907414" y="18288"/>
+                </a:cubicBezTo>
+                <a:cubicBezTo>
+                  <a:pt x="3737153" y="29564"/>
+                  <a:pt x="3538393" y="21630"/>
+                  <a:pt x="3446122" y="18288"/>
+                </a:cubicBezTo>
+                <a:cubicBezTo>
+                  <a:pt x="3353851" y="14946"/>
+                  <a:pt x="2990320" y="-8091"/>
+                  <a:pt x="2659212" y="18288"/>
+                </a:cubicBezTo>
+                <a:cubicBezTo>
+                  <a:pt x="2328104" y="44667"/>
+                  <a:pt x="2427653" y="9607"/>
+                  <a:pt x="2306460" y="18288"/>
+                </a:cubicBezTo>
+                <a:cubicBezTo>
+                  <a:pt x="2185267" y="26969"/>
+                  <a:pt x="1719763" y="3717"/>
+                  <a:pt x="1519550" y="18288"/>
+                </a:cubicBezTo>
+                <a:cubicBezTo>
+                  <a:pt x="1319337" y="32860"/>
+                  <a:pt x="1167371" y="17040"/>
+                  <a:pt x="1058258" y="18288"/>
+                </a:cubicBezTo>
+                <a:cubicBezTo>
+                  <a:pt x="949145" y="19536"/>
+                  <a:pt x="780234" y="31447"/>
+                  <a:pt x="705505" y="18288"/>
+                </a:cubicBezTo>
+                <a:cubicBezTo>
+                  <a:pt x="630776" y="5129"/>
+                  <a:pt x="215796" y="30056"/>
+                  <a:pt x="0" y="18288"/>
+                </a:cubicBezTo>
+                <a:cubicBezTo>
+                  <a:pt x="-53" y="11301"/>
+                  <a:pt x="-649" y="7756"/>
+                  <a:pt x="0" y="0"/>
+                </a:cubicBezTo>
+                <a:close/>
+              </a:path>
+            </a:pathLst>
+          </a:custGeom>
+          <a:solidFill>
+            <a:schemeClr val="accent2"/>
+          </a:solidFill>
+          <a:ln w="41275" cap="rnd">
+            <a:solidFill>
+              <a:schemeClr val="accent2"/>
+            </a:solidFill>
+            <a:round/>
+            <a:extLst>
+              <a:ext uri="{C807C97D-BFC1-408E-A445-0C87EB9F89A2}">
+                <ask:lineSketchStyleProps xmlns:ask="http://schemas.microsoft.com/office/drawing/2018/sketchyshapes" sd="1219033472">
+                  <a:prstGeom prst="rect">
+                    <a:avLst/>
+                  </a:prstGeom>
+                  <ask:type>
+                    <ask:lineSketchFreehand/>
+                  </ask:type>
+                </ask:lineSketchStyleProps>
+              </a:ext>
+            </a:extLst>
+          </a:ln>
+        </p:spPr>
+        <p:style>
+          <a:lnRef idx="2">
+            <a:schemeClr val="accent1">
+              <a:shade val="50000"/>
+            </a:schemeClr>
+          </a:lnRef>
+          <a:fillRef idx="1">
+            <a:schemeClr val="accent1"/>
+          </a:fillRef>
+          <a:effectRef idx="0">
+            <a:schemeClr val="accent1"/>
+          </a:effectRef>
+          <a:fontRef idx="minor">
+            <a:schemeClr val="lt1"/>
+          </a:fontRef>
+        </p:style>
+        <p:txBody>
+          <a:bodyPr rtlCol="0" anchor="ctr"/>
+          <a:lstStyle/>
+          <a:p>
+            <a:pPr algn="ctr"/>
+            <a:endParaRPr lang="en-US"/>
+          </a:p>
+        </p:txBody>
+      </p:sp>
+      <p:sp>
+        <p:nvSpPr>
+          <p:cNvPr id="3" name="Content Placeholder 2">
+            <a:extLst>
+              <a:ext uri="{FF2B5EF4-FFF2-40B4-BE49-F238E27FC236}">
+                <a16:creationId xmlns:a16="http://schemas.microsoft.com/office/drawing/2014/main" id="{E983D39D-D9B4-4679-AF04-218B9A0E7F83}"/>
+              </a:ext>
+            </a:extLst>
+          </p:cNvPr>
+          <p:cNvSpPr>
+            <a:spLocks noGrp="1"/>
+          </p:cNvSpPr>
+          <p:nvPr>
+            <p:ph idx="1"/>
+          </p:nvPr>
+        </p:nvSpPr>
+        <p:spPr>
+          <a:xfrm>
+            <a:off x="838200" y="1929384"/>
+            <a:ext cx="10515600" cy="4251960"/>
+          </a:xfrm>
+        </p:spPr>
+        <p:txBody>
+          <a:bodyPr>
+            <a:normAutofit/>
+          </a:bodyPr>
+          <a:lstStyle/>
+          <a:p>
+            <a:pPr lvl="1">
+              <a:buFont typeface="Wingdings" panose="05000000000000000000" pitchFamily="2" charset="2"/>
+              <a:buChar char="Ø"/>
+            </a:pPr>
+            <a:r>
+              <a:rPr lang="en-GB" sz="2800" dirty="0" err="1"/>
+              <a:t>Úloha</a:t>
+            </a:r>
+            <a:r>
+              <a:rPr lang="en-GB" sz="2800" dirty="0"/>
+              <a:t> je </a:t>
+            </a:r>
+            <a:r>
+              <a:rPr lang="en-GB" sz="2800" dirty="0" err="1"/>
+              <a:t>detekovať</a:t>
+            </a:r>
+            <a:r>
+              <a:rPr lang="en-GB" sz="2800" dirty="0"/>
+              <a:t> </a:t>
+            </a:r>
+            <a:r>
+              <a:rPr lang="en-GB" sz="2800" dirty="0" err="1"/>
+              <a:t>jazdný</a:t>
+            </a:r>
+            <a:r>
+              <a:rPr lang="en-GB" sz="2800" dirty="0"/>
+              <a:t> </a:t>
+            </a:r>
+            <a:r>
+              <a:rPr lang="en-GB" sz="2800" dirty="0" err="1"/>
+              <a:t>pruh</a:t>
+            </a:r>
+            <a:r>
+              <a:rPr lang="en-GB" sz="2800" dirty="0"/>
+              <a:t>, </a:t>
+            </a:r>
+            <a:r>
+              <a:rPr lang="en-GB" sz="2800" dirty="0" err="1"/>
+              <a:t>členenie</a:t>
+            </a:r>
+            <a:r>
+              <a:rPr lang="en-GB" sz="2800" dirty="0"/>
+              <a:t> </a:t>
+            </a:r>
+            <a:r>
+              <a:rPr lang="en-GB" sz="2800" dirty="0" err="1"/>
+              <a:t>cesty</a:t>
+            </a:r>
+            <a:r>
+              <a:rPr lang="en-GB" sz="2800" dirty="0"/>
+              <a:t>, </a:t>
+            </a:r>
+            <a:r>
+              <a:rPr lang="en-GB" sz="2800" dirty="0" err="1"/>
+              <a:t>prekážky</a:t>
+            </a:r>
+            <a:r>
+              <a:rPr lang="en-GB" sz="2800" dirty="0"/>
+              <a:t>, </a:t>
+            </a:r>
+            <a:r>
+              <a:rPr lang="en-GB" sz="2800" dirty="0" err="1"/>
+              <a:t>dopravné</a:t>
+            </a:r>
+            <a:r>
+              <a:rPr lang="en-GB" sz="2800" dirty="0"/>
+              <a:t>/</a:t>
+            </a:r>
+            <a:r>
+              <a:rPr lang="en-GB" sz="2800" dirty="0" err="1"/>
+              <a:t>svetelné</a:t>
+            </a:r>
+            <a:r>
+              <a:rPr lang="en-GB" sz="2800" dirty="0"/>
+              <a:t>/</a:t>
+            </a:r>
+            <a:r>
+              <a:rPr lang="en-GB" sz="2800" dirty="0" err="1"/>
+              <a:t>cestné</a:t>
+            </a:r>
+            <a:r>
+              <a:rPr lang="en-GB" sz="2800" dirty="0"/>
+              <a:t> </a:t>
+            </a:r>
+            <a:r>
+              <a:rPr lang="en-GB" sz="2800" dirty="0" err="1"/>
+              <a:t>značky</a:t>
+            </a:r>
+            <a:r>
+              <a:rPr lang="en-GB" sz="2800" dirty="0"/>
+              <a:t> a </a:t>
+            </a:r>
+            <a:r>
+              <a:rPr lang="en-GB" sz="2800" dirty="0" err="1"/>
+              <a:t>odhadovať</a:t>
+            </a:r>
+            <a:r>
+              <a:rPr lang="en-GB" sz="2800" dirty="0"/>
+              <a:t> </a:t>
+            </a:r>
+            <a:r>
+              <a:rPr lang="en-GB" sz="2800" dirty="0" err="1"/>
+              <a:t>rýchlosť</a:t>
+            </a:r>
+            <a:r>
+              <a:rPr lang="en-GB" sz="2800" dirty="0"/>
+              <a:t> </a:t>
+            </a:r>
+            <a:r>
+              <a:rPr lang="en-GB" sz="2800" dirty="0" err="1"/>
+              <a:t>vozidiel</a:t>
+            </a:r>
+            <a:endParaRPr lang="en-GB" sz="2800" dirty="0"/>
+          </a:p>
+          <a:p>
+            <a:pPr lvl="1">
+              <a:buFont typeface="Wingdings" panose="05000000000000000000" pitchFamily="2" charset="2"/>
+              <a:buChar char="Ø"/>
+            </a:pPr>
+            <a:endParaRPr lang="en-GB" sz="2800" dirty="0"/>
+          </a:p>
+          <a:p>
+            <a:pPr lvl="1">
+              <a:buFont typeface="Wingdings" panose="05000000000000000000" pitchFamily="2" charset="2"/>
+              <a:buChar char="Ø"/>
+            </a:pPr>
+            <a:r>
+              <a:rPr lang="en-GB" sz="2800" dirty="0"/>
+              <a:t>Smart </a:t>
+            </a:r>
+            <a:r>
+              <a:rPr lang="en-GB" sz="2800" dirty="0" err="1"/>
+              <a:t>senzory</a:t>
+            </a:r>
+            <a:endParaRPr lang="en-GB" sz="2800" dirty="0"/>
+          </a:p>
+          <a:p>
+            <a:pPr lvl="1">
+              <a:buFont typeface="Wingdings" panose="05000000000000000000" pitchFamily="2" charset="2"/>
+              <a:buChar char="Ø"/>
+            </a:pPr>
+            <a:r>
+              <a:rPr lang="en-GB" sz="2800" dirty="0" err="1"/>
+              <a:t>Senzorová</a:t>
+            </a:r>
+            <a:r>
+              <a:rPr lang="en-GB" sz="2800" dirty="0"/>
+              <a:t> </a:t>
+            </a:r>
+            <a:r>
+              <a:rPr lang="en-GB" sz="2800" dirty="0" err="1"/>
+              <a:t>fúzia</a:t>
+            </a:r>
+            <a:r>
+              <a:rPr lang="en-GB" sz="2800" dirty="0"/>
+              <a:t> – </a:t>
+            </a:r>
+            <a:r>
+              <a:rPr lang="en-GB" sz="2800" dirty="0" err="1"/>
+              <a:t>klasická</a:t>
+            </a:r>
+            <a:r>
+              <a:rPr lang="en-GB" sz="2800" dirty="0"/>
+              <a:t> </a:t>
+            </a:r>
+            <a:r>
+              <a:rPr lang="en-GB" sz="2800" dirty="0" err="1"/>
+              <a:t>alebo</a:t>
+            </a:r>
+            <a:r>
+              <a:rPr lang="en-GB" sz="2800" dirty="0"/>
+              <a:t> DL </a:t>
+            </a:r>
+            <a:r>
+              <a:rPr lang="en-GB" sz="2800" dirty="0" err="1"/>
+              <a:t>algoritmy</a:t>
+            </a:r>
+            <a:endParaRPr lang="en-GB" sz="2800" i="1" dirty="0"/>
+          </a:p>
+          <a:p>
+            <a:pPr lvl="2"/>
+            <a:r>
+              <a:rPr lang="en-GB" dirty="0"/>
+              <a:t>RADAR-</a:t>
+            </a:r>
+            <a:r>
+              <a:rPr lang="en-GB" dirty="0" err="1"/>
+              <a:t>kamerová</a:t>
+            </a:r>
+            <a:r>
+              <a:rPr lang="en-GB" dirty="0"/>
+              <a:t> </a:t>
+            </a:r>
+            <a:r>
+              <a:rPr lang="en-GB" dirty="0" err="1"/>
+              <a:t>fúzia</a:t>
+            </a:r>
+            <a:r>
+              <a:rPr lang="en-GB" dirty="0"/>
+              <a:t> – </a:t>
+            </a:r>
+            <a:r>
+              <a:rPr lang="en-GB" dirty="0" err="1"/>
+              <a:t>LaneNet</a:t>
+            </a:r>
+            <a:r>
+              <a:rPr lang="en-GB" dirty="0"/>
+              <a:t>, YOLO, Radar Centric 3D Object Detection - </a:t>
+            </a:r>
+            <a:r>
+              <a:rPr lang="en-GB" dirty="0" err="1"/>
+              <a:t>FusionNet</a:t>
+            </a:r>
+            <a:endParaRPr lang="en-GB" dirty="0"/>
+          </a:p>
+          <a:p>
+            <a:pPr lvl="2"/>
+            <a:r>
+              <a:rPr lang="en-GB" dirty="0"/>
+              <a:t>LIDAR-</a:t>
+            </a:r>
+            <a:r>
+              <a:rPr lang="en-GB" dirty="0" err="1"/>
+              <a:t>kamerová</a:t>
+            </a:r>
+            <a:r>
+              <a:rPr lang="en-GB" dirty="0"/>
+              <a:t> </a:t>
+            </a:r>
+            <a:r>
+              <a:rPr lang="en-GB" dirty="0" err="1"/>
+              <a:t>fúzia</a:t>
+            </a:r>
+            <a:endParaRPr lang="en-GB" dirty="0"/>
+          </a:p>
+          <a:p>
+            <a:pPr lvl="2"/>
+            <a:r>
+              <a:rPr lang="en-GB" dirty="0"/>
+              <a:t>RADAR-LIDAR </a:t>
+            </a:r>
+            <a:r>
+              <a:rPr lang="en-GB" dirty="0" err="1"/>
+              <a:t>fúzia</a:t>
+            </a:r>
+            <a:endParaRPr lang="en-GB" dirty="0"/>
+          </a:p>
+          <a:p>
+            <a:pPr lvl="2"/>
+            <a:r>
+              <a:rPr lang="en-GB" dirty="0"/>
+              <a:t>LIDAR-</a:t>
+            </a:r>
+            <a:r>
+              <a:rPr lang="en-GB" dirty="0" err="1"/>
+              <a:t>stereokamerová</a:t>
+            </a:r>
+            <a:r>
+              <a:rPr lang="en-GB" dirty="0"/>
+              <a:t> </a:t>
+            </a:r>
+            <a:r>
+              <a:rPr lang="en-GB" dirty="0" err="1"/>
+              <a:t>fúzia</a:t>
+            </a:r>
+            <a:endParaRPr lang="en-GB" dirty="0"/>
+          </a:p>
+        </p:txBody>
+      </p:sp>
+    </p:spTree>
+    <p:extLst>
+      <p:ext uri="{BB962C8B-B14F-4D97-AF65-F5344CB8AC3E}">
+        <p14:creationId xmlns:p14="http://schemas.microsoft.com/office/powerpoint/2010/main" val="2948015553"/>
       </p:ext>
     </p:extLst>
   </p:cSld>
